--- a/WanderMust_Proposal.pptx
+++ b/WanderMust_Proposal.pptx
@@ -10,6 +10,10 @@
     <p:sldId id="258" r:id="rId4"/>
     <p:sldId id="259" r:id="rId5"/>
     <p:sldId id="260" r:id="rId6"/>
+    <p:sldId id="261" r:id="rId7"/>
+    <p:sldId id="262" r:id="rId8"/>
+    <p:sldId id="263" r:id="rId9"/>
+    <p:sldId id="264" r:id="rId10"/>
   </p:sldIdLst>
   <p:sldSz cx="7772400" cy="10058400"/>
   <p:notesSz cx="6858000" cy="9144000"/>
@@ -580,7 +584,7 @@
             <a:fld id="{E30E2307-1E40-4E12-8716-25BFDA8E7013}" type="datetime1">
               <a:rPr lang="en-US" smtClean="0"/>
               <a:pPr/>
-              <a:t>5/9/18</a:t>
+              <a:t>5/11/18</a:t>
             </a:fld>
             <a:endParaRPr lang="en-US"/>
           </a:p>
@@ -747,7 +751,7 @@
             <a:fld id="{E5CFCF5A-EA79-452C-A52C-1A2668C2E7DF}" type="datetime1">
               <a:rPr lang="en-US" smtClean="0"/>
               <a:pPr/>
-              <a:t>5/9/18</a:t>
+              <a:t>5/11/18</a:t>
             </a:fld>
             <a:endParaRPr lang="en-US"/>
           </a:p>
@@ -924,7 +928,7 @@
             <a:fld id="{2E5C4C28-BD4B-4892-9A2D-6E19BD753A9A}" type="datetime1">
               <a:rPr lang="en-US" smtClean="0"/>
               <a:pPr/>
-              <a:t>5/9/18</a:t>
+              <a:t>5/11/18</a:t>
             </a:fld>
             <a:endParaRPr lang="en-US"/>
           </a:p>
@@ -1091,7 +1095,7 @@
             <a:fld id="{61FD9D02-426E-46C9-9EE9-0DE1EF8B2838}" type="datetime1">
               <a:rPr lang="en-US" smtClean="0"/>
               <a:pPr/>
-              <a:t>5/9/18</a:t>
+              <a:t>5/11/18</a:t>
             </a:fld>
             <a:endParaRPr lang="en-US"/>
           </a:p>
@@ -1646,7 +1650,7 @@
             <a:fld id="{7B8AEBBE-F8B2-42CF-9895-E86A608384EB}" type="datetime1">
               <a:rPr lang="en-US" smtClean="0"/>
               <a:pPr/>
-              <a:t>5/9/18</a:t>
+              <a:t>5/11/18</a:t>
             </a:fld>
             <a:endParaRPr lang="en-US"/>
           </a:p>
@@ -1908,7 +1912,7 @@
             <a:fld id="{E1FAA6B6-10E5-4810-BC9F-DA72D8452E73}" type="datetime1">
               <a:rPr lang="en-US" smtClean="0"/>
               <a:pPr/>
-              <a:t>5/9/18</a:t>
+              <a:t>5/11/18</a:t>
             </a:fld>
             <a:endParaRPr lang="en-US"/>
           </a:p>
@@ -2398,7 +2402,7 @@
             <a:fld id="{6D18D072-EF12-4AA2-BD71-ABC68B06D0E2}" type="datetime1">
               <a:rPr lang="en-US" smtClean="0"/>
               <a:pPr/>
-              <a:t>5/9/18</a:t>
+              <a:t>5/11/18</a:t>
             </a:fld>
             <a:endParaRPr lang="en-US"/>
           </a:p>
@@ -2513,7 +2517,7 @@
             <a:fld id="{B8CDBF60-6CC3-4B74-A60D-3486985E4346}" type="datetime1">
               <a:rPr lang="en-US" smtClean="0"/>
               <a:pPr/>
-              <a:t>5/9/18</a:t>
+              <a:t>5/11/18</a:t>
             </a:fld>
             <a:endParaRPr lang="en-US"/>
           </a:p>
@@ -2605,7 +2609,7 @@
             <a:fld id="{22714818-984F-4759-BF72-A33BDC1963BD}" type="datetime1">
               <a:rPr lang="en-US" smtClean="0"/>
               <a:pPr/>
-              <a:t>5/9/18</a:t>
+              <a:t>5/11/18</a:t>
             </a:fld>
             <a:endParaRPr lang="en-US"/>
           </a:p>
@@ -3037,7 +3041,7 @@
             <a:fld id="{9EA7E191-5F94-4FC1-B823-BD7CABF7FA06}" type="datetime1">
               <a:rPr lang="en-US" smtClean="0"/>
               <a:pPr/>
-              <a:t>5/9/18</a:t>
+              <a:t>5/11/18</a:t>
             </a:fld>
             <a:endParaRPr lang="en-US"/>
           </a:p>
@@ -3572,7 +3576,7 @@
             <a:fld id="{88856D55-EFBE-4F9B-8A5F-09D42CA22A9B}" type="datetime1">
               <a:rPr lang="en-US" smtClean="0"/>
               <a:pPr/>
-              <a:t>5/9/18</a:t>
+              <a:t>5/11/18</a:t>
             </a:fld>
             <a:endParaRPr lang="en-US"/>
           </a:p>
@@ -4414,7 +4418,7 @@
             <a:fld id="{9D1D110F-3F4E-48D9-B8AA-5D0E825AFDBA}" type="datetime1">
               <a:rPr lang="en-US" smtClean="0"/>
               <a:pPr/>
-              <a:t>5/9/18</a:t>
+              <a:t>5/11/18</a:t>
             </a:fld>
             <a:endParaRPr lang="en-US"/>
           </a:p>
@@ -7102,6 +7106,937 @@
 </p:sld>
 </file>
 
+<file path=ppt/slides/slide6.xml><?xml version="1.0" encoding="utf-8"?>
+<p:sld xmlns:a="http://schemas.openxmlformats.org/drawingml/2006/main" xmlns:r="http://schemas.openxmlformats.org/officeDocument/2006/relationships" xmlns:p="http://schemas.openxmlformats.org/presentationml/2006/main">
+  <p:cSld>
+    <p:spTree>
+      <p:nvGrpSpPr>
+        <p:cNvPr id="1" name=""/>
+        <p:cNvGrpSpPr/>
+        <p:nvPr/>
+      </p:nvGrpSpPr>
+      <p:grpSpPr>
+        <a:xfrm>
+          <a:off x="0" y="0"/>
+          <a:ext cx="0" cy="0"/>
+          <a:chOff x="0" y="0"/>
+          <a:chExt cx="0" cy="0"/>
+        </a:xfrm>
+      </p:grpSpPr>
+      <p:sp>
+        <p:nvSpPr>
+          <p:cNvPr id="5" name="Title 4"/>
+          <p:cNvSpPr>
+            <a:spLocks noGrp="1"/>
+          </p:cNvSpPr>
+          <p:nvPr>
+            <p:ph type="title"/>
+          </p:nvPr>
+        </p:nvSpPr>
+        <p:spPr/>
+        <p:txBody>
+          <a:bodyPr/>
+          <a:lstStyle/>
+          <a:p>
+            <a:r>
+              <a:rPr lang="en-US" dirty="0" smtClean="0"/>
+              <a:t>Requirements</a:t>
+            </a:r>
+            <a:endParaRPr lang="en-US" dirty="0"/>
+          </a:p>
+        </p:txBody>
+      </p:sp>
+      <p:sp>
+        <p:nvSpPr>
+          <p:cNvPr id="6" name="Content Placeholder 5"/>
+          <p:cNvSpPr>
+            <a:spLocks noGrp="1"/>
+          </p:cNvSpPr>
+          <p:nvPr>
+            <p:ph idx="1"/>
+          </p:nvPr>
+        </p:nvSpPr>
+        <p:spPr/>
+        <p:txBody>
+          <a:bodyPr/>
+          <a:lstStyle/>
+          <a:p>
+            <a:pPr>
+              <a:buFont typeface="+mj-lt"/>
+              <a:buAutoNum type="arabicPeriod"/>
+            </a:pPr>
+            <a:r>
+              <a:rPr lang="en-US" dirty="0" smtClean="0"/>
+              <a:t>Node &amp; Express Web-Server</a:t>
+            </a:r>
+          </a:p>
+          <a:p>
+            <a:pPr>
+              <a:buFont typeface="+mj-lt"/>
+              <a:buAutoNum type="arabicPeriod"/>
+            </a:pPr>
+            <a:r>
+              <a:rPr lang="en-US" dirty="0" smtClean="0"/>
+              <a:t>MYSQL Database with a </a:t>
+            </a:r>
+            <a:r>
+              <a:rPr lang="en-US" dirty="0" err="1" smtClean="0"/>
+              <a:t>Sequelize</a:t>
+            </a:r>
+            <a:r>
+              <a:rPr lang="en-US" dirty="0" smtClean="0"/>
+              <a:t> ORM</a:t>
+            </a:r>
+          </a:p>
+          <a:p>
+            <a:pPr>
+              <a:buFont typeface="+mj-lt"/>
+              <a:buAutoNum type="arabicPeriod"/>
+            </a:pPr>
+            <a:r>
+              <a:rPr lang="en-US" dirty="0" smtClean="0"/>
+              <a:t>GET &amp; POST Routes</a:t>
+            </a:r>
+          </a:p>
+          <a:p>
+            <a:pPr>
+              <a:buFont typeface="+mj-lt"/>
+              <a:buAutoNum type="arabicPeriod"/>
+            </a:pPr>
+            <a:r>
+              <a:rPr lang="en-US" dirty="0" smtClean="0"/>
+              <a:t>Basic Testing Framework</a:t>
+            </a:r>
+          </a:p>
+          <a:p>
+            <a:pPr>
+              <a:buFont typeface="+mj-lt"/>
+              <a:buAutoNum type="arabicPeriod"/>
+            </a:pPr>
+            <a:r>
+              <a:rPr lang="en-US" dirty="0" smtClean="0"/>
+              <a:t>Deployed using </a:t>
+            </a:r>
+            <a:r>
+              <a:rPr lang="en-US" dirty="0" err="1" smtClean="0"/>
+              <a:t>Heroku</a:t>
+            </a:r>
+            <a:r>
+              <a:rPr lang="en-US" dirty="0" smtClean="0"/>
+              <a:t> (with data)</a:t>
+            </a:r>
+          </a:p>
+          <a:p>
+            <a:pPr>
+              <a:buFont typeface="+mj-lt"/>
+              <a:buAutoNum type="arabicPeriod"/>
+            </a:pPr>
+            <a:r>
+              <a:rPr lang="en-US" dirty="0" smtClean="0"/>
+              <a:t>1+ new library, package or </a:t>
+            </a:r>
+            <a:r>
+              <a:rPr lang="en-US" dirty="0" err="1" smtClean="0"/>
+              <a:t>technolog</a:t>
+            </a:r>
+            <a:endParaRPr lang="en-US" dirty="0" smtClean="0"/>
+          </a:p>
+          <a:p>
+            <a:pPr>
+              <a:buFont typeface="+mj-lt"/>
+              <a:buAutoNum type="arabicPeriod"/>
+            </a:pPr>
+            <a:r>
+              <a:rPr lang="en-US" dirty="0" smtClean="0"/>
+              <a:t>Polished front /UI</a:t>
+            </a:r>
+          </a:p>
+          <a:p>
+            <a:pPr>
+              <a:buFont typeface="+mj-lt"/>
+              <a:buAutoNum type="arabicPeriod"/>
+            </a:pPr>
+            <a:r>
+              <a:rPr lang="en-US" dirty="0" smtClean="0"/>
+              <a:t>MVC Paradigm Folder structure</a:t>
+            </a:r>
+          </a:p>
+          <a:p>
+            <a:pPr>
+              <a:buFont typeface="+mj-lt"/>
+              <a:buAutoNum type="arabicPeriod"/>
+            </a:pPr>
+            <a:r>
+              <a:rPr lang="en-US" dirty="0" smtClean="0"/>
+              <a:t>Quality coding standards</a:t>
+            </a:r>
+          </a:p>
+          <a:p>
+            <a:pPr>
+              <a:buFont typeface="+mj-lt"/>
+              <a:buAutoNum type="arabicPeriod"/>
+            </a:pPr>
+            <a:endParaRPr lang="en-US" dirty="0"/>
+          </a:p>
+          <a:p>
+            <a:pPr marL="0" indent="0"/>
+            <a:r>
+              <a:rPr lang="en-US" dirty="0" smtClean="0"/>
+              <a:t>Bonus!</a:t>
+            </a:r>
+          </a:p>
+          <a:p>
+            <a:pPr>
+              <a:buFont typeface="+mj-lt"/>
+              <a:buAutoNum type="arabicPeriod"/>
+            </a:pPr>
+            <a:r>
+              <a:rPr lang="en-US" dirty="0" smtClean="0"/>
+              <a:t>Utilize Handlebars for server-side </a:t>
+            </a:r>
+            <a:r>
+              <a:rPr lang="en-US" dirty="0" err="1" smtClean="0"/>
+              <a:t>templating</a:t>
+            </a:r>
+            <a:endParaRPr lang="en-US" dirty="0" smtClean="0"/>
+          </a:p>
+          <a:p>
+            <a:pPr>
+              <a:buFont typeface="+mj-lt"/>
+              <a:buAutoNum type="arabicPeriod"/>
+            </a:pPr>
+            <a:r>
+              <a:rPr lang="en-US" dirty="0" smtClean="0"/>
+              <a:t>Incorporate authentication</a:t>
+            </a:r>
+          </a:p>
+          <a:p>
+            <a:pPr>
+              <a:buFont typeface="+mj-lt"/>
+              <a:buAutoNum type="arabicPeriod"/>
+            </a:pPr>
+            <a:r>
+              <a:rPr lang="en-US" dirty="0" smtClean="0"/>
+              <a:t>Use an existing public dataset to power the database</a:t>
+            </a:r>
+          </a:p>
+          <a:p>
+            <a:pPr>
+              <a:buFont typeface="+mj-lt"/>
+              <a:buAutoNum type="arabicPeriod"/>
+            </a:pPr>
+            <a:r>
+              <a:rPr lang="en-US" dirty="0" smtClean="0"/>
+              <a:t>Create a migration strategy for sharing data among the team</a:t>
+            </a:r>
+          </a:p>
+          <a:p>
+            <a:pPr>
+              <a:buFont typeface="+mj-lt"/>
+              <a:buAutoNum type="arabicPeriod"/>
+            </a:pPr>
+            <a:endParaRPr lang="en-US" dirty="0"/>
+          </a:p>
+        </p:txBody>
+      </p:sp>
+    </p:spTree>
+    <p:extLst>
+      <p:ext uri="{BB962C8B-B14F-4D97-AF65-F5344CB8AC3E}">
+        <p14:creationId xmlns:p14="http://schemas.microsoft.com/office/powerpoint/2010/main" val="2361404160"/>
+      </p:ext>
+    </p:extLst>
+  </p:cSld>
+  <p:clrMapOvr>
+    <a:masterClrMapping/>
+  </p:clrMapOvr>
+  <p:timing>
+    <p:tnLst>
+      <p:par>
+        <p:cTn xmlns:p14="http://schemas.microsoft.com/office/powerpoint/2010/main" id="1" dur="indefinite" restart="never" nodeType="tmRoot"/>
+      </p:par>
+    </p:tnLst>
+  </p:timing>
+</p:sld>
+</file>
+
+<file path=ppt/slides/slide7.xml><?xml version="1.0" encoding="utf-8"?>
+<p:sld xmlns:a="http://schemas.openxmlformats.org/drawingml/2006/main" xmlns:r="http://schemas.openxmlformats.org/officeDocument/2006/relationships" xmlns:p="http://schemas.openxmlformats.org/presentationml/2006/main">
+  <p:cSld>
+    <p:spTree>
+      <p:nvGrpSpPr>
+        <p:cNvPr id="1" name=""/>
+        <p:cNvGrpSpPr/>
+        <p:nvPr/>
+      </p:nvGrpSpPr>
+      <p:grpSpPr>
+        <a:xfrm>
+          <a:off x="0" y="0"/>
+          <a:ext cx="0" cy="0"/>
+          <a:chOff x="0" y="0"/>
+          <a:chExt cx="0" cy="0"/>
+        </a:xfrm>
+      </p:grpSpPr>
+      <p:sp>
+        <p:nvSpPr>
+          <p:cNvPr id="2" name="Title 1"/>
+          <p:cNvSpPr>
+            <a:spLocks noGrp="1"/>
+          </p:cNvSpPr>
+          <p:nvPr>
+            <p:ph type="title"/>
+          </p:nvPr>
+        </p:nvSpPr>
+        <p:spPr/>
+        <p:txBody>
+          <a:bodyPr/>
+          <a:lstStyle/>
+          <a:p>
+            <a:r>
+              <a:rPr lang="en-US" dirty="0" smtClean="0"/>
+              <a:t>My Trips</a:t>
+            </a:r>
+            <a:endParaRPr lang="en-US" dirty="0"/>
+          </a:p>
+        </p:txBody>
+      </p:sp>
+      <p:pic>
+        <p:nvPicPr>
+          <p:cNvPr id="4" name="Picture 3"/>
+          <p:cNvPicPr>
+            <a:picLocks noChangeAspect="1"/>
+          </p:cNvPicPr>
+          <p:nvPr/>
+        </p:nvPicPr>
+        <p:blipFill rotWithShape="1">
+          <a:blip r:embed="rId2"/>
+          <a:srcRect r="33894"/>
+          <a:stretch/>
+        </p:blipFill>
+        <p:spPr>
+          <a:xfrm>
+            <a:off x="233030" y="1548236"/>
+            <a:ext cx="3492500" cy="3492500"/>
+          </a:xfrm>
+          <a:prstGeom prst="rect">
+            <a:avLst/>
+          </a:prstGeom>
+        </p:spPr>
+      </p:pic>
+      <p:pic>
+        <p:nvPicPr>
+          <p:cNvPr id="5" name="Picture 4" descr="images.png"/>
+          <p:cNvPicPr>
+            <a:picLocks noChangeAspect="1"/>
+          </p:cNvPicPr>
+          <p:nvPr/>
+        </p:nvPicPr>
+        <p:blipFill>
+          <a:blip r:embed="rId3">
+            <a:extLst>
+              <a:ext uri="{BEBA8EAE-BF5A-486C-A8C5-ECC9F3942E4B}">
+                <a14:imgProps xmlns:a14="http://schemas.microsoft.com/office/drawing/2010/main">
+                  <a14:imgLayer r:embed="rId4">
+                    <a14:imgEffect>
+                      <a14:backgroundRemoval t="889" b="98667" l="0" r="100000">
+                        <a14:foregroundMark x1="5333" y1="5333" x2="91556" y2="6222"/>
+                        <a14:foregroundMark x1="34667" y1="17333" x2="59556" y2="17333"/>
+                        <a14:foregroundMark x1="7111" y1="92444" x2="97778" y2="93778"/>
+                        <a14:backgroundMark x1="34222" y1="12444" x2="64444" y2="11111"/>
+                        <a14:backgroundMark x1="5333" y1="29778" x2="7111" y2="84889"/>
+                        <a14:backgroundMark x1="6222" y1="87556" x2="96000" y2="88000"/>
+                        <a14:backgroundMark x1="95111" y1="84889" x2="92889" y2="27556"/>
+                        <a14:backgroundMark x1="93333" y1="26667" x2="5333" y2="30667"/>
+                        <a14:backgroundMark x1="68000" y1="23111" x2="66222" y2="11111"/>
+                        <a14:backgroundMark x1="32444" y1="10222" x2="32444" y2="13778"/>
+                        <a14:backgroundMark x1="9333" y1="76889" x2="94222" y2="76889"/>
+                        <a14:backgroundMark x1="10222" y1="34222" x2="90667" y2="71556"/>
+                        <a14:backgroundMark x1="75111" y1="70667" x2="12000" y2="67556"/>
+                        <a14:backgroundMark x1="34667" y1="35111" x2="87111" y2="58222"/>
+                      </a14:backgroundRemoval>
+                    </a14:imgEffect>
+                  </a14:imgLayer>
+                </a14:imgProps>
+              </a:ext>
+              <a:ext uri="{28A0092B-C50C-407E-A947-70E740481C1C}">
+                <a14:useLocalDpi xmlns:a14="http://schemas.microsoft.com/office/drawing/2010/main" val="0"/>
+              </a:ext>
+            </a:extLst>
+          </a:blip>
+          <a:stretch>
+            <a:fillRect/>
+          </a:stretch>
+        </p:blipFill>
+        <p:spPr>
+          <a:xfrm>
+            <a:off x="233030" y="1548237"/>
+            <a:ext cx="3492500" cy="3492500"/>
+          </a:xfrm>
+          <a:prstGeom prst="rect">
+            <a:avLst/>
+          </a:prstGeom>
+        </p:spPr>
+      </p:pic>
+      <p:sp>
+        <p:nvSpPr>
+          <p:cNvPr id="6" name="TextBox 5"/>
+          <p:cNvSpPr txBox="1"/>
+          <p:nvPr/>
+        </p:nvSpPr>
+        <p:spPr>
+          <a:xfrm>
+            <a:off x="387408" y="2309160"/>
+            <a:ext cx="3120798" cy="830997"/>
+          </a:xfrm>
+          <a:prstGeom prst="rect">
+            <a:avLst/>
+          </a:prstGeom>
+          <a:noFill/>
+        </p:spPr>
+        <p:txBody>
+          <a:bodyPr wrap="square" rtlCol="0">
+            <a:spAutoFit/>
+          </a:bodyPr>
+          <a:lstStyle/>
+          <a:p>
+            <a:r>
+              <a:rPr lang="en-US" sz="4800" dirty="0" smtClean="0">
+                <a:solidFill>
+                  <a:schemeClr val="bg1"/>
+                </a:solidFill>
+                <a:effectLst>
+                  <a:outerShdw blurRad="50800" dist="38100" dir="2700000" algn="tl" rotWithShape="0">
+                    <a:srgbClr val="000000">
+                      <a:alpha val="43000"/>
+                    </a:srgbClr>
+                  </a:outerShdw>
+                </a:effectLst>
+                <a:latin typeface="SignPainter-HouseScript"/>
+                <a:cs typeface="SignPainter-HouseScript"/>
+              </a:rPr>
+              <a:t>Bangkok</a:t>
+            </a:r>
+            <a:endParaRPr lang="en-US" sz="4800" dirty="0">
+              <a:solidFill>
+                <a:schemeClr val="bg1"/>
+              </a:solidFill>
+              <a:effectLst>
+                <a:outerShdw blurRad="50800" dist="38100" dir="2700000" algn="tl" rotWithShape="0">
+                  <a:srgbClr val="000000">
+                    <a:alpha val="43000"/>
+                  </a:srgbClr>
+                </a:outerShdw>
+              </a:effectLst>
+              <a:latin typeface="SignPainter-HouseScript"/>
+              <a:cs typeface="SignPainter-HouseScript"/>
+            </a:endParaRPr>
+          </a:p>
+        </p:txBody>
+      </p:sp>
+      <p:sp>
+        <p:nvSpPr>
+          <p:cNvPr id="8" name="Rounded Rectangle 7"/>
+          <p:cNvSpPr/>
+          <p:nvPr/>
+        </p:nvSpPr>
+        <p:spPr>
+          <a:xfrm>
+            <a:off x="1355932" y="3954714"/>
+            <a:ext cx="2195320" cy="688857"/>
+          </a:xfrm>
+          <a:prstGeom prst="roundRect">
+            <a:avLst/>
+          </a:prstGeom>
+        </p:spPr>
+        <p:style>
+          <a:lnRef idx="1">
+            <a:schemeClr val="accent1"/>
+          </a:lnRef>
+          <a:fillRef idx="3">
+            <a:schemeClr val="accent1"/>
+          </a:fillRef>
+          <a:effectRef idx="2">
+            <a:schemeClr val="accent1"/>
+          </a:effectRef>
+          <a:fontRef idx="minor">
+            <a:schemeClr val="lt1"/>
+          </a:fontRef>
+        </p:style>
+        <p:txBody>
+          <a:bodyPr rtlCol="0" anchor="ctr"/>
+          <a:lstStyle/>
+          <a:p>
+            <a:pPr algn="ctr"/>
+            <a:r>
+              <a:rPr lang="en-US" dirty="0" smtClean="0">
+                <a:latin typeface="Abadi MT Condensed Extra Bold"/>
+                <a:cs typeface="Abadi MT Condensed Extra Bold"/>
+              </a:rPr>
+              <a:t>July 24 </a:t>
+            </a:r>
+            <a:r>
+              <a:rPr lang="mr-IN" dirty="0" smtClean="0">
+                <a:latin typeface="Abadi MT Condensed Extra Bold"/>
+                <a:cs typeface="Abadi MT Condensed Extra Bold"/>
+              </a:rPr>
+              <a:t>–</a:t>
+            </a:r>
+            <a:r>
+              <a:rPr lang="en-US" dirty="0" smtClean="0">
+                <a:latin typeface="Abadi MT Condensed Extra Bold"/>
+                <a:cs typeface="Abadi MT Condensed Extra Bold"/>
+              </a:rPr>
+              <a:t> Aug 7</a:t>
+            </a:r>
+          </a:p>
+          <a:p>
+            <a:pPr algn="ctr"/>
+            <a:r>
+              <a:rPr lang="en-US" dirty="0" smtClean="0">
+                <a:latin typeface="Abadi MT Condensed Extra Bold"/>
+                <a:cs typeface="Abadi MT Condensed Extra Bold"/>
+              </a:rPr>
+              <a:t>16days Adventure</a:t>
+            </a:r>
+            <a:endParaRPr lang="en-US" dirty="0">
+              <a:latin typeface="Abadi MT Condensed Extra Bold"/>
+              <a:cs typeface="Abadi MT Condensed Extra Bold"/>
+            </a:endParaRPr>
+          </a:p>
+        </p:txBody>
+      </p:sp>
+      <p:pic>
+        <p:nvPicPr>
+          <p:cNvPr id="9" name="Picture 8"/>
+          <p:cNvPicPr>
+            <a:picLocks noChangeAspect="1"/>
+          </p:cNvPicPr>
+          <p:nvPr/>
+        </p:nvPicPr>
+        <p:blipFill rotWithShape="1">
+          <a:blip r:embed="rId5"/>
+          <a:srcRect l="12672" r="14339"/>
+          <a:stretch/>
+        </p:blipFill>
+        <p:spPr>
+          <a:xfrm>
+            <a:off x="3922953" y="1548237"/>
+            <a:ext cx="3492501" cy="3273953"/>
+          </a:xfrm>
+          <a:prstGeom prst="rect">
+            <a:avLst/>
+          </a:prstGeom>
+        </p:spPr>
+      </p:pic>
+      <p:pic>
+        <p:nvPicPr>
+          <p:cNvPr id="11" name="Picture 10" descr="images.png"/>
+          <p:cNvPicPr>
+            <a:picLocks noChangeAspect="1"/>
+          </p:cNvPicPr>
+          <p:nvPr/>
+        </p:nvPicPr>
+        <p:blipFill>
+          <a:blip r:embed="rId3">
+            <a:extLst>
+              <a:ext uri="{BEBA8EAE-BF5A-486C-A8C5-ECC9F3942E4B}">
+                <a14:imgProps xmlns:a14="http://schemas.microsoft.com/office/drawing/2010/main">
+                  <a14:imgLayer r:embed="rId4">
+                    <a14:imgEffect>
+                      <a14:backgroundRemoval t="889" b="98667" l="0" r="100000">
+                        <a14:foregroundMark x1="5333" y1="5333" x2="91556" y2="6222"/>
+                        <a14:foregroundMark x1="34667" y1="17333" x2="59556" y2="17333"/>
+                        <a14:foregroundMark x1="7111" y1="92444" x2="97778" y2="93778"/>
+                        <a14:backgroundMark x1="34222" y1="12444" x2="64444" y2="11111"/>
+                        <a14:backgroundMark x1="5333" y1="29778" x2="7111" y2="84889"/>
+                        <a14:backgroundMark x1="6222" y1="87556" x2="96000" y2="88000"/>
+                        <a14:backgroundMark x1="95111" y1="84889" x2="92889" y2="27556"/>
+                        <a14:backgroundMark x1="93333" y1="26667" x2="5333" y2="30667"/>
+                        <a14:backgroundMark x1="68000" y1="23111" x2="66222" y2="11111"/>
+                        <a14:backgroundMark x1="32444" y1="10222" x2="32444" y2="13778"/>
+                        <a14:backgroundMark x1="9333" y1="76889" x2="94222" y2="76889"/>
+                        <a14:backgroundMark x1="10222" y1="34222" x2="90667" y2="71556"/>
+                        <a14:backgroundMark x1="75111" y1="70667" x2="12000" y2="67556"/>
+                        <a14:backgroundMark x1="34667" y1="35111" x2="87111" y2="58222"/>
+                      </a14:backgroundRemoval>
+                    </a14:imgEffect>
+                  </a14:imgLayer>
+                </a14:imgProps>
+              </a:ext>
+              <a:ext uri="{28A0092B-C50C-407E-A947-70E740481C1C}">
+                <a14:useLocalDpi xmlns:a14="http://schemas.microsoft.com/office/drawing/2010/main" val="0"/>
+              </a:ext>
+            </a:extLst>
+          </a:blip>
+          <a:stretch>
+            <a:fillRect/>
+          </a:stretch>
+        </p:blipFill>
+        <p:spPr>
+          <a:xfrm>
+            <a:off x="3920976" y="1548237"/>
+            <a:ext cx="3492500" cy="3492500"/>
+          </a:xfrm>
+          <a:prstGeom prst="rect">
+            <a:avLst/>
+          </a:prstGeom>
+        </p:spPr>
+      </p:pic>
+      <p:sp>
+        <p:nvSpPr>
+          <p:cNvPr id="12" name="TextBox 11"/>
+          <p:cNvSpPr txBox="1"/>
+          <p:nvPr/>
+        </p:nvSpPr>
+        <p:spPr>
+          <a:xfrm>
+            <a:off x="3971517" y="2391338"/>
+            <a:ext cx="3120798" cy="830997"/>
+          </a:xfrm>
+          <a:prstGeom prst="rect">
+            <a:avLst/>
+          </a:prstGeom>
+          <a:noFill/>
+        </p:spPr>
+        <p:txBody>
+          <a:bodyPr wrap="square" rtlCol="0">
+            <a:spAutoFit/>
+          </a:bodyPr>
+          <a:lstStyle/>
+          <a:p>
+            <a:r>
+              <a:rPr lang="en-US" sz="4800" dirty="0" smtClean="0">
+                <a:solidFill>
+                  <a:schemeClr val="bg1"/>
+                </a:solidFill>
+                <a:effectLst>
+                  <a:outerShdw blurRad="50800" dist="38100" dir="2700000" algn="tl" rotWithShape="0">
+                    <a:srgbClr val="000000">
+                      <a:alpha val="43000"/>
+                    </a:srgbClr>
+                  </a:outerShdw>
+                </a:effectLst>
+                <a:latin typeface="SignPainter-HouseScript"/>
+                <a:cs typeface="SignPainter-HouseScript"/>
+              </a:rPr>
+              <a:t>Chicago</a:t>
+            </a:r>
+            <a:endParaRPr lang="en-US" sz="4800" dirty="0">
+              <a:solidFill>
+                <a:schemeClr val="bg1"/>
+              </a:solidFill>
+              <a:effectLst>
+                <a:outerShdw blurRad="50800" dist="38100" dir="2700000" algn="tl" rotWithShape="0">
+                  <a:srgbClr val="000000">
+                    <a:alpha val="43000"/>
+                  </a:srgbClr>
+                </a:outerShdw>
+              </a:effectLst>
+              <a:latin typeface="SignPainter-HouseScript"/>
+              <a:cs typeface="SignPainter-HouseScript"/>
+            </a:endParaRPr>
+          </a:p>
+        </p:txBody>
+      </p:sp>
+      <p:sp>
+        <p:nvSpPr>
+          <p:cNvPr id="13" name="Rounded Rectangle 12"/>
+          <p:cNvSpPr/>
+          <p:nvPr/>
+        </p:nvSpPr>
+        <p:spPr>
+          <a:xfrm>
+            <a:off x="4994196" y="4014480"/>
+            <a:ext cx="2195320" cy="688857"/>
+          </a:xfrm>
+          <a:prstGeom prst="roundRect">
+            <a:avLst/>
+          </a:prstGeom>
+        </p:spPr>
+        <p:style>
+          <a:lnRef idx="1">
+            <a:schemeClr val="accent1"/>
+          </a:lnRef>
+          <a:fillRef idx="3">
+            <a:schemeClr val="accent1"/>
+          </a:fillRef>
+          <a:effectRef idx="2">
+            <a:schemeClr val="accent1"/>
+          </a:effectRef>
+          <a:fontRef idx="minor">
+            <a:schemeClr val="lt1"/>
+          </a:fontRef>
+        </p:style>
+        <p:txBody>
+          <a:bodyPr rtlCol="0" anchor="ctr"/>
+          <a:lstStyle/>
+          <a:p>
+            <a:pPr algn="ctr"/>
+            <a:r>
+              <a:rPr lang="en-US" dirty="0" smtClean="0">
+                <a:latin typeface="Abadi MT Condensed Extra Bold"/>
+                <a:cs typeface="Abadi MT Condensed Extra Bold"/>
+              </a:rPr>
+              <a:t>Sept. 15 </a:t>
+            </a:r>
+            <a:r>
+              <a:rPr lang="mr-IN" dirty="0" smtClean="0">
+                <a:latin typeface="Abadi MT Condensed Extra Bold"/>
+                <a:cs typeface="Abadi MT Condensed Extra Bold"/>
+              </a:rPr>
+              <a:t>–</a:t>
+            </a:r>
+            <a:r>
+              <a:rPr lang="en-US" dirty="0" smtClean="0">
+                <a:latin typeface="Abadi MT Condensed Extra Bold"/>
+                <a:cs typeface="Abadi MT Condensed Extra Bold"/>
+              </a:rPr>
+              <a:t> Sept 18</a:t>
+            </a:r>
+          </a:p>
+          <a:p>
+            <a:pPr algn="ctr"/>
+            <a:r>
+              <a:rPr lang="en-US" dirty="0" smtClean="0">
+                <a:latin typeface="Abadi MT Condensed Extra Bold"/>
+                <a:cs typeface="Abadi MT Condensed Extra Bold"/>
+              </a:rPr>
+              <a:t>3days Business</a:t>
+            </a:r>
+            <a:endParaRPr lang="en-US" dirty="0">
+              <a:latin typeface="Abadi MT Condensed Extra Bold"/>
+              <a:cs typeface="Abadi MT Condensed Extra Bold"/>
+            </a:endParaRPr>
+          </a:p>
+        </p:txBody>
+      </p:sp>
+    </p:spTree>
+    <p:extLst>
+      <p:ext uri="{BB962C8B-B14F-4D97-AF65-F5344CB8AC3E}">
+        <p14:creationId xmlns:p14="http://schemas.microsoft.com/office/powerpoint/2010/main" val="3000596660"/>
+      </p:ext>
+    </p:extLst>
+  </p:cSld>
+  <p:clrMapOvr>
+    <a:masterClrMapping/>
+  </p:clrMapOvr>
+  <p:timing>
+    <p:tnLst>
+      <p:par>
+        <p:cTn xmlns:p14="http://schemas.microsoft.com/office/powerpoint/2010/main" id="1" dur="indefinite" restart="never" nodeType="tmRoot"/>
+      </p:par>
+    </p:tnLst>
+  </p:timing>
+</p:sld>
+</file>
+
+<file path=ppt/slides/slide8.xml><?xml version="1.0" encoding="utf-8"?>
+<p:sld xmlns:a="http://schemas.openxmlformats.org/drawingml/2006/main" xmlns:r="http://schemas.openxmlformats.org/officeDocument/2006/relationships" xmlns:p="http://schemas.openxmlformats.org/presentationml/2006/main">
+  <p:cSld>
+    <p:spTree>
+      <p:nvGrpSpPr>
+        <p:cNvPr id="1" name=""/>
+        <p:cNvGrpSpPr/>
+        <p:nvPr/>
+      </p:nvGrpSpPr>
+      <p:grpSpPr>
+        <a:xfrm>
+          <a:off x="0" y="0"/>
+          <a:ext cx="0" cy="0"/>
+          <a:chOff x="0" y="0"/>
+          <a:chExt cx="0" cy="0"/>
+        </a:xfrm>
+      </p:grpSpPr>
+      <p:pic>
+        <p:nvPicPr>
+          <p:cNvPr id="5" name="Picture 4" descr="images.png"/>
+          <p:cNvPicPr>
+            <a:picLocks noChangeAspect="1"/>
+          </p:cNvPicPr>
+          <p:nvPr/>
+        </p:nvPicPr>
+        <p:blipFill>
+          <a:blip r:embed="rId2">
+            <a:extLst>
+              <a:ext uri="{BEBA8EAE-BF5A-486C-A8C5-ECC9F3942E4B}">
+                <a14:imgProps xmlns:a14="http://schemas.microsoft.com/office/drawing/2010/main">
+                  <a14:imgLayer r:embed="rId3">
+                    <a14:imgEffect>
+                      <a14:backgroundRemoval t="889" b="98667" l="0" r="100000">
+                        <a14:foregroundMark x1="5333" y1="5333" x2="91556" y2="6222"/>
+                        <a14:foregroundMark x1="34667" y1="17333" x2="59556" y2="17333"/>
+                        <a14:foregroundMark x1="7111" y1="92444" x2="97778" y2="93778"/>
+                        <a14:backgroundMark x1="34222" y1="12444" x2="64444" y2="11111"/>
+                        <a14:backgroundMark x1="5333" y1="29778" x2="7111" y2="84889"/>
+                        <a14:backgroundMark x1="6222" y1="87556" x2="96000" y2="88000"/>
+                        <a14:backgroundMark x1="95111" y1="84889" x2="92889" y2="27556"/>
+                        <a14:backgroundMark x1="93333" y1="26667" x2="5333" y2="30667"/>
+                        <a14:backgroundMark x1="68000" y1="23111" x2="66222" y2="11111"/>
+                        <a14:backgroundMark x1="32444" y1="10222" x2="32444" y2="13778"/>
+                        <a14:backgroundMark x1="9333" y1="76889" x2="94222" y2="76889"/>
+                        <a14:backgroundMark x1="10222" y1="34222" x2="90667" y2="71556"/>
+                        <a14:backgroundMark x1="75111" y1="70667" x2="12000" y2="67556"/>
+                        <a14:backgroundMark x1="34667" y1="35111" x2="87111" y2="58222"/>
+                      </a14:backgroundRemoval>
+                    </a14:imgEffect>
+                  </a14:imgLayer>
+                </a14:imgProps>
+              </a:ext>
+              <a:ext uri="{28A0092B-C50C-407E-A947-70E740481C1C}">
+                <a14:useLocalDpi xmlns:a14="http://schemas.microsoft.com/office/drawing/2010/main" val="0"/>
+              </a:ext>
+            </a:extLst>
+          </a:blip>
+          <a:stretch>
+            <a:fillRect/>
+          </a:stretch>
+        </p:blipFill>
+        <p:spPr>
+          <a:xfrm>
+            <a:off x="515235" y="889698"/>
+            <a:ext cx="2212748" cy="2212748"/>
+          </a:xfrm>
+          <a:prstGeom prst="rect">
+            <a:avLst/>
+          </a:prstGeom>
+        </p:spPr>
+      </p:pic>
+    </p:spTree>
+    <p:extLst>
+      <p:ext uri="{BB962C8B-B14F-4D97-AF65-F5344CB8AC3E}">
+        <p14:creationId xmlns:p14="http://schemas.microsoft.com/office/powerpoint/2010/main" val="1935740795"/>
+      </p:ext>
+    </p:extLst>
+  </p:cSld>
+  <p:clrMapOvr>
+    <a:masterClrMapping/>
+  </p:clrMapOvr>
+  <p:timing>
+    <p:tnLst>
+      <p:par>
+        <p:cTn xmlns:p14="http://schemas.microsoft.com/office/powerpoint/2010/main" id="1" dur="indefinite" restart="never" nodeType="tmRoot"/>
+      </p:par>
+    </p:tnLst>
+  </p:timing>
+</p:sld>
+</file>
+
+<file path=ppt/slides/slide9.xml><?xml version="1.0" encoding="utf-8"?>
+<p:sld xmlns:a="http://schemas.openxmlformats.org/drawingml/2006/main" xmlns:r="http://schemas.openxmlformats.org/officeDocument/2006/relationships" xmlns:p="http://schemas.openxmlformats.org/presentationml/2006/main">
+  <p:cSld>
+    <p:spTree>
+      <p:nvGrpSpPr>
+        <p:cNvPr id="1" name=""/>
+        <p:cNvGrpSpPr/>
+        <p:nvPr/>
+      </p:nvGrpSpPr>
+      <p:grpSpPr>
+        <a:xfrm>
+          <a:off x="0" y="0"/>
+          <a:ext cx="0" cy="0"/>
+          <a:chOff x="0" y="0"/>
+          <a:chExt cx="0" cy="0"/>
+        </a:xfrm>
+      </p:grpSpPr>
+      <p:sp>
+        <p:nvSpPr>
+          <p:cNvPr id="2" name="Title 1"/>
+          <p:cNvSpPr>
+            <a:spLocks noGrp="1"/>
+          </p:cNvSpPr>
+          <p:nvPr>
+            <p:ph type="title"/>
+          </p:nvPr>
+        </p:nvSpPr>
+        <p:spPr/>
+        <p:txBody>
+          <a:bodyPr/>
+          <a:lstStyle/>
+          <a:p>
+            <a:endParaRPr lang="en-US"/>
+          </a:p>
+        </p:txBody>
+      </p:sp>
+      <p:sp>
+        <p:nvSpPr>
+          <p:cNvPr id="3" name="Content Placeholder 2"/>
+          <p:cNvSpPr>
+            <a:spLocks noGrp="1"/>
+          </p:cNvSpPr>
+          <p:nvPr>
+            <p:ph idx="1"/>
+          </p:nvPr>
+        </p:nvSpPr>
+        <p:spPr/>
+        <p:txBody>
+          <a:bodyPr/>
+          <a:lstStyle/>
+          <a:p>
+            <a:pPr>
+              <a:buFont typeface="+mj-lt"/>
+              <a:buAutoNum type="arabicPeriod"/>
+            </a:pPr>
+            <a:r>
+              <a:rPr lang="en-US" dirty="0" err="1" smtClean="0"/>
+              <a:t>SignUp</a:t>
+            </a:r>
+            <a:r>
+              <a:rPr lang="en-US" dirty="0" smtClean="0"/>
+              <a:t>/Login</a:t>
+            </a:r>
+          </a:p>
+          <a:p>
+            <a:pPr lvl="2"/>
+            <a:r>
+              <a:rPr lang="en-US" dirty="0" smtClean="0"/>
+              <a:t>Wayne w/ Passport</a:t>
+            </a:r>
+          </a:p>
+          <a:p>
+            <a:pPr>
+              <a:buFont typeface="+mj-lt"/>
+              <a:buAutoNum type="arabicPeriod"/>
+            </a:pPr>
+            <a:r>
+              <a:rPr lang="en-US" dirty="0" smtClean="0"/>
+              <a:t>Persistent search bar</a:t>
+            </a:r>
+          </a:p>
+          <a:p>
+            <a:pPr>
+              <a:buFont typeface="+mj-lt"/>
+              <a:buAutoNum type="arabicPeriod"/>
+            </a:pPr>
+            <a:endParaRPr lang="en-US" dirty="0" smtClean="0"/>
+          </a:p>
+          <a:p>
+            <a:pPr>
+              <a:buFont typeface="+mj-lt"/>
+              <a:buAutoNum type="arabicPeriod"/>
+            </a:pPr>
+            <a:endParaRPr lang="en-US" dirty="0"/>
+          </a:p>
+        </p:txBody>
+      </p:sp>
+    </p:spTree>
+    <p:extLst>
+      <p:ext uri="{BB962C8B-B14F-4D97-AF65-F5344CB8AC3E}">
+        <p14:creationId xmlns:p14="http://schemas.microsoft.com/office/powerpoint/2010/main" val="3862070844"/>
+      </p:ext>
+    </p:extLst>
+  </p:cSld>
+  <p:clrMapOvr>
+    <a:masterClrMapping/>
+  </p:clrMapOvr>
+  <p:timing>
+    <p:tnLst>
+      <p:par>
+        <p:cTn xmlns:p14="http://schemas.microsoft.com/office/powerpoint/2010/main" id="1" dur="indefinite" restart="never" nodeType="tmRoot"/>
+      </p:par>
+    </p:tnLst>
+  </p:timing>
+</p:sld>
+</file>
+
 <file path=ppt/theme/theme1.xml><?xml version="1.0" encoding="utf-8"?>
 <a:theme xmlns:a="http://schemas.openxmlformats.org/drawingml/2006/main" name="Angles">
   <a:themeElements>

--- a/WanderMust_Proposal.pptx
+++ b/WanderMust_Proposal.pptx
@@ -11,9 +11,10 @@
     <p:sldId id="259" r:id="rId5"/>
     <p:sldId id="260" r:id="rId6"/>
     <p:sldId id="261" r:id="rId7"/>
-    <p:sldId id="262" r:id="rId8"/>
-    <p:sldId id="263" r:id="rId9"/>
-    <p:sldId id="264" r:id="rId10"/>
+    <p:sldId id="265" r:id="rId8"/>
+    <p:sldId id="262" r:id="rId9"/>
+    <p:sldId id="263" r:id="rId10"/>
+    <p:sldId id="264" r:id="rId11"/>
   </p:sldIdLst>
   <p:sldSz cx="7772400" cy="10058400"/>
   <p:notesSz cx="6858000" cy="9144000"/>
@@ -584,7 +585,7 @@
             <a:fld id="{E30E2307-1E40-4E12-8716-25BFDA8E7013}" type="datetime1">
               <a:rPr lang="en-US" smtClean="0"/>
               <a:pPr/>
-              <a:t>5/11/18</a:t>
+              <a:t>5/13/18</a:t>
             </a:fld>
             <a:endParaRPr lang="en-US"/>
           </a:p>
@@ -751,7 +752,7 @@
             <a:fld id="{E5CFCF5A-EA79-452C-A52C-1A2668C2E7DF}" type="datetime1">
               <a:rPr lang="en-US" smtClean="0"/>
               <a:pPr/>
-              <a:t>5/11/18</a:t>
+              <a:t>5/13/18</a:t>
             </a:fld>
             <a:endParaRPr lang="en-US"/>
           </a:p>
@@ -928,7 +929,7 @@
             <a:fld id="{2E5C4C28-BD4B-4892-9A2D-6E19BD753A9A}" type="datetime1">
               <a:rPr lang="en-US" smtClean="0"/>
               <a:pPr/>
-              <a:t>5/11/18</a:t>
+              <a:t>5/13/18</a:t>
             </a:fld>
             <a:endParaRPr lang="en-US"/>
           </a:p>
@@ -978,6 +979,92 @@
         </p:txBody>
       </p:sp>
     </p:spTree>
+  </p:cSld>
+  <p:clrMapOvr>
+    <a:masterClrMapping/>
+  </p:clrMapOvr>
+</p:sldLayout>
+</file>
+
+<file path=ppt/slideLayouts/slideLayout12.xml><?xml version="1.0" encoding="utf-8"?>
+<p:sldLayout xmlns:a="http://schemas.openxmlformats.org/drawingml/2006/main" xmlns:r="http://schemas.openxmlformats.org/officeDocument/2006/relationships" xmlns:p="http://schemas.openxmlformats.org/presentationml/2006/main" preserve="1" userDrawn="1">
+  <p:cSld name="Custom Layout">
+    <p:spTree>
+      <p:nvGrpSpPr>
+        <p:cNvPr id="1" name=""/>
+        <p:cNvGrpSpPr/>
+        <p:nvPr/>
+      </p:nvGrpSpPr>
+      <p:grpSpPr>
+        <a:xfrm>
+          <a:off x="0" y="0"/>
+          <a:ext cx="0" cy="0"/>
+          <a:chOff x="0" y="0"/>
+          <a:chExt cx="0" cy="0"/>
+        </a:xfrm>
+      </p:grpSpPr>
+      <p:sp>
+        <p:nvSpPr>
+          <p:cNvPr id="6" name="Rectangle 5"/>
+          <p:cNvSpPr/>
+          <p:nvPr userDrawn="1"/>
+        </p:nvSpPr>
+        <p:spPr>
+          <a:xfrm>
+            <a:off x="0" y="1"/>
+            <a:ext cx="7772400" cy="10058400"/>
+          </a:xfrm>
+          <a:prstGeom prst="rect">
+            <a:avLst/>
+          </a:prstGeom>
+          <a:solidFill>
+            <a:schemeClr val="bg1"/>
+          </a:solidFill>
+          <a:ln>
+            <a:solidFill>
+              <a:schemeClr val="bg1"/>
+            </a:solidFill>
+          </a:ln>
+          <a:effectLst/>
+        </p:spPr>
+        <p:style>
+          <a:lnRef idx="1">
+            <a:schemeClr val="accent1"/>
+          </a:lnRef>
+          <a:fillRef idx="3">
+            <a:schemeClr val="accent1"/>
+          </a:fillRef>
+          <a:effectRef idx="2">
+            <a:schemeClr val="accent1"/>
+          </a:effectRef>
+          <a:fontRef idx="minor">
+            <a:schemeClr val="lt1"/>
+          </a:fontRef>
+        </p:style>
+        <p:txBody>
+          <a:bodyPr rtlCol="0" anchor="ctr"/>
+          <a:lstStyle/>
+          <a:p>
+            <a:pPr algn="ctr"/>
+            <a:endParaRPr lang="en-US">
+              <a:ln>
+                <a:solidFill>
+                  <a:srgbClr val="FFFFFF"/>
+                </a:solidFill>
+              </a:ln>
+              <a:solidFill>
+                <a:srgbClr val="FFFFFF"/>
+              </a:solidFill>
+            </a:endParaRPr>
+          </a:p>
+        </p:txBody>
+      </p:sp>
+    </p:spTree>
+    <p:extLst>
+      <p:ext uri="{BB962C8B-B14F-4D97-AF65-F5344CB8AC3E}">
+        <p14:creationId xmlns:p14="http://schemas.microsoft.com/office/powerpoint/2010/main" val="796117038"/>
+      </p:ext>
+    </p:extLst>
   </p:cSld>
   <p:clrMapOvr>
     <a:masterClrMapping/>
@@ -1095,7 +1182,7 @@
             <a:fld id="{61FD9D02-426E-46C9-9EE9-0DE1EF8B2838}" type="datetime1">
               <a:rPr lang="en-US" smtClean="0"/>
               <a:pPr/>
-              <a:t>5/11/18</a:t>
+              <a:t>5/13/18</a:t>
             </a:fld>
             <a:endParaRPr lang="en-US"/>
           </a:p>
@@ -1650,7 +1737,7 @@
             <a:fld id="{7B8AEBBE-F8B2-42CF-9895-E86A608384EB}" type="datetime1">
               <a:rPr lang="en-US" smtClean="0"/>
               <a:pPr/>
-              <a:t>5/11/18</a:t>
+              <a:t>5/13/18</a:t>
             </a:fld>
             <a:endParaRPr lang="en-US"/>
           </a:p>
@@ -1912,7 +1999,7 @@
             <a:fld id="{E1FAA6B6-10E5-4810-BC9F-DA72D8452E73}" type="datetime1">
               <a:rPr lang="en-US" smtClean="0"/>
               <a:pPr/>
-              <a:t>5/11/18</a:t>
+              <a:t>5/13/18</a:t>
             </a:fld>
             <a:endParaRPr lang="en-US"/>
           </a:p>
@@ -2402,7 +2489,7 @@
             <a:fld id="{6D18D072-EF12-4AA2-BD71-ABC68B06D0E2}" type="datetime1">
               <a:rPr lang="en-US" smtClean="0"/>
               <a:pPr/>
-              <a:t>5/11/18</a:t>
+              <a:t>5/13/18</a:t>
             </a:fld>
             <a:endParaRPr lang="en-US"/>
           </a:p>
@@ -2517,7 +2604,7 @@
             <a:fld id="{B8CDBF60-6CC3-4B74-A60D-3486985E4346}" type="datetime1">
               <a:rPr lang="en-US" smtClean="0"/>
               <a:pPr/>
-              <a:t>5/11/18</a:t>
+              <a:t>5/13/18</a:t>
             </a:fld>
             <a:endParaRPr lang="en-US"/>
           </a:p>
@@ -2609,7 +2696,7 @@
             <a:fld id="{22714818-984F-4759-BF72-A33BDC1963BD}" type="datetime1">
               <a:rPr lang="en-US" smtClean="0"/>
               <a:pPr/>
-              <a:t>5/11/18</a:t>
+              <a:t>5/13/18</a:t>
             </a:fld>
             <a:endParaRPr lang="en-US"/>
           </a:p>
@@ -3041,7 +3128,7 @@
             <a:fld id="{9EA7E191-5F94-4FC1-B823-BD7CABF7FA06}" type="datetime1">
               <a:rPr lang="en-US" smtClean="0"/>
               <a:pPr/>
-              <a:t>5/11/18</a:t>
+              <a:t>5/13/18</a:t>
             </a:fld>
             <a:endParaRPr lang="en-US"/>
           </a:p>
@@ -3576,7 +3663,7 @@
             <a:fld id="{88856D55-EFBE-4F9B-8A5F-09D42CA22A9B}" type="datetime1">
               <a:rPr lang="en-US" smtClean="0"/>
               <a:pPr/>
-              <a:t>5/11/18</a:t>
+              <a:t>5/13/18</a:t>
             </a:fld>
             <a:endParaRPr lang="en-US"/>
           </a:p>
@@ -4418,7 +4505,7 @@
             <a:fld id="{9D1D110F-3F4E-48D9-B8AA-5D0E825AFDBA}" type="datetime1">
               <a:rPr lang="en-US" smtClean="0"/>
               <a:pPr/>
-              <a:t>5/11/18</a:t>
+              <a:t>5/13/18</a:t>
             </a:fld>
             <a:endParaRPr lang="en-US"/>
           </a:p>
@@ -4521,6 +4608,7 @@
     <p:sldLayoutId id="2147483765" r:id="rId9"/>
     <p:sldLayoutId id="2147483766" r:id="rId10"/>
     <p:sldLayoutId id="2147483767" r:id="rId11"/>
+    <p:sldLayoutId id="2147483768" r:id="rId12"/>
   </p:sldLayoutIdLst>
   <p:hf sldNum="0" hdr="0" ftr="0" dt="0"/>
   <p:txStyles>
@@ -4893,6 +4981,123 @@
 </p:sld>
 </file>
 
+<file path=ppt/slides/slide10.xml><?xml version="1.0" encoding="utf-8"?>
+<p:sld xmlns:a="http://schemas.openxmlformats.org/drawingml/2006/main" xmlns:r="http://schemas.openxmlformats.org/officeDocument/2006/relationships" xmlns:p="http://schemas.openxmlformats.org/presentationml/2006/main">
+  <p:cSld>
+    <p:spTree>
+      <p:nvGrpSpPr>
+        <p:cNvPr id="1" name=""/>
+        <p:cNvGrpSpPr/>
+        <p:nvPr/>
+      </p:nvGrpSpPr>
+      <p:grpSpPr>
+        <a:xfrm>
+          <a:off x="0" y="0"/>
+          <a:ext cx="0" cy="0"/>
+          <a:chOff x="0" y="0"/>
+          <a:chExt cx="0" cy="0"/>
+        </a:xfrm>
+      </p:grpSpPr>
+      <p:sp>
+        <p:nvSpPr>
+          <p:cNvPr id="2" name="Title 1"/>
+          <p:cNvSpPr>
+            <a:spLocks noGrp="1"/>
+          </p:cNvSpPr>
+          <p:nvPr>
+            <p:ph type="title"/>
+          </p:nvPr>
+        </p:nvSpPr>
+        <p:spPr/>
+        <p:txBody>
+          <a:bodyPr/>
+          <a:lstStyle/>
+          <a:p>
+            <a:endParaRPr lang="en-US"/>
+          </a:p>
+        </p:txBody>
+      </p:sp>
+      <p:sp>
+        <p:nvSpPr>
+          <p:cNvPr id="3" name="Content Placeholder 2"/>
+          <p:cNvSpPr>
+            <a:spLocks noGrp="1"/>
+          </p:cNvSpPr>
+          <p:nvPr>
+            <p:ph idx="1"/>
+          </p:nvPr>
+        </p:nvSpPr>
+        <p:spPr/>
+        <p:txBody>
+          <a:bodyPr/>
+          <a:lstStyle/>
+          <a:p>
+            <a:pPr>
+              <a:buFont typeface="+mj-lt"/>
+              <a:buAutoNum type="arabicPeriod"/>
+            </a:pPr>
+            <a:r>
+              <a:rPr lang="en-US" dirty="0" err="1" smtClean="0"/>
+              <a:t>SignUp</a:t>
+            </a:r>
+            <a:r>
+              <a:rPr lang="en-US" dirty="0" smtClean="0"/>
+              <a:t>/Login</a:t>
+            </a:r>
+          </a:p>
+          <a:p>
+            <a:pPr lvl="2"/>
+            <a:r>
+              <a:rPr lang="en-US" dirty="0" smtClean="0"/>
+              <a:t>Wayne w/ Passport</a:t>
+            </a:r>
+          </a:p>
+          <a:p>
+            <a:pPr>
+              <a:buFont typeface="+mj-lt"/>
+              <a:buAutoNum type="arabicPeriod"/>
+            </a:pPr>
+            <a:r>
+              <a:rPr lang="en-US" dirty="0" smtClean="0"/>
+              <a:t>Persistent search bar</a:t>
+            </a:r>
+          </a:p>
+          <a:p>
+            <a:pPr>
+              <a:buFont typeface="+mj-lt"/>
+              <a:buAutoNum type="arabicPeriod"/>
+            </a:pPr>
+            <a:endParaRPr lang="en-US" dirty="0" smtClean="0"/>
+          </a:p>
+          <a:p>
+            <a:pPr>
+              <a:buFont typeface="+mj-lt"/>
+              <a:buAutoNum type="arabicPeriod"/>
+            </a:pPr>
+            <a:endParaRPr lang="en-US" dirty="0"/>
+          </a:p>
+        </p:txBody>
+      </p:sp>
+    </p:spTree>
+    <p:extLst>
+      <p:ext uri="{BB962C8B-B14F-4D97-AF65-F5344CB8AC3E}">
+        <p14:creationId xmlns:p14="http://schemas.microsoft.com/office/powerpoint/2010/main" val="3862070844"/>
+      </p:ext>
+    </p:extLst>
+  </p:cSld>
+  <p:clrMapOvr>
+    <a:masterClrMapping/>
+  </p:clrMapOvr>
+  <p:timing>
+    <p:tnLst>
+      <p:par>
+        <p:cTn xmlns:p14="http://schemas.microsoft.com/office/powerpoint/2010/main" id="1" dur="indefinite" restart="never" nodeType="tmRoot"/>
+      </p:par>
+    </p:tnLst>
+  </p:timing>
+</p:sld>
+</file>
+
 <file path=ppt/slides/slide2.xml><?xml version="1.0" encoding="utf-8"?>
 <p:sld xmlns:a="http://schemas.openxmlformats.org/drawingml/2006/main" xmlns:r="http://schemas.openxmlformats.org/officeDocument/2006/relationships" xmlns:p="http://schemas.openxmlformats.org/presentationml/2006/main">
   <p:cSld>
@@ -5157,9 +5362,8 @@
             <a:avLst/>
           </a:prstGeom>
           <a:solidFill>
-            <a:schemeClr val="accent6">
-              <a:lumMod val="60000"/>
-              <a:lumOff val="40000"/>
+            <a:schemeClr val="bg1">
+              <a:lumMod val="50000"/>
             </a:schemeClr>
           </a:solidFill>
         </p:spPr>
@@ -5517,7 +5721,7 @@
         </p:blipFill>
         <p:spPr>
           <a:xfrm>
-            <a:off x="-785907" y="1500093"/>
+            <a:off x="-785907" y="1341120"/>
             <a:ext cx="8558307" cy="8558307"/>
           </a:xfrm>
           <a:prstGeom prst="rect">
@@ -5724,10 +5928,7 @@
             <a:avLst/>
           </a:prstGeom>
           <a:solidFill>
-            <a:schemeClr val="accent6">
-              <a:lumMod val="60000"/>
-              <a:lumOff val="40000"/>
-            </a:schemeClr>
+            <a:srgbClr val="7F7F7F"/>
           </a:solidFill>
         </p:spPr>
         <p:style>
@@ -6433,7 +6634,7 @@
         </p:blipFill>
         <p:spPr>
           <a:xfrm>
-            <a:off x="-539465" y="1556961"/>
+            <a:off x="-502493" y="1622824"/>
             <a:ext cx="8558307" cy="8558307"/>
           </a:xfrm>
           <a:prstGeom prst="rect">
@@ -6493,10 +6694,7 @@
             <a:avLst/>
           </a:prstGeom>
           <a:solidFill>
-            <a:schemeClr val="accent6">
-              <a:lumMod val="60000"/>
-              <a:lumOff val="40000"/>
-            </a:schemeClr>
+            <a:srgbClr val="7F7F7F"/>
           </a:solidFill>
         </p:spPr>
         <p:style>
@@ -7078,7 +7276,7 @@
         </p:blipFill>
         <p:spPr>
           <a:xfrm>
-            <a:off x="-482596" y="1500093"/>
+            <a:off x="-507996" y="1500093"/>
             <a:ext cx="8558307" cy="8558307"/>
           </a:xfrm>
           <a:prstGeom prst="rect">
@@ -7360,6 +7558,232 @@
 </file>
 
 <file path=ppt/slides/slide7.xml><?xml version="1.0" encoding="utf-8"?>
+<p:sld xmlns:a="http://schemas.openxmlformats.org/drawingml/2006/main" xmlns:r="http://schemas.openxmlformats.org/officeDocument/2006/relationships" xmlns:p="http://schemas.openxmlformats.org/presentationml/2006/main">
+  <p:cSld>
+    <p:spTree>
+      <p:nvGrpSpPr>
+        <p:cNvPr id="1" name=""/>
+        <p:cNvGrpSpPr/>
+        <p:nvPr/>
+      </p:nvGrpSpPr>
+      <p:grpSpPr>
+        <a:xfrm>
+          <a:off x="0" y="0"/>
+          <a:ext cx="0" cy="0"/>
+          <a:chOff x="0" y="0"/>
+          <a:chExt cx="0" cy="0"/>
+        </a:xfrm>
+      </p:grpSpPr>
+      <p:pic>
+        <p:nvPicPr>
+          <p:cNvPr id="2" name="Picture 1"/>
+          <p:cNvPicPr>
+            <a:picLocks noChangeAspect="1"/>
+          </p:cNvPicPr>
+          <p:nvPr/>
+        </p:nvPicPr>
+        <p:blipFill>
+          <a:blip r:embed="rId2"/>
+          <a:stretch>
+            <a:fillRect/>
+          </a:stretch>
+        </p:blipFill>
+        <p:spPr>
+          <a:xfrm>
+            <a:off x="446594" y="345206"/>
+            <a:ext cx="6545821" cy="8401851"/>
+          </a:xfrm>
+          <a:prstGeom prst="rect">
+            <a:avLst/>
+          </a:prstGeom>
+        </p:spPr>
+      </p:pic>
+      <p:sp>
+        <p:nvSpPr>
+          <p:cNvPr id="3" name="Rounded Rectangle 2"/>
+          <p:cNvSpPr/>
+          <p:nvPr/>
+        </p:nvSpPr>
+        <p:spPr>
+          <a:xfrm>
+            <a:off x="893650" y="1928579"/>
+            <a:ext cx="5534356" cy="6818478"/>
+          </a:xfrm>
+          <a:prstGeom prst="roundRect">
+            <a:avLst/>
+          </a:prstGeom>
+          <a:solidFill>
+            <a:srgbClr val="FFFFFF"/>
+          </a:solidFill>
+          <a:ln>
+            <a:solidFill>
+              <a:srgbClr val="FFFFFF"/>
+            </a:solidFill>
+          </a:ln>
+          <a:effectLst/>
+        </p:spPr>
+        <p:style>
+          <a:lnRef idx="1">
+            <a:schemeClr val="accent1"/>
+          </a:lnRef>
+          <a:fillRef idx="3">
+            <a:schemeClr val="accent1"/>
+          </a:fillRef>
+          <a:effectRef idx="2">
+            <a:schemeClr val="accent1"/>
+          </a:effectRef>
+          <a:fontRef idx="minor">
+            <a:schemeClr val="lt1"/>
+          </a:fontRef>
+        </p:style>
+        <p:txBody>
+          <a:bodyPr rtlCol="0" anchor="ctr"/>
+          <a:lstStyle/>
+          <a:p>
+            <a:pPr algn="ctr"/>
+            <a:endParaRPr lang="en-US"/>
+          </a:p>
+        </p:txBody>
+      </p:sp>
+      <p:pic>
+        <p:nvPicPr>
+          <p:cNvPr id="12" name="Picture 11" descr="suitcase_bangkok.png"/>
+          <p:cNvPicPr>
+            <a:picLocks noChangeAspect="1"/>
+          </p:cNvPicPr>
+          <p:nvPr/>
+        </p:nvPicPr>
+        <p:blipFill rotWithShape="1">
+          <a:blip r:embed="rId3">
+            <a:extLst>
+              <a:ext uri="{28A0092B-C50C-407E-A947-70E740481C1C}">
+                <a14:useLocalDpi xmlns:a14="http://schemas.microsoft.com/office/drawing/2010/main" val="0"/>
+              </a:ext>
+            </a:extLst>
+          </a:blip>
+          <a:srcRect/>
+          <a:stretch/>
+        </p:blipFill>
+        <p:spPr>
+          <a:xfrm>
+            <a:off x="1225694" y="1928579"/>
+            <a:ext cx="1944258" cy="1944258"/>
+          </a:xfrm>
+          <a:prstGeom prst="rect">
+            <a:avLst/>
+          </a:prstGeom>
+        </p:spPr>
+      </p:pic>
+      <p:pic>
+        <p:nvPicPr>
+          <p:cNvPr id="13" name="Picture 12" descr="suitcase_chicago.png"/>
+          <p:cNvPicPr>
+            <a:picLocks noChangeAspect="1"/>
+          </p:cNvPicPr>
+          <p:nvPr/>
+        </p:nvPicPr>
+        <p:blipFill>
+          <a:blip r:embed="rId4">
+            <a:extLst>
+              <a:ext uri="{28A0092B-C50C-407E-A947-70E740481C1C}">
+                <a14:useLocalDpi xmlns:a14="http://schemas.microsoft.com/office/drawing/2010/main" val="0"/>
+              </a:ext>
+            </a:extLst>
+          </a:blip>
+          <a:stretch>
+            <a:fillRect/>
+          </a:stretch>
+        </p:blipFill>
+        <p:spPr>
+          <a:xfrm>
+            <a:off x="4123331" y="1928579"/>
+            <a:ext cx="1959758" cy="1959758"/>
+          </a:xfrm>
+          <a:prstGeom prst="rect">
+            <a:avLst/>
+          </a:prstGeom>
+        </p:spPr>
+      </p:pic>
+      <p:pic>
+        <p:nvPicPr>
+          <p:cNvPr id="14" name="Picture 13" descr="suitcase_chicago.png"/>
+          <p:cNvPicPr>
+            <a:picLocks noChangeAspect="1"/>
+          </p:cNvPicPr>
+          <p:nvPr/>
+        </p:nvPicPr>
+        <p:blipFill>
+          <a:blip r:embed="rId4">
+            <a:extLst>
+              <a:ext uri="{28A0092B-C50C-407E-A947-70E740481C1C}">
+                <a14:useLocalDpi xmlns:a14="http://schemas.microsoft.com/office/drawing/2010/main" val="0"/>
+              </a:ext>
+            </a:extLst>
+          </a:blip>
+          <a:stretch>
+            <a:fillRect/>
+          </a:stretch>
+        </p:blipFill>
+        <p:spPr>
+          <a:xfrm>
+            <a:off x="1225694" y="4112979"/>
+            <a:ext cx="1959758" cy="1959758"/>
+          </a:xfrm>
+          <a:prstGeom prst="rect">
+            <a:avLst/>
+          </a:prstGeom>
+        </p:spPr>
+      </p:pic>
+      <p:pic>
+        <p:nvPicPr>
+          <p:cNvPr id="15" name="Picture 14" descr="suitcase_bangkok.png"/>
+          <p:cNvPicPr>
+            <a:picLocks noChangeAspect="1"/>
+          </p:cNvPicPr>
+          <p:nvPr/>
+        </p:nvPicPr>
+        <p:blipFill rotWithShape="1">
+          <a:blip r:embed="rId3">
+            <a:extLst>
+              <a:ext uri="{28A0092B-C50C-407E-A947-70E740481C1C}">
+                <a14:useLocalDpi xmlns:a14="http://schemas.microsoft.com/office/drawing/2010/main" val="0"/>
+              </a:ext>
+            </a:extLst>
+          </a:blip>
+          <a:srcRect/>
+          <a:stretch/>
+        </p:blipFill>
+        <p:spPr>
+          <a:xfrm>
+            <a:off x="4123331" y="4128479"/>
+            <a:ext cx="1944258" cy="1944258"/>
+          </a:xfrm>
+          <a:prstGeom prst="rect">
+            <a:avLst/>
+          </a:prstGeom>
+        </p:spPr>
+      </p:pic>
+    </p:spTree>
+    <p:extLst>
+      <p:ext uri="{BB962C8B-B14F-4D97-AF65-F5344CB8AC3E}">
+        <p14:creationId xmlns:p14="http://schemas.microsoft.com/office/powerpoint/2010/main" val="786664040"/>
+      </p:ext>
+    </p:extLst>
+  </p:cSld>
+  <p:clrMapOvr>
+    <a:masterClrMapping/>
+  </p:clrMapOvr>
+  <p:timing>
+    <p:tnLst>
+      <p:par>
+        <p:cTn xmlns:p14="http://schemas.microsoft.com/office/powerpoint/2010/main" id="1" dur="indefinite" restart="never" nodeType="tmRoot"/>
+      </p:par>
+    </p:tnLst>
+  </p:timing>
+</p:sld>
+</file>
+
+<file path=ppt/slides/slide8.xml><?xml version="1.0" encoding="utf-8"?>
 <p:sld xmlns:a="http://schemas.openxmlformats.org/drawingml/2006/main" xmlns:r="http://schemas.openxmlformats.org/officeDocument/2006/relationships" xmlns:p="http://schemas.openxmlformats.org/presentationml/2006/main">
   <p:cSld>
     <p:spTree>
@@ -7829,7 +8253,7 @@
 </p:sld>
 </file>
 
-<file path=ppt/slides/slide8.xml><?xml version="1.0" encoding="utf-8"?>
+<file path=ppt/slides/slide9.xml><?xml version="1.0" encoding="utf-8"?>
 <p:sld xmlns:a="http://schemas.openxmlformats.org/drawingml/2006/main" xmlns:r="http://schemas.openxmlformats.org/officeDocument/2006/relationships" xmlns:p="http://schemas.openxmlformats.org/presentationml/2006/main">
   <p:cSld>
     <p:spTree>
@@ -7920,162 +8344,45 @@
 </p:sld>
 </file>
 
-<file path=ppt/slides/slide9.xml><?xml version="1.0" encoding="utf-8"?>
-<p:sld xmlns:a="http://schemas.openxmlformats.org/drawingml/2006/main" xmlns:r="http://schemas.openxmlformats.org/officeDocument/2006/relationships" xmlns:p="http://schemas.openxmlformats.org/presentationml/2006/main">
-  <p:cSld>
-    <p:spTree>
-      <p:nvGrpSpPr>
-        <p:cNvPr id="1" name=""/>
-        <p:cNvGrpSpPr/>
-        <p:nvPr/>
-      </p:nvGrpSpPr>
-      <p:grpSpPr>
-        <a:xfrm>
-          <a:off x="0" y="0"/>
-          <a:ext cx="0" cy="0"/>
-          <a:chOff x="0" y="0"/>
-          <a:chExt cx="0" cy="0"/>
-        </a:xfrm>
-      </p:grpSpPr>
-      <p:sp>
-        <p:nvSpPr>
-          <p:cNvPr id="2" name="Title 1"/>
-          <p:cNvSpPr>
-            <a:spLocks noGrp="1"/>
-          </p:cNvSpPr>
-          <p:nvPr>
-            <p:ph type="title"/>
-          </p:nvPr>
-        </p:nvSpPr>
-        <p:spPr/>
-        <p:txBody>
-          <a:bodyPr/>
-          <a:lstStyle/>
-          <a:p>
-            <a:endParaRPr lang="en-US"/>
-          </a:p>
-        </p:txBody>
-      </p:sp>
-      <p:sp>
-        <p:nvSpPr>
-          <p:cNvPr id="3" name="Content Placeholder 2"/>
-          <p:cNvSpPr>
-            <a:spLocks noGrp="1"/>
-          </p:cNvSpPr>
-          <p:nvPr>
-            <p:ph idx="1"/>
-          </p:nvPr>
-        </p:nvSpPr>
-        <p:spPr/>
-        <p:txBody>
-          <a:bodyPr/>
-          <a:lstStyle/>
-          <a:p>
-            <a:pPr>
-              <a:buFont typeface="+mj-lt"/>
-              <a:buAutoNum type="arabicPeriod"/>
-            </a:pPr>
-            <a:r>
-              <a:rPr lang="en-US" dirty="0" err="1" smtClean="0"/>
-              <a:t>SignUp</a:t>
-            </a:r>
-            <a:r>
-              <a:rPr lang="en-US" dirty="0" smtClean="0"/>
-              <a:t>/Login</a:t>
-            </a:r>
-          </a:p>
-          <a:p>
-            <a:pPr lvl="2"/>
-            <a:r>
-              <a:rPr lang="en-US" dirty="0" smtClean="0"/>
-              <a:t>Wayne w/ Passport</a:t>
-            </a:r>
-          </a:p>
-          <a:p>
-            <a:pPr>
-              <a:buFont typeface="+mj-lt"/>
-              <a:buAutoNum type="arabicPeriod"/>
-            </a:pPr>
-            <a:r>
-              <a:rPr lang="en-US" dirty="0" smtClean="0"/>
-              <a:t>Persistent search bar</a:t>
-            </a:r>
-          </a:p>
-          <a:p>
-            <a:pPr>
-              <a:buFont typeface="+mj-lt"/>
-              <a:buAutoNum type="arabicPeriod"/>
-            </a:pPr>
-            <a:endParaRPr lang="en-US" dirty="0" smtClean="0"/>
-          </a:p>
-          <a:p>
-            <a:pPr>
-              <a:buFont typeface="+mj-lt"/>
-              <a:buAutoNum type="arabicPeriod"/>
-            </a:pPr>
-            <a:endParaRPr lang="en-US" dirty="0"/>
-          </a:p>
-        </p:txBody>
-      </p:sp>
-    </p:spTree>
-    <p:extLst>
-      <p:ext uri="{BB962C8B-B14F-4D97-AF65-F5344CB8AC3E}">
-        <p14:creationId xmlns:p14="http://schemas.microsoft.com/office/powerpoint/2010/main" val="3862070844"/>
-      </p:ext>
-    </p:extLst>
-  </p:cSld>
-  <p:clrMapOvr>
-    <a:masterClrMapping/>
-  </p:clrMapOvr>
-  <p:timing>
-    <p:tnLst>
-      <p:par>
-        <p:cTn xmlns:p14="http://schemas.microsoft.com/office/powerpoint/2010/main" id="1" dur="indefinite" restart="never" nodeType="tmRoot"/>
-      </p:par>
-    </p:tnLst>
-  </p:timing>
-</p:sld>
-</file>
-
 <file path=ppt/theme/theme1.xml><?xml version="1.0" encoding="utf-8"?>
 <a:theme xmlns:a="http://schemas.openxmlformats.org/drawingml/2006/main" name="Angles">
   <a:themeElements>
-    <a:clrScheme name="Angles">
+    <a:clrScheme name="Advantage">
       <a:dk1>
-        <a:srgbClr val="000000"/>
+        <a:sysClr val="windowText" lastClr="000000"/>
       </a:dk1>
       <a:lt1>
-        <a:srgbClr val="FFFFFF"/>
+        <a:sysClr val="window" lastClr="FFFFFF"/>
       </a:lt1>
       <a:dk2>
-        <a:srgbClr val="434342"/>
+        <a:srgbClr val="2B142D"/>
       </a:dk2>
       <a:lt2>
-        <a:srgbClr val="CDD7D9"/>
+        <a:srgbClr val="C3AFCC"/>
       </a:lt2>
       <a:accent1>
-        <a:srgbClr val="797B7E"/>
+        <a:srgbClr val="663366"/>
       </a:accent1>
       <a:accent2>
-        <a:srgbClr val="F96A1B"/>
+        <a:srgbClr val="330F42"/>
       </a:accent2>
       <a:accent3>
-        <a:srgbClr val="08A1D9"/>
+        <a:srgbClr val="666699"/>
       </a:accent3>
       <a:accent4>
-        <a:srgbClr val="7C984A"/>
+        <a:srgbClr val="999966"/>
       </a:accent4>
       <a:accent5>
-        <a:srgbClr val="C2AD8D"/>
+        <a:srgbClr val="F7901E"/>
       </a:accent5>
       <a:accent6>
-        <a:srgbClr val="506E94"/>
+        <a:srgbClr val="A3A101"/>
       </a:accent6>
       <a:hlink>
-        <a:srgbClr val="5F5F5F"/>
+        <a:srgbClr val="BC5FBC"/>
       </a:hlink>
       <a:folHlink>
-        <a:srgbClr val="969696"/>
+        <a:srgbClr val="9775A7"/>
       </a:folHlink>
     </a:clrScheme>
     <a:fontScheme name="Angles">

--- a/WanderMust_Proposal.pptx
+++ b/WanderMust_Proposal.pptx
@@ -15,6 +15,7 @@
     <p:sldId id="262" r:id="rId9"/>
     <p:sldId id="263" r:id="rId10"/>
     <p:sldId id="264" r:id="rId11"/>
+    <p:sldId id="266" r:id="rId12"/>
   </p:sldIdLst>
   <p:sldSz cx="7772400" cy="10058400"/>
   <p:notesSz cx="6858000" cy="9144000"/>
@@ -585,7 +586,7 @@
             <a:fld id="{E30E2307-1E40-4E12-8716-25BFDA8E7013}" type="datetime1">
               <a:rPr lang="en-US" smtClean="0"/>
               <a:pPr/>
-              <a:t>5/13/18</a:t>
+              <a:t>5/21/18</a:t>
             </a:fld>
             <a:endParaRPr lang="en-US"/>
           </a:p>
@@ -752,7 +753,7 @@
             <a:fld id="{E5CFCF5A-EA79-452C-A52C-1A2668C2E7DF}" type="datetime1">
               <a:rPr lang="en-US" smtClean="0"/>
               <a:pPr/>
-              <a:t>5/13/18</a:t>
+              <a:t>5/21/18</a:t>
             </a:fld>
             <a:endParaRPr lang="en-US"/>
           </a:p>
@@ -929,7 +930,7 @@
             <a:fld id="{2E5C4C28-BD4B-4892-9A2D-6E19BD753A9A}" type="datetime1">
               <a:rPr lang="en-US" smtClean="0"/>
               <a:pPr/>
-              <a:t>5/13/18</a:t>
+              <a:t>5/21/18</a:t>
             </a:fld>
             <a:endParaRPr lang="en-US"/>
           </a:p>
@@ -1182,7 +1183,7 @@
             <a:fld id="{61FD9D02-426E-46C9-9EE9-0DE1EF8B2838}" type="datetime1">
               <a:rPr lang="en-US" smtClean="0"/>
               <a:pPr/>
-              <a:t>5/13/18</a:t>
+              <a:t>5/21/18</a:t>
             </a:fld>
             <a:endParaRPr lang="en-US"/>
           </a:p>
@@ -1737,7 +1738,7 @@
             <a:fld id="{7B8AEBBE-F8B2-42CF-9895-E86A608384EB}" type="datetime1">
               <a:rPr lang="en-US" smtClean="0"/>
               <a:pPr/>
-              <a:t>5/13/18</a:t>
+              <a:t>5/21/18</a:t>
             </a:fld>
             <a:endParaRPr lang="en-US"/>
           </a:p>
@@ -1999,7 +2000,7 @@
             <a:fld id="{E1FAA6B6-10E5-4810-BC9F-DA72D8452E73}" type="datetime1">
               <a:rPr lang="en-US" smtClean="0"/>
               <a:pPr/>
-              <a:t>5/13/18</a:t>
+              <a:t>5/21/18</a:t>
             </a:fld>
             <a:endParaRPr lang="en-US"/>
           </a:p>
@@ -2489,7 +2490,7 @@
             <a:fld id="{6D18D072-EF12-4AA2-BD71-ABC68B06D0E2}" type="datetime1">
               <a:rPr lang="en-US" smtClean="0"/>
               <a:pPr/>
-              <a:t>5/13/18</a:t>
+              <a:t>5/21/18</a:t>
             </a:fld>
             <a:endParaRPr lang="en-US"/>
           </a:p>
@@ -2604,7 +2605,7 @@
             <a:fld id="{B8CDBF60-6CC3-4B74-A60D-3486985E4346}" type="datetime1">
               <a:rPr lang="en-US" smtClean="0"/>
               <a:pPr/>
-              <a:t>5/13/18</a:t>
+              <a:t>5/21/18</a:t>
             </a:fld>
             <a:endParaRPr lang="en-US"/>
           </a:p>
@@ -2696,7 +2697,7 @@
             <a:fld id="{22714818-984F-4759-BF72-A33BDC1963BD}" type="datetime1">
               <a:rPr lang="en-US" smtClean="0"/>
               <a:pPr/>
-              <a:t>5/13/18</a:t>
+              <a:t>5/21/18</a:t>
             </a:fld>
             <a:endParaRPr lang="en-US"/>
           </a:p>
@@ -3128,7 +3129,7 @@
             <a:fld id="{9EA7E191-5F94-4FC1-B823-BD7CABF7FA06}" type="datetime1">
               <a:rPr lang="en-US" smtClean="0"/>
               <a:pPr/>
-              <a:t>5/13/18</a:t>
+              <a:t>5/21/18</a:t>
             </a:fld>
             <a:endParaRPr lang="en-US"/>
           </a:p>
@@ -3663,7 +3664,7 @@
             <a:fld id="{88856D55-EFBE-4F9B-8A5F-09D42CA22A9B}" type="datetime1">
               <a:rPr lang="en-US" smtClean="0"/>
               <a:pPr/>
-              <a:t>5/13/18</a:t>
+              <a:t>5/21/18</a:t>
             </a:fld>
             <a:endParaRPr lang="en-US"/>
           </a:p>
@@ -4505,7 +4506,7 @@
             <a:fld id="{9D1D110F-3F4E-48D9-B8AA-5D0E825AFDBA}" type="datetime1">
               <a:rPr lang="en-US" smtClean="0"/>
               <a:pPr/>
-              <a:t>5/13/18</a:t>
+              <a:t>5/21/18</a:t>
             </a:fld>
             <a:endParaRPr lang="en-US"/>
           </a:p>
@@ -5098,6 +5099,223 @@
 </p:sld>
 </file>
 
+<file path=ppt/slides/slide11.xml><?xml version="1.0" encoding="utf-8"?>
+<p:sld xmlns:a="http://schemas.openxmlformats.org/drawingml/2006/main" xmlns:r="http://schemas.openxmlformats.org/officeDocument/2006/relationships" xmlns:p="http://schemas.openxmlformats.org/presentationml/2006/main">
+  <p:cSld>
+    <p:spTree>
+      <p:nvGrpSpPr>
+        <p:cNvPr id="1" name=""/>
+        <p:cNvGrpSpPr/>
+        <p:nvPr/>
+      </p:nvGrpSpPr>
+      <p:grpSpPr>
+        <a:xfrm>
+          <a:off x="0" y="0"/>
+          <a:ext cx="0" cy="0"/>
+          <a:chOff x="0" y="0"/>
+          <a:chExt cx="0" cy="0"/>
+        </a:xfrm>
+      </p:grpSpPr>
+      <p:pic>
+        <p:nvPicPr>
+          <p:cNvPr id="3" name="Picture 2" descr="pig.png"/>
+          <p:cNvPicPr>
+            <a:picLocks noChangeAspect="1"/>
+          </p:cNvPicPr>
+          <p:nvPr/>
+        </p:nvPicPr>
+        <p:blipFill>
+          <a:blip r:embed="rId2">
+            <a:extLst>
+              <a:ext uri="{28A0092B-C50C-407E-A947-70E740481C1C}">
+                <a14:useLocalDpi xmlns:a14="http://schemas.microsoft.com/office/drawing/2010/main" val="0"/>
+              </a:ext>
+            </a:extLst>
+          </a:blip>
+          <a:stretch>
+            <a:fillRect/>
+          </a:stretch>
+        </p:blipFill>
+        <p:spPr>
+          <a:xfrm>
+            <a:off x="4489450" y="1638300"/>
+            <a:ext cx="1371600" cy="1371600"/>
+          </a:xfrm>
+          <a:prstGeom prst="rect">
+            <a:avLst/>
+          </a:prstGeom>
+        </p:spPr>
+      </p:pic>
+      <p:pic>
+        <p:nvPicPr>
+          <p:cNvPr id="5" name="Picture 4" descr="toucan.png"/>
+          <p:cNvPicPr>
+            <a:picLocks noChangeAspect="1"/>
+          </p:cNvPicPr>
+          <p:nvPr/>
+        </p:nvPicPr>
+        <p:blipFill>
+          <a:blip r:embed="rId3">
+            <a:extLst>
+              <a:ext uri="{28A0092B-C50C-407E-A947-70E740481C1C}">
+                <a14:useLocalDpi xmlns:a14="http://schemas.microsoft.com/office/drawing/2010/main" val="0"/>
+              </a:ext>
+            </a:extLst>
+          </a:blip>
+          <a:stretch>
+            <a:fillRect/>
+          </a:stretch>
+        </p:blipFill>
+        <p:spPr>
+          <a:xfrm>
+            <a:off x="4057650" y="2374900"/>
+            <a:ext cx="1117600" cy="1117600"/>
+          </a:xfrm>
+          <a:prstGeom prst="rect">
+            <a:avLst/>
+          </a:prstGeom>
+        </p:spPr>
+      </p:pic>
+      <p:pic>
+        <p:nvPicPr>
+          <p:cNvPr id="6" name="Picture 5" descr="elephant.png"/>
+          <p:cNvPicPr>
+            <a:picLocks noChangeAspect="1"/>
+          </p:cNvPicPr>
+          <p:nvPr/>
+        </p:nvPicPr>
+        <p:blipFill>
+          <a:blip r:embed="rId4">
+            <a:extLst>
+              <a:ext uri="{28A0092B-C50C-407E-A947-70E740481C1C}">
+                <a14:useLocalDpi xmlns:a14="http://schemas.microsoft.com/office/drawing/2010/main" val="0"/>
+              </a:ext>
+            </a:extLst>
+          </a:blip>
+          <a:stretch>
+            <a:fillRect/>
+          </a:stretch>
+        </p:blipFill>
+        <p:spPr>
+          <a:xfrm>
+            <a:off x="2400300" y="1371600"/>
+            <a:ext cx="2286000" cy="2286000"/>
+          </a:xfrm>
+          <a:prstGeom prst="rect">
+            <a:avLst/>
+          </a:prstGeom>
+        </p:spPr>
+      </p:pic>
+      <p:pic>
+        <p:nvPicPr>
+          <p:cNvPr id="2" name="Picture 1" descr="lion.png"/>
+          <p:cNvPicPr>
+            <a:picLocks noChangeAspect="1"/>
+          </p:cNvPicPr>
+          <p:nvPr/>
+        </p:nvPicPr>
+        <p:blipFill>
+          <a:blip r:embed="rId5">
+            <a:extLst>
+              <a:ext uri="{28A0092B-C50C-407E-A947-70E740481C1C}">
+                <a14:useLocalDpi xmlns:a14="http://schemas.microsoft.com/office/drawing/2010/main" val="0"/>
+              </a:ext>
+            </a:extLst>
+          </a:blip>
+          <a:stretch>
+            <a:fillRect/>
+          </a:stretch>
+        </p:blipFill>
+        <p:spPr>
+          <a:xfrm>
+            <a:off x="977900" y="1549400"/>
+            <a:ext cx="1689100" cy="1689100"/>
+          </a:xfrm>
+          <a:prstGeom prst="rect">
+            <a:avLst/>
+          </a:prstGeom>
+        </p:spPr>
+      </p:pic>
+      <p:pic>
+        <p:nvPicPr>
+          <p:cNvPr id="4" name="Picture 3" descr="raccoon.png"/>
+          <p:cNvPicPr>
+            <a:picLocks noChangeAspect="1"/>
+          </p:cNvPicPr>
+          <p:nvPr/>
+        </p:nvPicPr>
+        <p:blipFill>
+          <a:blip r:embed="rId6">
+            <a:extLst>
+              <a:ext uri="{28A0092B-C50C-407E-A947-70E740481C1C}">
+                <a14:useLocalDpi xmlns:a14="http://schemas.microsoft.com/office/drawing/2010/main" val="0"/>
+              </a:ext>
+            </a:extLst>
+          </a:blip>
+          <a:stretch>
+            <a:fillRect/>
+          </a:stretch>
+        </p:blipFill>
+        <p:spPr>
+          <a:xfrm>
+            <a:off x="2070100" y="2514600"/>
+            <a:ext cx="1422400" cy="1422400"/>
+          </a:xfrm>
+          <a:prstGeom prst="rect">
+            <a:avLst/>
+          </a:prstGeom>
+        </p:spPr>
+      </p:pic>
+      <p:sp>
+        <p:nvSpPr>
+          <p:cNvPr id="7" name="TextBox 6"/>
+          <p:cNvSpPr txBox="1"/>
+          <p:nvPr/>
+        </p:nvSpPr>
+        <p:spPr>
+          <a:xfrm>
+            <a:off x="762000" y="3657600"/>
+            <a:ext cx="5283200" cy="646331"/>
+          </a:xfrm>
+          <a:prstGeom prst="rect">
+            <a:avLst/>
+          </a:prstGeom>
+          <a:noFill/>
+        </p:spPr>
+        <p:txBody>
+          <a:bodyPr wrap="square" rtlCol="0">
+            <a:spAutoFit/>
+          </a:bodyPr>
+          <a:lstStyle/>
+          <a:p>
+            <a:pPr algn="ctr"/>
+            <a:r>
+              <a:rPr lang="en-US" sz="3600" dirty="0" smtClean="0">
+                <a:latin typeface="SignPainter-HouseScript"/>
+                <a:cs typeface="SignPainter-HouseScript"/>
+              </a:rPr>
+              <a:t>We can’t wait to see what you pack!</a:t>
+            </a:r>
+            <a:endParaRPr lang="en-US" sz="3600" dirty="0">
+              <a:latin typeface="SignPainter-HouseScript"/>
+              <a:cs typeface="SignPainter-HouseScript"/>
+            </a:endParaRPr>
+          </a:p>
+        </p:txBody>
+      </p:sp>
+    </p:spTree>
+    <p:extLst>
+      <p:ext uri="{BB962C8B-B14F-4D97-AF65-F5344CB8AC3E}">
+        <p14:creationId xmlns:p14="http://schemas.microsoft.com/office/powerpoint/2010/main" val="3734362208"/>
+      </p:ext>
+    </p:extLst>
+  </p:cSld>
+  <p:clrMapOvr>
+    <a:masterClrMapping/>
+  </p:clrMapOvr>
+</p:sld>
+</file>
+
 <file path=ppt/slides/slide2.xml><?xml version="1.0" encoding="utf-8"?>
 <p:sld xmlns:a="http://schemas.openxmlformats.org/drawingml/2006/main" xmlns:r="http://schemas.openxmlformats.org/officeDocument/2006/relationships" xmlns:p="http://schemas.openxmlformats.org/presentationml/2006/main">
   <p:cSld>

--- a/WanderMust_Proposal.pptx
+++ b/WanderMust_Proposal.pptx
@@ -16,6 +16,7 @@
     <p:sldId id="263" r:id="rId10"/>
     <p:sldId id="264" r:id="rId11"/>
     <p:sldId id="266" r:id="rId12"/>
+    <p:sldId id="267" r:id="rId13"/>
   </p:sldIdLst>
   <p:sldSz cx="7772400" cy="10058400"/>
   <p:notesSz cx="6858000" cy="9144000"/>
@@ -586,7 +587,7 @@
             <a:fld id="{E30E2307-1E40-4E12-8716-25BFDA8E7013}" type="datetime1">
               <a:rPr lang="en-US" smtClean="0"/>
               <a:pPr/>
-              <a:t>5/21/18</a:t>
+              <a:t>6/14/18</a:t>
             </a:fld>
             <a:endParaRPr lang="en-US"/>
           </a:p>
@@ -753,7 +754,7 @@
             <a:fld id="{E5CFCF5A-EA79-452C-A52C-1A2668C2E7DF}" type="datetime1">
               <a:rPr lang="en-US" smtClean="0"/>
               <a:pPr/>
-              <a:t>5/21/18</a:t>
+              <a:t>6/14/18</a:t>
             </a:fld>
             <a:endParaRPr lang="en-US"/>
           </a:p>
@@ -930,7 +931,7 @@
             <a:fld id="{2E5C4C28-BD4B-4892-9A2D-6E19BD753A9A}" type="datetime1">
               <a:rPr lang="en-US" smtClean="0"/>
               <a:pPr/>
-              <a:t>5/21/18</a:t>
+              <a:t>6/14/18</a:t>
             </a:fld>
             <a:endParaRPr lang="en-US"/>
           </a:p>
@@ -1183,7 +1184,7 @@
             <a:fld id="{61FD9D02-426E-46C9-9EE9-0DE1EF8B2838}" type="datetime1">
               <a:rPr lang="en-US" smtClean="0"/>
               <a:pPr/>
-              <a:t>5/21/18</a:t>
+              <a:t>6/14/18</a:t>
             </a:fld>
             <a:endParaRPr lang="en-US"/>
           </a:p>
@@ -1738,7 +1739,7 @@
             <a:fld id="{7B8AEBBE-F8B2-42CF-9895-E86A608384EB}" type="datetime1">
               <a:rPr lang="en-US" smtClean="0"/>
               <a:pPr/>
-              <a:t>5/21/18</a:t>
+              <a:t>6/14/18</a:t>
             </a:fld>
             <a:endParaRPr lang="en-US"/>
           </a:p>
@@ -2000,7 +2001,7 @@
             <a:fld id="{E1FAA6B6-10E5-4810-BC9F-DA72D8452E73}" type="datetime1">
               <a:rPr lang="en-US" smtClean="0"/>
               <a:pPr/>
-              <a:t>5/21/18</a:t>
+              <a:t>6/14/18</a:t>
             </a:fld>
             <a:endParaRPr lang="en-US"/>
           </a:p>
@@ -2490,7 +2491,7 @@
             <a:fld id="{6D18D072-EF12-4AA2-BD71-ABC68B06D0E2}" type="datetime1">
               <a:rPr lang="en-US" smtClean="0"/>
               <a:pPr/>
-              <a:t>5/21/18</a:t>
+              <a:t>6/14/18</a:t>
             </a:fld>
             <a:endParaRPr lang="en-US"/>
           </a:p>
@@ -2605,7 +2606,7 @@
             <a:fld id="{B8CDBF60-6CC3-4B74-A60D-3486985E4346}" type="datetime1">
               <a:rPr lang="en-US" smtClean="0"/>
               <a:pPr/>
-              <a:t>5/21/18</a:t>
+              <a:t>6/14/18</a:t>
             </a:fld>
             <a:endParaRPr lang="en-US"/>
           </a:p>
@@ -2697,7 +2698,7 @@
             <a:fld id="{22714818-984F-4759-BF72-A33BDC1963BD}" type="datetime1">
               <a:rPr lang="en-US" smtClean="0"/>
               <a:pPr/>
-              <a:t>5/21/18</a:t>
+              <a:t>6/14/18</a:t>
             </a:fld>
             <a:endParaRPr lang="en-US"/>
           </a:p>
@@ -3129,7 +3130,7 @@
             <a:fld id="{9EA7E191-5F94-4FC1-B823-BD7CABF7FA06}" type="datetime1">
               <a:rPr lang="en-US" smtClean="0"/>
               <a:pPr/>
-              <a:t>5/21/18</a:t>
+              <a:t>6/14/18</a:t>
             </a:fld>
             <a:endParaRPr lang="en-US"/>
           </a:p>
@@ -3664,7 +3665,7 @@
             <a:fld id="{88856D55-EFBE-4F9B-8A5F-09D42CA22A9B}" type="datetime1">
               <a:rPr lang="en-US" smtClean="0"/>
               <a:pPr/>
-              <a:t>5/21/18</a:t>
+              <a:t>6/14/18</a:t>
             </a:fld>
             <a:endParaRPr lang="en-US"/>
           </a:p>
@@ -4506,7 +4507,7 @@
             <a:fld id="{9D1D110F-3F4E-48D9-B8AA-5D0E825AFDBA}" type="datetime1">
               <a:rPr lang="en-US" smtClean="0"/>
               <a:pPr/>
-              <a:t>5/21/18</a:t>
+              <a:t>6/14/18</a:t>
             </a:fld>
             <a:endParaRPr lang="en-US"/>
           </a:p>
@@ -5316,6 +5317,236 @@
 </p:sld>
 </file>
 
+<file path=ppt/slides/slide12.xml><?xml version="1.0" encoding="utf-8"?>
+<p:sld xmlns:a="http://schemas.openxmlformats.org/drawingml/2006/main" xmlns:r="http://schemas.openxmlformats.org/officeDocument/2006/relationships" xmlns:p="http://schemas.openxmlformats.org/presentationml/2006/main">
+  <p:cSld>
+    <p:spTree>
+      <p:nvGrpSpPr>
+        <p:cNvPr id="1" name=""/>
+        <p:cNvGrpSpPr/>
+        <p:nvPr/>
+      </p:nvGrpSpPr>
+      <p:grpSpPr>
+        <a:xfrm>
+          <a:off x="0" y="0"/>
+          <a:ext cx="0" cy="0"/>
+          <a:chOff x="0" y="0"/>
+          <a:chExt cx="0" cy="0"/>
+        </a:xfrm>
+      </p:grpSpPr>
+      <p:sp>
+        <p:nvSpPr>
+          <p:cNvPr id="2" name="Title 1"/>
+          <p:cNvSpPr>
+            <a:spLocks noGrp="1"/>
+          </p:cNvSpPr>
+          <p:nvPr>
+            <p:ph type="title"/>
+          </p:nvPr>
+        </p:nvSpPr>
+        <p:spPr/>
+        <p:txBody>
+          <a:bodyPr/>
+          <a:lstStyle/>
+          <a:p>
+            <a:r>
+              <a:rPr lang="en-US" dirty="0" smtClean="0"/>
+              <a:t>Upgrade</a:t>
+            </a:r>
+            <a:endParaRPr lang="en-US" dirty="0"/>
+          </a:p>
+        </p:txBody>
+      </p:sp>
+      <p:sp>
+        <p:nvSpPr>
+          <p:cNvPr id="3" name="Content Placeholder 2"/>
+          <p:cNvSpPr>
+            <a:spLocks noGrp="1"/>
+          </p:cNvSpPr>
+          <p:nvPr>
+            <p:ph idx="1"/>
+          </p:nvPr>
+        </p:nvSpPr>
+        <p:spPr/>
+        <p:txBody>
+          <a:bodyPr/>
+          <a:lstStyle/>
+          <a:p>
+            <a:pPr>
+              <a:buAutoNum type="arabicPeriod"/>
+            </a:pPr>
+            <a:r>
+              <a:rPr lang="en-US" dirty="0" smtClean="0"/>
+              <a:t>React </a:t>
+            </a:r>
+            <a:r>
+              <a:rPr lang="mr-IN" dirty="0" smtClean="0"/>
+              <a:t>–</a:t>
+            </a:r>
+            <a:r>
+              <a:rPr lang="en-US" dirty="0" smtClean="0"/>
+              <a:t> </a:t>
+            </a:r>
+            <a:r>
+              <a:rPr lang="en-US" dirty="0" err="1" smtClean="0"/>
+              <a:t>sql</a:t>
+            </a:r>
+            <a:r>
+              <a:rPr lang="en-US" dirty="0" smtClean="0"/>
+              <a:t> retrieval </a:t>
+            </a:r>
+            <a:r>
+              <a:rPr lang="mr-IN" dirty="0" smtClean="0"/>
+              <a:t>–</a:t>
+            </a:r>
+            <a:r>
+              <a:rPr lang="en-US" dirty="0" smtClean="0"/>
+              <a:t> </a:t>
+            </a:r>
+            <a:r>
+              <a:rPr lang="en-US" dirty="0" err="1" smtClean="0"/>
+              <a:t>Xander</a:t>
+            </a:r>
+            <a:r>
+              <a:rPr lang="en-US" dirty="0" smtClean="0"/>
+              <a:t> &amp; B</a:t>
+            </a:r>
+          </a:p>
+          <a:p>
+            <a:pPr lvl="2"/>
+            <a:r>
+              <a:rPr lang="en-US" dirty="0" err="1" smtClean="0"/>
+              <a:t>Axios</a:t>
+            </a:r>
+            <a:r>
+              <a:rPr lang="en-US" dirty="0" smtClean="0"/>
+              <a:t>???? &amp; </a:t>
+            </a:r>
+            <a:r>
+              <a:rPr lang="en-US" dirty="0" err="1" smtClean="0"/>
+              <a:t>Mern</a:t>
+            </a:r>
+            <a:endParaRPr lang="en-US" dirty="0" smtClean="0"/>
+          </a:p>
+          <a:p>
+            <a:pPr>
+              <a:buAutoNum type="arabicPeriod"/>
+            </a:pPr>
+            <a:r>
+              <a:rPr lang="en-US" dirty="0" err="1" smtClean="0"/>
+              <a:t>Cloudinary</a:t>
+            </a:r>
+            <a:r>
+              <a:rPr lang="en-US" dirty="0" smtClean="0"/>
+              <a:t> </a:t>
+            </a:r>
+            <a:r>
+              <a:rPr lang="mr-IN" dirty="0" smtClean="0"/>
+              <a:t>–</a:t>
+            </a:r>
+            <a:r>
+              <a:rPr lang="en-US" dirty="0" smtClean="0"/>
+              <a:t> Sam</a:t>
+            </a:r>
+          </a:p>
+          <a:p>
+            <a:pPr>
+              <a:buAutoNum type="arabicPeriod"/>
+            </a:pPr>
+            <a:r>
+              <a:rPr lang="en-US" dirty="0" smtClean="0"/>
+              <a:t>Travel Deals </a:t>
+            </a:r>
+            <a:r>
+              <a:rPr lang="en-US" smtClean="0"/>
+              <a:t>- Evan</a:t>
+            </a:r>
+            <a:endParaRPr lang="en-US" dirty="0" smtClean="0"/>
+          </a:p>
+          <a:p>
+            <a:pPr>
+              <a:buAutoNum type="arabicPeriod"/>
+            </a:pPr>
+            <a:r>
+              <a:rPr lang="en-US" dirty="0" smtClean="0"/>
+              <a:t>Passport </a:t>
+            </a:r>
+            <a:r>
+              <a:rPr lang="mr-IN" dirty="0" smtClean="0"/>
+              <a:t>–</a:t>
+            </a:r>
+            <a:r>
+              <a:rPr lang="en-US" dirty="0" smtClean="0"/>
+              <a:t> using react state - Wayne</a:t>
+            </a:r>
+          </a:p>
+          <a:p>
+            <a:pPr>
+              <a:buAutoNum type="arabicPeriod"/>
+            </a:pPr>
+            <a:r>
+              <a:rPr lang="en-US" dirty="0" smtClean="0"/>
+              <a:t>Finishing CRUD operations - Molly</a:t>
+            </a:r>
+          </a:p>
+          <a:p>
+            <a:pPr>
+              <a:buAutoNum type="arabicPeriod"/>
+            </a:pPr>
+            <a:r>
+              <a:rPr lang="en-US" dirty="0" smtClean="0"/>
+              <a:t>Persistent Search</a:t>
+            </a:r>
+          </a:p>
+          <a:p>
+            <a:pPr>
+              <a:buAutoNum type="arabicPeriod"/>
+            </a:pPr>
+            <a:r>
+              <a:rPr lang="en-US" dirty="0"/>
+              <a:t>Mongoose for social components/chats</a:t>
+            </a:r>
+          </a:p>
+          <a:p>
+            <a:pPr lvl="2"/>
+            <a:r>
+              <a:rPr lang="en-US" dirty="0"/>
+              <a:t>Social Wall</a:t>
+            </a:r>
+          </a:p>
+          <a:p>
+            <a:pPr>
+              <a:buAutoNum type="arabicPeriod"/>
+            </a:pPr>
+            <a:endParaRPr lang="en-US" dirty="0" smtClean="0"/>
+          </a:p>
+          <a:p>
+            <a:pPr>
+              <a:buAutoNum type="arabicPeriod"/>
+            </a:pPr>
+            <a:endParaRPr lang="en-US" dirty="0" smtClean="0"/>
+          </a:p>
+          <a:p>
+            <a:pPr>
+              <a:buAutoNum type="arabicPeriod"/>
+            </a:pPr>
+            <a:endParaRPr lang="en-US" dirty="0"/>
+          </a:p>
+        </p:txBody>
+      </p:sp>
+    </p:spTree>
+    <p:extLst>
+      <p:ext uri="{BB962C8B-B14F-4D97-AF65-F5344CB8AC3E}">
+        <p14:creationId xmlns:p14="http://schemas.microsoft.com/office/powerpoint/2010/main" val="1516949929"/>
+      </p:ext>
+    </p:extLst>
+  </p:cSld>
+  <p:clrMapOvr>
+    <a:masterClrMapping/>
+  </p:clrMapOvr>
+</p:sld>
+</file>
+
 <file path=ppt/slides/slide2.xml><?xml version="1.0" encoding="utf-8"?>
 <p:sld xmlns:a="http://schemas.openxmlformats.org/drawingml/2006/main" xmlns:r="http://schemas.openxmlformats.org/officeDocument/2006/relationships" xmlns:p="http://schemas.openxmlformats.org/presentationml/2006/main">
   <p:cSld>

--- a/WanderMust_Proposal.pptx
+++ b/WanderMust_Proposal.pptx
@@ -8,15 +8,7 @@
     <p:sldId id="256" r:id="rId2"/>
     <p:sldId id="257" r:id="rId3"/>
     <p:sldId id="258" r:id="rId4"/>
-    <p:sldId id="259" r:id="rId5"/>
-    <p:sldId id="260" r:id="rId6"/>
-    <p:sldId id="261" r:id="rId7"/>
-    <p:sldId id="265" r:id="rId8"/>
-    <p:sldId id="262" r:id="rId9"/>
-    <p:sldId id="263" r:id="rId10"/>
-    <p:sldId id="264" r:id="rId11"/>
-    <p:sldId id="266" r:id="rId12"/>
-    <p:sldId id="267" r:id="rId13"/>
+    <p:sldId id="260" r:id="rId5"/>
   </p:sldIdLst>
   <p:sldSz cx="7772400" cy="10058400"/>
   <p:notesSz cx="6858000" cy="9144000"/>
@@ -587,7 +579,7 @@
             <a:fld id="{E30E2307-1E40-4E12-8716-25BFDA8E7013}" type="datetime1">
               <a:rPr lang="en-US" smtClean="0"/>
               <a:pPr/>
-              <a:t>6/14/18</a:t>
+              <a:t>6/22/18</a:t>
             </a:fld>
             <a:endParaRPr lang="en-US"/>
           </a:p>
@@ -754,7 +746,7 @@
             <a:fld id="{E5CFCF5A-EA79-452C-A52C-1A2668C2E7DF}" type="datetime1">
               <a:rPr lang="en-US" smtClean="0"/>
               <a:pPr/>
-              <a:t>6/14/18</a:t>
+              <a:t>6/22/18</a:t>
             </a:fld>
             <a:endParaRPr lang="en-US"/>
           </a:p>
@@ -931,7 +923,7 @@
             <a:fld id="{2E5C4C28-BD4B-4892-9A2D-6E19BD753A9A}" type="datetime1">
               <a:rPr lang="en-US" smtClean="0"/>
               <a:pPr/>
-              <a:t>6/14/18</a:t>
+              <a:t>6/22/18</a:t>
             </a:fld>
             <a:endParaRPr lang="en-US"/>
           </a:p>
@@ -1184,7 +1176,7 @@
             <a:fld id="{61FD9D02-426E-46C9-9EE9-0DE1EF8B2838}" type="datetime1">
               <a:rPr lang="en-US" smtClean="0"/>
               <a:pPr/>
-              <a:t>6/14/18</a:t>
+              <a:t>6/22/18</a:t>
             </a:fld>
             <a:endParaRPr lang="en-US"/>
           </a:p>
@@ -1739,7 +1731,7 @@
             <a:fld id="{7B8AEBBE-F8B2-42CF-9895-E86A608384EB}" type="datetime1">
               <a:rPr lang="en-US" smtClean="0"/>
               <a:pPr/>
-              <a:t>6/14/18</a:t>
+              <a:t>6/22/18</a:t>
             </a:fld>
             <a:endParaRPr lang="en-US"/>
           </a:p>
@@ -2001,7 +1993,7 @@
             <a:fld id="{E1FAA6B6-10E5-4810-BC9F-DA72D8452E73}" type="datetime1">
               <a:rPr lang="en-US" smtClean="0"/>
               <a:pPr/>
-              <a:t>6/14/18</a:t>
+              <a:t>6/22/18</a:t>
             </a:fld>
             <a:endParaRPr lang="en-US"/>
           </a:p>
@@ -2491,7 +2483,7 @@
             <a:fld id="{6D18D072-EF12-4AA2-BD71-ABC68B06D0E2}" type="datetime1">
               <a:rPr lang="en-US" smtClean="0"/>
               <a:pPr/>
-              <a:t>6/14/18</a:t>
+              <a:t>6/22/18</a:t>
             </a:fld>
             <a:endParaRPr lang="en-US"/>
           </a:p>
@@ -2606,7 +2598,7 @@
             <a:fld id="{B8CDBF60-6CC3-4B74-A60D-3486985E4346}" type="datetime1">
               <a:rPr lang="en-US" smtClean="0"/>
               <a:pPr/>
-              <a:t>6/14/18</a:t>
+              <a:t>6/22/18</a:t>
             </a:fld>
             <a:endParaRPr lang="en-US"/>
           </a:p>
@@ -2698,7 +2690,7 @@
             <a:fld id="{22714818-984F-4759-BF72-A33BDC1963BD}" type="datetime1">
               <a:rPr lang="en-US" smtClean="0"/>
               <a:pPr/>
-              <a:t>6/14/18</a:t>
+              <a:t>6/22/18</a:t>
             </a:fld>
             <a:endParaRPr lang="en-US"/>
           </a:p>
@@ -3130,7 +3122,7 @@
             <a:fld id="{9EA7E191-5F94-4FC1-B823-BD7CABF7FA06}" type="datetime1">
               <a:rPr lang="en-US" smtClean="0"/>
               <a:pPr/>
-              <a:t>6/14/18</a:t>
+              <a:t>6/22/18</a:t>
             </a:fld>
             <a:endParaRPr lang="en-US"/>
           </a:p>
@@ -3665,7 +3657,7 @@
             <a:fld id="{88856D55-EFBE-4F9B-8A5F-09D42CA22A9B}" type="datetime1">
               <a:rPr lang="en-US" smtClean="0"/>
               <a:pPr/>
-              <a:t>6/14/18</a:t>
+              <a:t>6/22/18</a:t>
             </a:fld>
             <a:endParaRPr lang="en-US"/>
           </a:p>
@@ -4507,7 +4499,7 @@
             <a:fld id="{9D1D110F-3F4E-48D9-B8AA-5D0E825AFDBA}" type="datetime1">
               <a:rPr lang="en-US" smtClean="0"/>
               <a:pPr/>
-              <a:t>6/14/18</a:t>
+              <a:t>6/22/18</a:t>
             </a:fld>
             <a:endParaRPr lang="en-US"/>
           </a:p>
@@ -4928,10 +4920,16 @@
           <a:lstStyle/>
           <a:p>
             <a:r>
-              <a:rPr lang="en-US" dirty="0" smtClean="0"/>
+              <a:rPr lang="en-US" sz="6600" cap="none" dirty="0" smtClean="0">
+                <a:latin typeface="La Cithare"/>
+                <a:cs typeface="La Cithare"/>
+              </a:rPr>
               <a:t>Wander-Must</a:t>
             </a:r>
-            <a:endParaRPr lang="en-US" dirty="0"/>
+            <a:endParaRPr lang="en-US" sz="6600" cap="none" dirty="0">
+              <a:latin typeface="La Cithare"/>
+              <a:cs typeface="La Cithare"/>
+            </a:endParaRPr>
           </a:p>
         </p:txBody>
       </p:sp>
@@ -4980,570 +4978,6 @@
       </p:par>
     </p:tnLst>
   </p:timing>
-</p:sld>
-</file>
-
-<file path=ppt/slides/slide10.xml><?xml version="1.0" encoding="utf-8"?>
-<p:sld xmlns:a="http://schemas.openxmlformats.org/drawingml/2006/main" xmlns:r="http://schemas.openxmlformats.org/officeDocument/2006/relationships" xmlns:p="http://schemas.openxmlformats.org/presentationml/2006/main">
-  <p:cSld>
-    <p:spTree>
-      <p:nvGrpSpPr>
-        <p:cNvPr id="1" name=""/>
-        <p:cNvGrpSpPr/>
-        <p:nvPr/>
-      </p:nvGrpSpPr>
-      <p:grpSpPr>
-        <a:xfrm>
-          <a:off x="0" y="0"/>
-          <a:ext cx="0" cy="0"/>
-          <a:chOff x="0" y="0"/>
-          <a:chExt cx="0" cy="0"/>
-        </a:xfrm>
-      </p:grpSpPr>
-      <p:sp>
-        <p:nvSpPr>
-          <p:cNvPr id="2" name="Title 1"/>
-          <p:cNvSpPr>
-            <a:spLocks noGrp="1"/>
-          </p:cNvSpPr>
-          <p:nvPr>
-            <p:ph type="title"/>
-          </p:nvPr>
-        </p:nvSpPr>
-        <p:spPr/>
-        <p:txBody>
-          <a:bodyPr/>
-          <a:lstStyle/>
-          <a:p>
-            <a:endParaRPr lang="en-US"/>
-          </a:p>
-        </p:txBody>
-      </p:sp>
-      <p:sp>
-        <p:nvSpPr>
-          <p:cNvPr id="3" name="Content Placeholder 2"/>
-          <p:cNvSpPr>
-            <a:spLocks noGrp="1"/>
-          </p:cNvSpPr>
-          <p:nvPr>
-            <p:ph idx="1"/>
-          </p:nvPr>
-        </p:nvSpPr>
-        <p:spPr/>
-        <p:txBody>
-          <a:bodyPr/>
-          <a:lstStyle/>
-          <a:p>
-            <a:pPr>
-              <a:buFont typeface="+mj-lt"/>
-              <a:buAutoNum type="arabicPeriod"/>
-            </a:pPr>
-            <a:r>
-              <a:rPr lang="en-US" dirty="0" err="1" smtClean="0"/>
-              <a:t>SignUp</a:t>
-            </a:r>
-            <a:r>
-              <a:rPr lang="en-US" dirty="0" smtClean="0"/>
-              <a:t>/Login</a:t>
-            </a:r>
-          </a:p>
-          <a:p>
-            <a:pPr lvl="2"/>
-            <a:r>
-              <a:rPr lang="en-US" dirty="0" smtClean="0"/>
-              <a:t>Wayne w/ Passport</a:t>
-            </a:r>
-          </a:p>
-          <a:p>
-            <a:pPr>
-              <a:buFont typeface="+mj-lt"/>
-              <a:buAutoNum type="arabicPeriod"/>
-            </a:pPr>
-            <a:r>
-              <a:rPr lang="en-US" dirty="0" smtClean="0"/>
-              <a:t>Persistent search bar</a:t>
-            </a:r>
-          </a:p>
-          <a:p>
-            <a:pPr>
-              <a:buFont typeface="+mj-lt"/>
-              <a:buAutoNum type="arabicPeriod"/>
-            </a:pPr>
-            <a:endParaRPr lang="en-US" dirty="0" smtClean="0"/>
-          </a:p>
-          <a:p>
-            <a:pPr>
-              <a:buFont typeface="+mj-lt"/>
-              <a:buAutoNum type="arabicPeriod"/>
-            </a:pPr>
-            <a:endParaRPr lang="en-US" dirty="0"/>
-          </a:p>
-        </p:txBody>
-      </p:sp>
-    </p:spTree>
-    <p:extLst>
-      <p:ext uri="{BB962C8B-B14F-4D97-AF65-F5344CB8AC3E}">
-        <p14:creationId xmlns:p14="http://schemas.microsoft.com/office/powerpoint/2010/main" val="3862070844"/>
-      </p:ext>
-    </p:extLst>
-  </p:cSld>
-  <p:clrMapOvr>
-    <a:masterClrMapping/>
-  </p:clrMapOvr>
-  <p:timing>
-    <p:tnLst>
-      <p:par>
-        <p:cTn xmlns:p14="http://schemas.microsoft.com/office/powerpoint/2010/main" id="1" dur="indefinite" restart="never" nodeType="tmRoot"/>
-      </p:par>
-    </p:tnLst>
-  </p:timing>
-</p:sld>
-</file>
-
-<file path=ppt/slides/slide11.xml><?xml version="1.0" encoding="utf-8"?>
-<p:sld xmlns:a="http://schemas.openxmlformats.org/drawingml/2006/main" xmlns:r="http://schemas.openxmlformats.org/officeDocument/2006/relationships" xmlns:p="http://schemas.openxmlformats.org/presentationml/2006/main">
-  <p:cSld>
-    <p:spTree>
-      <p:nvGrpSpPr>
-        <p:cNvPr id="1" name=""/>
-        <p:cNvGrpSpPr/>
-        <p:nvPr/>
-      </p:nvGrpSpPr>
-      <p:grpSpPr>
-        <a:xfrm>
-          <a:off x="0" y="0"/>
-          <a:ext cx="0" cy="0"/>
-          <a:chOff x="0" y="0"/>
-          <a:chExt cx="0" cy="0"/>
-        </a:xfrm>
-      </p:grpSpPr>
-      <p:pic>
-        <p:nvPicPr>
-          <p:cNvPr id="3" name="Picture 2" descr="pig.png"/>
-          <p:cNvPicPr>
-            <a:picLocks noChangeAspect="1"/>
-          </p:cNvPicPr>
-          <p:nvPr/>
-        </p:nvPicPr>
-        <p:blipFill>
-          <a:blip r:embed="rId2">
-            <a:extLst>
-              <a:ext uri="{28A0092B-C50C-407E-A947-70E740481C1C}">
-                <a14:useLocalDpi xmlns:a14="http://schemas.microsoft.com/office/drawing/2010/main" val="0"/>
-              </a:ext>
-            </a:extLst>
-          </a:blip>
-          <a:stretch>
-            <a:fillRect/>
-          </a:stretch>
-        </p:blipFill>
-        <p:spPr>
-          <a:xfrm>
-            <a:off x="4489450" y="1638300"/>
-            <a:ext cx="1371600" cy="1371600"/>
-          </a:xfrm>
-          <a:prstGeom prst="rect">
-            <a:avLst/>
-          </a:prstGeom>
-        </p:spPr>
-      </p:pic>
-      <p:pic>
-        <p:nvPicPr>
-          <p:cNvPr id="5" name="Picture 4" descr="toucan.png"/>
-          <p:cNvPicPr>
-            <a:picLocks noChangeAspect="1"/>
-          </p:cNvPicPr>
-          <p:nvPr/>
-        </p:nvPicPr>
-        <p:blipFill>
-          <a:blip r:embed="rId3">
-            <a:extLst>
-              <a:ext uri="{28A0092B-C50C-407E-A947-70E740481C1C}">
-                <a14:useLocalDpi xmlns:a14="http://schemas.microsoft.com/office/drawing/2010/main" val="0"/>
-              </a:ext>
-            </a:extLst>
-          </a:blip>
-          <a:stretch>
-            <a:fillRect/>
-          </a:stretch>
-        </p:blipFill>
-        <p:spPr>
-          <a:xfrm>
-            <a:off x="4057650" y="2374900"/>
-            <a:ext cx="1117600" cy="1117600"/>
-          </a:xfrm>
-          <a:prstGeom prst="rect">
-            <a:avLst/>
-          </a:prstGeom>
-        </p:spPr>
-      </p:pic>
-      <p:pic>
-        <p:nvPicPr>
-          <p:cNvPr id="6" name="Picture 5" descr="elephant.png"/>
-          <p:cNvPicPr>
-            <a:picLocks noChangeAspect="1"/>
-          </p:cNvPicPr>
-          <p:nvPr/>
-        </p:nvPicPr>
-        <p:blipFill>
-          <a:blip r:embed="rId4">
-            <a:extLst>
-              <a:ext uri="{28A0092B-C50C-407E-A947-70E740481C1C}">
-                <a14:useLocalDpi xmlns:a14="http://schemas.microsoft.com/office/drawing/2010/main" val="0"/>
-              </a:ext>
-            </a:extLst>
-          </a:blip>
-          <a:stretch>
-            <a:fillRect/>
-          </a:stretch>
-        </p:blipFill>
-        <p:spPr>
-          <a:xfrm>
-            <a:off x="2400300" y="1371600"/>
-            <a:ext cx="2286000" cy="2286000"/>
-          </a:xfrm>
-          <a:prstGeom prst="rect">
-            <a:avLst/>
-          </a:prstGeom>
-        </p:spPr>
-      </p:pic>
-      <p:pic>
-        <p:nvPicPr>
-          <p:cNvPr id="2" name="Picture 1" descr="lion.png"/>
-          <p:cNvPicPr>
-            <a:picLocks noChangeAspect="1"/>
-          </p:cNvPicPr>
-          <p:nvPr/>
-        </p:nvPicPr>
-        <p:blipFill>
-          <a:blip r:embed="rId5">
-            <a:extLst>
-              <a:ext uri="{28A0092B-C50C-407E-A947-70E740481C1C}">
-                <a14:useLocalDpi xmlns:a14="http://schemas.microsoft.com/office/drawing/2010/main" val="0"/>
-              </a:ext>
-            </a:extLst>
-          </a:blip>
-          <a:stretch>
-            <a:fillRect/>
-          </a:stretch>
-        </p:blipFill>
-        <p:spPr>
-          <a:xfrm>
-            <a:off x="977900" y="1549400"/>
-            <a:ext cx="1689100" cy="1689100"/>
-          </a:xfrm>
-          <a:prstGeom prst="rect">
-            <a:avLst/>
-          </a:prstGeom>
-        </p:spPr>
-      </p:pic>
-      <p:pic>
-        <p:nvPicPr>
-          <p:cNvPr id="4" name="Picture 3" descr="raccoon.png"/>
-          <p:cNvPicPr>
-            <a:picLocks noChangeAspect="1"/>
-          </p:cNvPicPr>
-          <p:nvPr/>
-        </p:nvPicPr>
-        <p:blipFill>
-          <a:blip r:embed="rId6">
-            <a:extLst>
-              <a:ext uri="{28A0092B-C50C-407E-A947-70E740481C1C}">
-                <a14:useLocalDpi xmlns:a14="http://schemas.microsoft.com/office/drawing/2010/main" val="0"/>
-              </a:ext>
-            </a:extLst>
-          </a:blip>
-          <a:stretch>
-            <a:fillRect/>
-          </a:stretch>
-        </p:blipFill>
-        <p:spPr>
-          <a:xfrm>
-            <a:off x="2070100" y="2514600"/>
-            <a:ext cx="1422400" cy="1422400"/>
-          </a:xfrm>
-          <a:prstGeom prst="rect">
-            <a:avLst/>
-          </a:prstGeom>
-        </p:spPr>
-      </p:pic>
-      <p:sp>
-        <p:nvSpPr>
-          <p:cNvPr id="7" name="TextBox 6"/>
-          <p:cNvSpPr txBox="1"/>
-          <p:nvPr/>
-        </p:nvSpPr>
-        <p:spPr>
-          <a:xfrm>
-            <a:off x="762000" y="3657600"/>
-            <a:ext cx="5283200" cy="646331"/>
-          </a:xfrm>
-          <a:prstGeom prst="rect">
-            <a:avLst/>
-          </a:prstGeom>
-          <a:noFill/>
-        </p:spPr>
-        <p:txBody>
-          <a:bodyPr wrap="square" rtlCol="0">
-            <a:spAutoFit/>
-          </a:bodyPr>
-          <a:lstStyle/>
-          <a:p>
-            <a:pPr algn="ctr"/>
-            <a:r>
-              <a:rPr lang="en-US" sz="3600" dirty="0" smtClean="0">
-                <a:latin typeface="SignPainter-HouseScript"/>
-                <a:cs typeface="SignPainter-HouseScript"/>
-              </a:rPr>
-              <a:t>We can’t wait to see what you pack!</a:t>
-            </a:r>
-            <a:endParaRPr lang="en-US" sz="3600" dirty="0">
-              <a:latin typeface="SignPainter-HouseScript"/>
-              <a:cs typeface="SignPainter-HouseScript"/>
-            </a:endParaRPr>
-          </a:p>
-        </p:txBody>
-      </p:sp>
-    </p:spTree>
-    <p:extLst>
-      <p:ext uri="{BB962C8B-B14F-4D97-AF65-F5344CB8AC3E}">
-        <p14:creationId xmlns:p14="http://schemas.microsoft.com/office/powerpoint/2010/main" val="3734362208"/>
-      </p:ext>
-    </p:extLst>
-  </p:cSld>
-  <p:clrMapOvr>
-    <a:masterClrMapping/>
-  </p:clrMapOvr>
-</p:sld>
-</file>
-
-<file path=ppt/slides/slide12.xml><?xml version="1.0" encoding="utf-8"?>
-<p:sld xmlns:a="http://schemas.openxmlformats.org/drawingml/2006/main" xmlns:r="http://schemas.openxmlformats.org/officeDocument/2006/relationships" xmlns:p="http://schemas.openxmlformats.org/presentationml/2006/main">
-  <p:cSld>
-    <p:spTree>
-      <p:nvGrpSpPr>
-        <p:cNvPr id="1" name=""/>
-        <p:cNvGrpSpPr/>
-        <p:nvPr/>
-      </p:nvGrpSpPr>
-      <p:grpSpPr>
-        <a:xfrm>
-          <a:off x="0" y="0"/>
-          <a:ext cx="0" cy="0"/>
-          <a:chOff x="0" y="0"/>
-          <a:chExt cx="0" cy="0"/>
-        </a:xfrm>
-      </p:grpSpPr>
-      <p:sp>
-        <p:nvSpPr>
-          <p:cNvPr id="2" name="Title 1"/>
-          <p:cNvSpPr>
-            <a:spLocks noGrp="1"/>
-          </p:cNvSpPr>
-          <p:nvPr>
-            <p:ph type="title"/>
-          </p:nvPr>
-        </p:nvSpPr>
-        <p:spPr/>
-        <p:txBody>
-          <a:bodyPr/>
-          <a:lstStyle/>
-          <a:p>
-            <a:r>
-              <a:rPr lang="en-US" dirty="0" smtClean="0"/>
-              <a:t>Upgrade</a:t>
-            </a:r>
-            <a:endParaRPr lang="en-US" dirty="0"/>
-          </a:p>
-        </p:txBody>
-      </p:sp>
-      <p:sp>
-        <p:nvSpPr>
-          <p:cNvPr id="3" name="Content Placeholder 2"/>
-          <p:cNvSpPr>
-            <a:spLocks noGrp="1"/>
-          </p:cNvSpPr>
-          <p:nvPr>
-            <p:ph idx="1"/>
-          </p:nvPr>
-        </p:nvSpPr>
-        <p:spPr/>
-        <p:txBody>
-          <a:bodyPr/>
-          <a:lstStyle/>
-          <a:p>
-            <a:pPr>
-              <a:buAutoNum type="arabicPeriod"/>
-            </a:pPr>
-            <a:r>
-              <a:rPr lang="en-US" dirty="0" smtClean="0"/>
-              <a:t>React </a:t>
-            </a:r>
-            <a:r>
-              <a:rPr lang="mr-IN" dirty="0" smtClean="0"/>
-              <a:t>–</a:t>
-            </a:r>
-            <a:r>
-              <a:rPr lang="en-US" dirty="0" smtClean="0"/>
-              <a:t> </a:t>
-            </a:r>
-            <a:r>
-              <a:rPr lang="en-US" dirty="0" err="1" smtClean="0"/>
-              <a:t>sql</a:t>
-            </a:r>
-            <a:r>
-              <a:rPr lang="en-US" dirty="0" smtClean="0"/>
-              <a:t> retrieval </a:t>
-            </a:r>
-            <a:r>
-              <a:rPr lang="mr-IN" dirty="0" smtClean="0"/>
-              <a:t>–</a:t>
-            </a:r>
-            <a:r>
-              <a:rPr lang="en-US" dirty="0" smtClean="0"/>
-              <a:t> </a:t>
-            </a:r>
-            <a:r>
-              <a:rPr lang="en-US" dirty="0" err="1" smtClean="0"/>
-              <a:t>Xander</a:t>
-            </a:r>
-            <a:r>
-              <a:rPr lang="en-US" dirty="0" smtClean="0"/>
-              <a:t> &amp; B</a:t>
-            </a:r>
-          </a:p>
-          <a:p>
-            <a:pPr lvl="2"/>
-            <a:r>
-              <a:rPr lang="en-US" dirty="0" err="1" smtClean="0"/>
-              <a:t>Axios</a:t>
-            </a:r>
-            <a:r>
-              <a:rPr lang="en-US" dirty="0" smtClean="0"/>
-              <a:t>???? &amp; </a:t>
-            </a:r>
-            <a:r>
-              <a:rPr lang="en-US" dirty="0" err="1" smtClean="0"/>
-              <a:t>Mern</a:t>
-            </a:r>
-            <a:endParaRPr lang="en-US" dirty="0" smtClean="0"/>
-          </a:p>
-          <a:p>
-            <a:pPr>
-              <a:buAutoNum type="arabicPeriod"/>
-            </a:pPr>
-            <a:r>
-              <a:rPr lang="en-US" dirty="0" err="1" smtClean="0"/>
-              <a:t>Cloudinary</a:t>
-            </a:r>
-            <a:r>
-              <a:rPr lang="en-US" dirty="0" smtClean="0"/>
-              <a:t> </a:t>
-            </a:r>
-            <a:r>
-              <a:rPr lang="mr-IN" dirty="0" smtClean="0"/>
-              <a:t>–</a:t>
-            </a:r>
-            <a:r>
-              <a:rPr lang="en-US" dirty="0" smtClean="0"/>
-              <a:t> Sam</a:t>
-            </a:r>
-          </a:p>
-          <a:p>
-            <a:pPr>
-              <a:buAutoNum type="arabicPeriod"/>
-            </a:pPr>
-            <a:r>
-              <a:rPr lang="en-US" dirty="0" smtClean="0"/>
-              <a:t>Travel Deals </a:t>
-            </a:r>
-            <a:r>
-              <a:rPr lang="en-US" smtClean="0"/>
-              <a:t>- Evan</a:t>
-            </a:r>
-            <a:endParaRPr lang="en-US" dirty="0" smtClean="0"/>
-          </a:p>
-          <a:p>
-            <a:pPr>
-              <a:buAutoNum type="arabicPeriod"/>
-            </a:pPr>
-            <a:r>
-              <a:rPr lang="en-US" dirty="0" smtClean="0"/>
-              <a:t>Passport </a:t>
-            </a:r>
-            <a:r>
-              <a:rPr lang="mr-IN" dirty="0" smtClean="0"/>
-              <a:t>–</a:t>
-            </a:r>
-            <a:r>
-              <a:rPr lang="en-US" dirty="0" smtClean="0"/>
-              <a:t> using react state - Wayne</a:t>
-            </a:r>
-          </a:p>
-          <a:p>
-            <a:pPr>
-              <a:buAutoNum type="arabicPeriod"/>
-            </a:pPr>
-            <a:r>
-              <a:rPr lang="en-US" dirty="0" smtClean="0"/>
-              <a:t>Finishing CRUD operations - Molly</a:t>
-            </a:r>
-          </a:p>
-          <a:p>
-            <a:pPr>
-              <a:buAutoNum type="arabicPeriod"/>
-            </a:pPr>
-            <a:r>
-              <a:rPr lang="en-US" dirty="0" smtClean="0"/>
-              <a:t>Persistent Search</a:t>
-            </a:r>
-          </a:p>
-          <a:p>
-            <a:pPr>
-              <a:buAutoNum type="arabicPeriod"/>
-            </a:pPr>
-            <a:r>
-              <a:rPr lang="en-US" dirty="0"/>
-              <a:t>Mongoose for social components/chats</a:t>
-            </a:r>
-          </a:p>
-          <a:p>
-            <a:pPr lvl="2"/>
-            <a:r>
-              <a:rPr lang="en-US" dirty="0"/>
-              <a:t>Social Wall</a:t>
-            </a:r>
-          </a:p>
-          <a:p>
-            <a:pPr>
-              <a:buAutoNum type="arabicPeriod"/>
-            </a:pPr>
-            <a:endParaRPr lang="en-US" dirty="0" smtClean="0"/>
-          </a:p>
-          <a:p>
-            <a:pPr>
-              <a:buAutoNum type="arabicPeriod"/>
-            </a:pPr>
-            <a:endParaRPr lang="en-US" dirty="0" smtClean="0"/>
-          </a:p>
-          <a:p>
-            <a:pPr>
-              <a:buAutoNum type="arabicPeriod"/>
-            </a:pPr>
-            <a:endParaRPr lang="en-US" dirty="0"/>
-          </a:p>
-        </p:txBody>
-      </p:sp>
-    </p:spTree>
-    <p:extLst>
-      <p:ext uri="{BB962C8B-B14F-4D97-AF65-F5344CB8AC3E}">
-        <p14:creationId xmlns:p14="http://schemas.microsoft.com/office/powerpoint/2010/main" val="1516949929"/>
-      </p:ext>
-    </p:extLst>
-  </p:cSld>
-  <p:clrMapOvr>
-    <a:masterClrMapping/>
-  </p:clrMapOvr>
 </p:sld>
 </file>
 
@@ -5574,27 +5008,36 @@
             <p:ph type="title"/>
           </p:nvPr>
         </p:nvSpPr>
-        <p:spPr/>
+        <p:spPr>
+          <a:xfrm>
+            <a:off x="510224" y="227487"/>
+            <a:ext cx="6723608" cy="804672"/>
+          </a:xfrm>
+        </p:spPr>
         <p:txBody>
           <a:bodyPr/>
           <a:lstStyle/>
           <a:p>
             <a:r>
-              <a:rPr lang="en-US" dirty="0" smtClean="0"/>
+              <a:rPr lang="en-US" sz="4400" cap="none" dirty="0" smtClean="0">
+                <a:latin typeface="La Cithare"/>
+                <a:cs typeface="La Cithare"/>
+              </a:rPr>
               <a:t>Traveling is already hard </a:t>
             </a:r>
-            <a:br>
-              <a:rPr lang="en-US" dirty="0" smtClean="0"/>
-            </a:br>
             <a:r>
               <a:rPr lang="mr-IN" dirty="0" smtClean="0"/>
               <a:t>–</a:t>
             </a:r>
             <a:r>
               <a:rPr lang="en-US" dirty="0" smtClean="0"/>
-              <a:t> make Packing easy</a:t>
-            </a:r>
-            <a:endParaRPr lang="en-US" dirty="0"/>
+              <a:t> </a:t>
+            </a:r>
+            <a:r>
+              <a:rPr lang="en-US" sz="2000" dirty="0" smtClean="0"/>
+              <a:t>make Packing easy</a:t>
+            </a:r>
+            <a:endParaRPr lang="en-US" sz="2000" dirty="0"/>
           </a:p>
         </p:txBody>
       </p:sp>
@@ -5608,15 +5051,67 @@
             <p:ph idx="1"/>
           </p:nvPr>
         </p:nvSpPr>
-        <p:spPr/>
+        <p:spPr>
+          <a:xfrm>
+            <a:off x="510224" y="1219959"/>
+            <a:ext cx="6723608" cy="6040289"/>
+          </a:xfrm>
+        </p:spPr>
         <p:txBody>
-          <a:bodyPr/>
+          <a:bodyPr>
+            <a:normAutofit fontScale="92500" lnSpcReduction="10000"/>
+          </a:bodyPr>
           <a:lstStyle/>
           <a:p>
             <a:pPr marL="0" indent="0"/>
             <a:r>
               <a:rPr lang="en-US" dirty="0" smtClean="0"/>
-              <a:t>There are packing apps, and there are travel apps, but no one is giving you a social network to really know what to pack! Wander-Must is the app for both.</a:t>
+              <a:t>There are packing apps, and there are travel apps, but no one is giving you a social net	work to really know what to pack! Wander-Must is the app for both. </a:t>
+            </a:r>
+            <a:r>
+              <a:rPr lang="mr-IN" dirty="0" smtClean="0"/>
+              <a:t>–</a:t>
+            </a:r>
+            <a:r>
+              <a:rPr lang="en-US" dirty="0" smtClean="0"/>
+              <a:t> Well, it’s about to be!</a:t>
+            </a:r>
+          </a:p>
+          <a:p>
+            <a:pPr marL="0" indent="0"/>
+            <a:endParaRPr lang="en-US" dirty="0" smtClean="0"/>
+          </a:p>
+          <a:p>
+            <a:pPr marL="694944" lvl="5" indent="-457200">
+              <a:spcBef>
+                <a:spcPts val="800"/>
+              </a:spcBef>
+              <a:buClrTx/>
+              <a:buNone/>
+            </a:pPr>
+            <a:r>
+              <a:rPr lang="en-US" sz="1200" u="sng" dirty="0" smtClean="0"/>
+              <a:t>Coder</a:t>
+            </a:r>
+            <a:r>
+              <a:rPr lang="en-US" sz="1200" u="sng" dirty="0"/>
+              <a:t>(s):</a:t>
+            </a:r>
+            <a:r>
+              <a:rPr lang="en-US" sz="1200" dirty="0"/>
+              <a:t> </a:t>
+            </a:r>
+            <a:r>
+              <a:rPr lang="en-US" sz="1200" dirty="0" err="1"/>
+              <a:t>Xander</a:t>
+            </a:r>
+            <a:r>
+              <a:rPr lang="en-US" sz="1200" dirty="0"/>
+              <a:t> &amp; </a:t>
+            </a:r>
+            <a:r>
+              <a:rPr lang="en-US" sz="1200" dirty="0" smtClean="0"/>
+              <a:t>B</a:t>
             </a:r>
           </a:p>
           <a:p>
@@ -5626,53 +5121,35 @@
             </a:pPr>
             <a:r>
               <a:rPr lang="en-US" dirty="0" smtClean="0"/>
-              <a:t>First </a:t>
-            </a:r>
-            <a:r>
-              <a:rPr lang="mr-IN" dirty="0" smtClean="0"/>
-              <a:t>–</a:t>
-            </a:r>
-            <a:r>
-              <a:rPr lang="en-US" dirty="0" smtClean="0"/>
-              <a:t> start a suitcase</a:t>
-            </a:r>
-          </a:p>
-          <a:p>
-            <a:pPr marL="802386" lvl="4" indent="-285750">
-              <a:buFont typeface="Arial"/>
-              <a:buChar char="•"/>
+              <a:t>Convert to React to increase app efficiency and eliminate </a:t>
+            </a:r>
+            <a:r>
+              <a:rPr lang="en-US" dirty="0" err="1" smtClean="0"/>
+              <a:t>jQuery</a:t>
+            </a:r>
+            <a:endParaRPr lang="en-US" dirty="0" smtClean="0"/>
+          </a:p>
+          <a:p>
+            <a:pPr marL="288036" lvl="3" indent="0">
+              <a:buNone/>
             </a:pPr>
-            <a:r>
-              <a:rPr lang="en-US" dirty="0" smtClean="0"/>
-              <a:t>Choose your destination</a:t>
-            </a:r>
-          </a:p>
-          <a:p>
-            <a:pPr marL="802386" lvl="4" indent="-285750">
-              <a:buFont typeface="Arial"/>
-              <a:buChar char="•"/>
+            <a:endParaRPr lang="en-US" sz="1200" dirty="0" smtClean="0"/>
+          </a:p>
+          <a:p>
+            <a:pPr marL="288036" lvl="3" indent="0">
+              <a:buNone/>
             </a:pPr>
             <a:r>
-              <a:rPr lang="en-US" dirty="0" smtClean="0"/>
-              <a:t>Choose your dates (weather </a:t>
-            </a:r>
-            <a:r>
-              <a:rPr lang="en-US" dirty="0" err="1" smtClean="0"/>
-              <a:t>api</a:t>
-            </a:r>
-            <a:r>
-              <a:rPr lang="en-US" dirty="0" smtClean="0"/>
-              <a:t> will let you know the weather)</a:t>
-            </a:r>
-          </a:p>
-          <a:p>
-            <a:pPr marL="802386" lvl="4" indent="-285750">
-              <a:buFont typeface="Arial"/>
-              <a:buChar char="•"/>
-            </a:pPr>
-            <a:r>
-              <a:rPr lang="en-US" dirty="0" smtClean="0"/>
-              <a:t>Set your type of ravel: Luxury, Business, Vacation, Adventure</a:t>
+              <a:rPr lang="en-US" sz="1200" u="sng" dirty="0"/>
+              <a:t>Coder:</a:t>
+            </a:r>
+            <a:r>
+              <a:rPr lang="en-US" sz="1200" dirty="0"/>
+              <a:t> </a:t>
+            </a:r>
+            <a:r>
+              <a:rPr lang="en-US" sz="1200" dirty="0" smtClean="0"/>
+              <a:t>Molly</a:t>
             </a:r>
           </a:p>
           <a:p>
@@ -5682,7 +5159,15 @@
             </a:pPr>
             <a:r>
               <a:rPr lang="en-US" dirty="0" smtClean="0"/>
-              <a:t>Next see a list of users suitcases for the same areas.</a:t>
+              <a:t>Convert to </a:t>
+            </a:r>
+            <a:r>
+              <a:rPr lang="en-US" dirty="0" err="1" smtClean="0"/>
+              <a:t>GraphQL</a:t>
+            </a:r>
+            <a:r>
+              <a:rPr lang="en-US" dirty="0" smtClean="0"/>
+              <a:t> for better control over the data</a:t>
             </a:r>
           </a:p>
           <a:p>
@@ -5692,17 +5177,30 @@
             </a:pPr>
             <a:r>
               <a:rPr lang="en-US" dirty="0" smtClean="0"/>
-              <a:t>Shop their packing lists to add to you own.</a:t>
-            </a:r>
-          </a:p>
-          <a:p>
-            <a:pPr marL="802386" lvl="4" indent="-285750">
-              <a:buFont typeface="Arial"/>
-              <a:buChar char="•"/>
+              <a:t>CRUD completion (add items)</a:t>
+            </a:r>
+          </a:p>
+          <a:p>
+            <a:pPr marL="288036" lvl="3" indent="0">
+              <a:buNone/>
             </a:pPr>
-            <a:r>
-              <a:rPr lang="en-US" dirty="0" smtClean="0"/>
-              <a:t>Don’t see an item on their list? You can add one!</a:t>
+            <a:endParaRPr lang="en-US" sz="1200" u="sng" dirty="0" smtClean="0"/>
+          </a:p>
+          <a:p>
+            <a:pPr marL="288036" lvl="3" indent="0">
+              <a:buNone/>
+            </a:pPr>
+            <a:r>
+              <a:rPr lang="en-US" sz="1200" u="sng" dirty="0" smtClean="0"/>
+              <a:t>Coder</a:t>
+            </a:r>
+            <a:r>
+              <a:rPr lang="en-US" sz="1200" dirty="0"/>
+              <a:t>: </a:t>
+            </a:r>
+            <a:r>
+              <a:rPr lang="en-US" sz="1200" dirty="0" smtClean="0"/>
+              <a:t>Wayne</a:t>
             </a:r>
           </a:p>
           <a:p>
@@ -5712,25 +5210,38 @@
             </a:pPr>
             <a:r>
               <a:rPr lang="en-US" dirty="0" smtClean="0"/>
-              <a:t>Note helpful remarks on their suitcases to help you pack </a:t>
-            </a:r>
-          </a:p>
-          <a:p>
-            <a:pPr marL="802386" lvl="4" indent="-285750">
-              <a:buFont typeface="Arial"/>
-              <a:buChar char="•"/>
+              <a:t>Increase </a:t>
+            </a:r>
+            <a:r>
+              <a:rPr lang="en-US" dirty="0"/>
+              <a:t>ease of login with </a:t>
+            </a:r>
+            <a:r>
+              <a:rPr lang="en-US" dirty="0" smtClean="0"/>
+              <a:t>Passport</a:t>
+            </a:r>
+          </a:p>
+          <a:p>
+            <a:pPr marL="288036" lvl="3" indent="0">
+              <a:buNone/>
             </a:pPr>
-            <a:r>
-              <a:rPr lang="en-US" dirty="0" smtClean="0"/>
-              <a:t>ex </a:t>
-            </a:r>
-            <a:r>
-              <a:rPr lang="mr-IN" dirty="0" smtClean="0"/>
-              <a:t>–</a:t>
-            </a:r>
-            <a:r>
-              <a:rPr lang="en-US" dirty="0" smtClean="0"/>
-              <a:t> Thailand women shouldn’t forget to bring a head scarf and something to cover their legs and shoulders for all the temples.</a:t>
+            <a:endParaRPr lang="en-US" sz="1200" u="sng" dirty="0" smtClean="0"/>
+          </a:p>
+          <a:p>
+            <a:pPr marL="288036" lvl="3" indent="0">
+              <a:buNone/>
+            </a:pPr>
+            <a:r>
+              <a:rPr lang="en-US" sz="1200" u="sng" dirty="0" smtClean="0"/>
+              <a:t>Coder</a:t>
+            </a:r>
+            <a:r>
+              <a:rPr lang="en-US" sz="1200" dirty="0"/>
+              <a:t>: </a:t>
+            </a:r>
+            <a:r>
+              <a:rPr lang="en-US" sz="1200" dirty="0" smtClean="0"/>
+              <a:t>Evan</a:t>
             </a:r>
           </a:p>
           <a:p>
@@ -5740,7 +5251,50 @@
             </a:pPr>
             <a:r>
               <a:rPr lang="en-US" dirty="0" smtClean="0"/>
-              <a:t>Update your suitcase by deleting things you don’t need, or didn’t use on your trip. Even add things you want to remember next time!</a:t>
+              <a:t>Add API for local traveling made more fun</a:t>
+            </a:r>
+          </a:p>
+          <a:p>
+            <a:pPr marL="573786" lvl="3" indent="-285750">
+              <a:buFont typeface="Arial"/>
+              <a:buChar char="•"/>
+            </a:pPr>
+            <a:r>
+              <a:rPr lang="en-US" dirty="0" smtClean="0"/>
+              <a:t>Auto-complete to add items</a:t>
+            </a:r>
+          </a:p>
+          <a:p>
+            <a:pPr marL="288036" lvl="3" indent="0">
+              <a:buNone/>
+            </a:pPr>
+            <a:endParaRPr lang="en-US" sz="1200" u="sng" dirty="0" smtClean="0"/>
+          </a:p>
+          <a:p>
+            <a:pPr marL="288036" lvl="3" indent="0">
+              <a:buNone/>
+            </a:pPr>
+            <a:r>
+              <a:rPr lang="en-US" sz="1200" u="sng" dirty="0" smtClean="0"/>
+              <a:t>Coder</a:t>
+            </a:r>
+            <a:r>
+              <a:rPr lang="en-US" sz="1200" dirty="0"/>
+              <a:t>: </a:t>
+            </a:r>
+            <a:r>
+              <a:rPr lang="en-US" sz="1200" dirty="0" smtClean="0"/>
+              <a:t>Sam</a:t>
+            </a:r>
+          </a:p>
+          <a:p>
+            <a:pPr marL="573786" lvl="3" indent="-285750">
+              <a:buFont typeface="Arial"/>
+              <a:buChar char="•"/>
+            </a:pPr>
+            <a:r>
+              <a:rPr lang="en-US" dirty="0" smtClean="0"/>
+              <a:t>Increase customization with photos set for the suitcase</a:t>
             </a:r>
           </a:p>
           <a:p>
@@ -5751,11 +5305,266 @@
             <a:endParaRPr lang="en-US" dirty="0" smtClean="0"/>
           </a:p>
           <a:p>
+            <a:pPr marL="573786" lvl="3" indent="-285750">
+              <a:buFont typeface="Arial"/>
+              <a:buChar char="•"/>
+            </a:pPr>
+            <a:r>
+              <a:rPr lang="en-US" dirty="0" smtClean="0"/>
+              <a:t>Extra</a:t>
+            </a:r>
+            <a:endParaRPr lang="en-US" dirty="0"/>
+          </a:p>
+          <a:p>
+            <a:pPr marL="802386" lvl="4" indent="-285750">
+              <a:buFont typeface="Arial"/>
+              <a:buChar char="•"/>
+            </a:pPr>
+            <a:r>
+              <a:rPr lang="en-US" dirty="0" smtClean="0"/>
+              <a:t>Increase social interaction with notes and post wall.</a:t>
+            </a:r>
+          </a:p>
+          <a:p>
+            <a:pPr marL="802386" lvl="4" indent="-285750">
+              <a:buFont typeface="Arial"/>
+              <a:buChar char="•"/>
+            </a:pPr>
+            <a:r>
+              <a:rPr lang="en-US" dirty="0" smtClean="0"/>
+              <a:t>Allow users to change cover photo</a:t>
+            </a:r>
+          </a:p>
+          <a:p>
+            <a:pPr marL="802386" lvl="4" indent="-285750">
+              <a:buFont typeface="Arial"/>
+              <a:buChar char="•"/>
+            </a:pPr>
+            <a:r>
+              <a:rPr lang="en-US" dirty="0" smtClean="0"/>
+              <a:t>Persistent search</a:t>
+            </a:r>
+          </a:p>
+          <a:p>
+            <a:pPr marL="802386" lvl="4" indent="-285750">
+              <a:buFont typeface="Arial"/>
+              <a:buChar char="•"/>
+            </a:pPr>
+            <a:endParaRPr lang="en-US" dirty="0" smtClean="0"/>
+          </a:p>
+          <a:p>
+            <a:pPr marL="802386" lvl="4" indent="-285750">
+              <a:buFont typeface="Arial"/>
+              <a:buChar char="•"/>
+            </a:pPr>
+            <a:endParaRPr lang="en-US" dirty="0" smtClean="0"/>
+          </a:p>
+          <a:p>
+            <a:pPr marL="802386" lvl="4" indent="-285750">
+              <a:buFont typeface="Arial"/>
+              <a:buChar char="•"/>
+            </a:pPr>
+            <a:endParaRPr lang="en-US" dirty="0" smtClean="0"/>
+          </a:p>
+          <a:p>
             <a:pPr>
               <a:buFont typeface="Arial"/>
               <a:buChar char="•"/>
             </a:pPr>
             <a:endParaRPr lang="en-US" dirty="0"/>
+          </a:p>
+        </p:txBody>
+      </p:sp>
+      <p:pic>
+        <p:nvPicPr>
+          <p:cNvPr id="4" name="Picture 3" descr="pig.png"/>
+          <p:cNvPicPr>
+            <a:picLocks noChangeAspect="1"/>
+          </p:cNvPicPr>
+          <p:nvPr/>
+        </p:nvPicPr>
+        <p:blipFill>
+          <a:blip r:embed="rId2">
+            <a:extLst>
+              <a:ext uri="{28A0092B-C50C-407E-A947-70E740481C1C}">
+                <a14:useLocalDpi xmlns:a14="http://schemas.microsoft.com/office/drawing/2010/main" val="0"/>
+              </a:ext>
+            </a:extLst>
+          </a:blip>
+          <a:stretch>
+            <a:fillRect/>
+          </a:stretch>
+        </p:blipFill>
+        <p:spPr>
+          <a:xfrm>
+            <a:off x="5179760" y="7445316"/>
+            <a:ext cx="1371600" cy="1371600"/>
+          </a:xfrm>
+          <a:prstGeom prst="rect">
+            <a:avLst/>
+          </a:prstGeom>
+        </p:spPr>
+      </p:pic>
+      <p:pic>
+        <p:nvPicPr>
+          <p:cNvPr id="5" name="Picture 4" descr="toucan.png"/>
+          <p:cNvPicPr>
+            <a:picLocks noChangeAspect="1"/>
+          </p:cNvPicPr>
+          <p:nvPr/>
+        </p:nvPicPr>
+        <p:blipFill>
+          <a:blip r:embed="rId3">
+            <a:extLst>
+              <a:ext uri="{28A0092B-C50C-407E-A947-70E740481C1C}">
+                <a14:useLocalDpi xmlns:a14="http://schemas.microsoft.com/office/drawing/2010/main" val="0"/>
+              </a:ext>
+            </a:extLst>
+          </a:blip>
+          <a:stretch>
+            <a:fillRect/>
+          </a:stretch>
+        </p:blipFill>
+        <p:spPr>
+          <a:xfrm>
+            <a:off x="4566552" y="8215936"/>
+            <a:ext cx="1117600" cy="1117600"/>
+          </a:xfrm>
+          <a:prstGeom prst="rect">
+            <a:avLst/>
+          </a:prstGeom>
+        </p:spPr>
+      </p:pic>
+      <p:pic>
+        <p:nvPicPr>
+          <p:cNvPr id="6" name="Picture 5" descr="elephant.png"/>
+          <p:cNvPicPr>
+            <a:picLocks noChangeAspect="1"/>
+          </p:cNvPicPr>
+          <p:nvPr/>
+        </p:nvPicPr>
+        <p:blipFill>
+          <a:blip r:embed="rId4">
+            <a:extLst>
+              <a:ext uri="{28A0092B-C50C-407E-A947-70E740481C1C}">
+                <a14:useLocalDpi xmlns:a14="http://schemas.microsoft.com/office/drawing/2010/main" val="0"/>
+              </a:ext>
+            </a:extLst>
+          </a:blip>
+          <a:stretch>
+            <a:fillRect/>
+          </a:stretch>
+        </p:blipFill>
+        <p:spPr>
+          <a:xfrm>
+            <a:off x="3045257" y="7260249"/>
+            <a:ext cx="2204367" cy="2204367"/>
+          </a:xfrm>
+          <a:prstGeom prst="rect">
+            <a:avLst/>
+          </a:prstGeom>
+        </p:spPr>
+      </p:pic>
+      <p:pic>
+        <p:nvPicPr>
+          <p:cNvPr id="7" name="Picture 6" descr="lion.png"/>
+          <p:cNvPicPr>
+            <a:picLocks noChangeAspect="1"/>
+          </p:cNvPicPr>
+          <p:nvPr/>
+        </p:nvPicPr>
+        <p:blipFill>
+          <a:blip r:embed="rId5">
+            <a:extLst>
+              <a:ext uri="{28A0092B-C50C-407E-A947-70E740481C1C}">
+                <a14:useLocalDpi xmlns:a14="http://schemas.microsoft.com/office/drawing/2010/main" val="0"/>
+              </a:ext>
+            </a:extLst>
+          </a:blip>
+          <a:stretch>
+            <a:fillRect/>
+          </a:stretch>
+        </p:blipFill>
+        <p:spPr>
+          <a:xfrm>
+            <a:off x="1441449" y="7416733"/>
+            <a:ext cx="1628783" cy="1628783"/>
+          </a:xfrm>
+          <a:prstGeom prst="rect">
+            <a:avLst/>
+          </a:prstGeom>
+        </p:spPr>
+      </p:pic>
+      <p:pic>
+        <p:nvPicPr>
+          <p:cNvPr id="8" name="Picture 7" descr="raccoon.png"/>
+          <p:cNvPicPr>
+            <a:picLocks noChangeAspect="1"/>
+          </p:cNvPicPr>
+          <p:nvPr/>
+        </p:nvPicPr>
+        <p:blipFill>
+          <a:blip r:embed="rId6">
+            <a:extLst>
+              <a:ext uri="{28A0092B-C50C-407E-A947-70E740481C1C}">
+                <a14:useLocalDpi xmlns:a14="http://schemas.microsoft.com/office/drawing/2010/main" val="0"/>
+              </a:ext>
+            </a:extLst>
+          </a:blip>
+          <a:stretch>
+            <a:fillRect/>
+          </a:stretch>
+        </p:blipFill>
+        <p:spPr>
+          <a:xfrm>
+            <a:off x="2533650" y="8321616"/>
+            <a:ext cx="1422400" cy="1422400"/>
+          </a:xfrm>
+          <a:prstGeom prst="rect">
+            <a:avLst/>
+          </a:prstGeom>
+        </p:spPr>
+      </p:pic>
+      <p:sp>
+        <p:nvSpPr>
+          <p:cNvPr id="9" name="TextBox 8"/>
+          <p:cNvSpPr txBox="1"/>
+          <p:nvPr/>
+        </p:nvSpPr>
+        <p:spPr>
+          <a:xfrm>
+            <a:off x="1225550" y="9464616"/>
+            <a:ext cx="5283200" cy="646331"/>
+          </a:xfrm>
+          <a:prstGeom prst="rect">
+            <a:avLst/>
+          </a:prstGeom>
+          <a:noFill/>
+        </p:spPr>
+        <p:txBody>
+          <a:bodyPr wrap="square" rtlCol="0">
+            <a:spAutoFit/>
+          </a:bodyPr>
+          <a:lstStyle/>
+          <a:p>
+            <a:pPr algn="ctr"/>
+            <a:r>
+              <a:rPr lang="en-US" sz="3600" dirty="0" smtClean="0">
+                <a:solidFill>
+                  <a:schemeClr val="bg1"/>
+                </a:solidFill>
+                <a:latin typeface="SignPainter-HouseScript"/>
+                <a:cs typeface="SignPainter-HouseScript"/>
+              </a:rPr>
+              <a:t>We can’t wait to see what you pack!</a:t>
+            </a:r>
+            <a:endParaRPr lang="en-US" sz="3600" dirty="0">
+              <a:solidFill>
+                <a:schemeClr val="bg1"/>
+              </a:solidFill>
+              <a:latin typeface="SignPainter-HouseScript"/>
+              <a:cs typeface="SignPainter-HouseScript"/>
+            </a:endParaRPr>
           </a:p>
         </p:txBody>
       </p:sp>
@@ -5796,109 +5605,48 @@
           <a:chExt cx="0" cy="0"/>
         </a:xfrm>
       </p:grpSpPr>
-      <p:sp>
-        <p:nvSpPr>
-          <p:cNvPr id="5" name="Rounded Rectangle 4"/>
-          <p:cNvSpPr/>
-          <p:nvPr/>
-        </p:nvSpPr>
-        <p:spPr>
-          <a:xfrm>
-            <a:off x="1335413" y="2634383"/>
-            <a:ext cx="3224252" cy="6350617"/>
-          </a:xfrm>
-          <a:prstGeom prst="roundRect">
-            <a:avLst/>
-          </a:prstGeom>
-          <a:solidFill>
-            <a:schemeClr val="bg1">
-              <a:lumMod val="50000"/>
-            </a:schemeClr>
-          </a:solidFill>
-        </p:spPr>
-        <p:style>
-          <a:lnRef idx="1">
-            <a:schemeClr val="accent1"/>
-          </a:lnRef>
-          <a:fillRef idx="3">
-            <a:schemeClr val="accent1"/>
-          </a:fillRef>
-          <a:effectRef idx="2">
-            <a:schemeClr val="accent1"/>
-          </a:effectRef>
-          <a:fontRef idx="minor">
-            <a:schemeClr val="lt1"/>
-          </a:fontRef>
-        </p:style>
-        <p:txBody>
-          <a:bodyPr rtlCol="0" anchor="ctr"/>
-          <a:lstStyle/>
-          <a:p>
-            <a:pPr algn="ctr"/>
-            <a:endParaRPr lang="en-US"/>
-          </a:p>
-        </p:txBody>
-      </p:sp>
-      <p:sp>
-        <p:nvSpPr>
-          <p:cNvPr id="2" name="Title 1"/>
-          <p:cNvSpPr>
-            <a:spLocks noGrp="1"/>
-          </p:cNvSpPr>
-          <p:nvPr>
-            <p:ph type="title"/>
-          </p:nvPr>
-        </p:nvSpPr>
-        <p:spPr>
-          <a:ln>
-            <a:noFill/>
-          </a:ln>
-        </p:spPr>
-        <p:txBody>
-          <a:bodyPr/>
-          <a:lstStyle/>
-          <a:p>
-            <a:r>
-              <a:rPr lang="en-US" dirty="0" smtClean="0"/>
-              <a:t>Set up Suitcase</a:t>
-            </a:r>
-            <a:endParaRPr lang="en-US" dirty="0"/>
-          </a:p>
-        </p:txBody>
-      </p:sp>
       <p:pic>
         <p:nvPicPr>
-          <p:cNvPr id="6" name="Picture 5" descr="bag_w_ticket_orange.png"/>
+          <p:cNvPr id="2" name="Picture 1"/>
           <p:cNvPicPr>
             <a:picLocks noChangeAspect="1"/>
           </p:cNvPicPr>
           <p:nvPr/>
         </p:nvPicPr>
         <p:blipFill>
-          <a:blip r:embed="rId2">
-            <a:extLst>
-              <a:ext uri="{BEBA8EAE-BF5A-486C-A8C5-ECC9F3942E4B}">
-                <a14:imgProps xmlns:a14="http://schemas.microsoft.com/office/drawing/2010/main">
-                  <a14:imgLayer r:embed="rId3">
-                    <a14:imgEffect>
-                      <a14:backgroundRemoval t="0" b="100000" l="0" r="98973"/>
-                    </a14:imgEffect>
-                  </a14:imgLayer>
-                </a14:imgProps>
-              </a:ext>
-              <a:ext uri="{28A0092B-C50C-407E-A947-70E740481C1C}">
-                <a14:useLocalDpi xmlns:a14="http://schemas.microsoft.com/office/drawing/2010/main" val="0"/>
-              </a:ext>
-            </a:extLst>
-          </a:blip>
+          <a:blip r:embed="rId2"/>
           <a:stretch>
             <a:fillRect/>
           </a:stretch>
         </p:blipFill>
         <p:spPr>
           <a:xfrm>
-            <a:off x="1695839" y="3591862"/>
-            <a:ext cx="652745" cy="614743"/>
+            <a:off x="317496" y="1917700"/>
+            <a:ext cx="7122056" cy="5686158"/>
+          </a:xfrm>
+          <a:prstGeom prst="rect">
+            <a:avLst/>
+          </a:prstGeom>
+        </p:spPr>
+      </p:pic>
+      <p:pic>
+        <p:nvPicPr>
+          <p:cNvPr id="3" name="Picture 2"/>
+          <p:cNvPicPr>
+            <a:picLocks noChangeAspect="1"/>
+          </p:cNvPicPr>
+          <p:nvPr/>
+        </p:nvPicPr>
+        <p:blipFill>
+          <a:blip r:embed="rId3"/>
+          <a:stretch>
+            <a:fillRect/>
+          </a:stretch>
+        </p:blipFill>
+        <p:spPr>
+          <a:xfrm>
+            <a:off x="0" y="9241612"/>
+            <a:ext cx="7772400" cy="816788"/>
           </a:xfrm>
           <a:prstGeom prst="rect">
             <a:avLst/>
@@ -5907,428 +5655,67 @@
       </p:pic>
       <p:sp>
         <p:nvSpPr>
-          <p:cNvPr id="7" name="Rounded Rectangle 6"/>
-          <p:cNvSpPr/>
+          <p:cNvPr id="4" name="Title 1"/>
+          <p:cNvSpPr txBox="1">
+            <a:spLocks/>
+          </p:cNvSpPr>
           <p:nvPr/>
         </p:nvSpPr>
         <p:spPr>
           <a:xfrm>
-            <a:off x="2605573" y="3591863"/>
-            <a:ext cx="1641437" cy="536583"/>
-          </a:xfrm>
-          <a:prstGeom prst="roundRect">
-            <a:avLst/>
-          </a:prstGeom>
-          <a:solidFill>
-            <a:schemeClr val="bg1"/>
-          </a:solidFill>
-        </p:spPr>
-        <p:style>
-          <a:lnRef idx="1">
-            <a:schemeClr val="accent1"/>
-          </a:lnRef>
-          <a:fillRef idx="3">
-            <a:schemeClr val="accent1"/>
-          </a:fillRef>
-          <a:effectRef idx="2">
-            <a:schemeClr val="accent1"/>
-          </a:effectRef>
-          <a:fontRef idx="minor">
-            <a:schemeClr val="lt1"/>
-          </a:fontRef>
-        </p:style>
-        <p:txBody>
-          <a:bodyPr rtlCol="0" anchor="ctr"/>
-          <a:lstStyle/>
-          <a:p>
-            <a:pPr algn="ctr"/>
-            <a:r>
-              <a:rPr lang="en-US" dirty="0" smtClean="0">
-                <a:solidFill>
-                  <a:srgbClr val="FF0000"/>
-                </a:solidFill>
-              </a:rPr>
-              <a:t>Destination</a:t>
-            </a:r>
-            <a:endParaRPr lang="en-US" dirty="0">
-              <a:solidFill>
-                <a:srgbClr val="FF0000"/>
-              </a:solidFill>
-            </a:endParaRPr>
-          </a:p>
-        </p:txBody>
-      </p:sp>
-      <p:sp>
-        <p:nvSpPr>
-          <p:cNvPr id="8" name="Rounded Rectangle 7"/>
-          <p:cNvSpPr/>
-          <p:nvPr/>
-        </p:nvSpPr>
-        <p:spPr>
-          <a:xfrm>
-            <a:off x="2605573" y="4433948"/>
-            <a:ext cx="1641437" cy="536583"/>
-          </a:xfrm>
-          <a:prstGeom prst="roundRect">
-            <a:avLst/>
-          </a:prstGeom>
-          <a:solidFill>
-            <a:schemeClr val="bg1"/>
-          </a:solidFill>
-        </p:spPr>
-        <p:style>
-          <a:lnRef idx="1">
-            <a:schemeClr val="accent1"/>
-          </a:lnRef>
-          <a:fillRef idx="3">
-            <a:schemeClr val="accent1"/>
-          </a:fillRef>
-          <a:effectRef idx="2">
-            <a:schemeClr val="accent1"/>
-          </a:effectRef>
-          <a:fontRef idx="minor">
-            <a:schemeClr val="lt1"/>
-          </a:fontRef>
-        </p:style>
-        <p:txBody>
-          <a:bodyPr rtlCol="0" anchor="ctr"/>
-          <a:lstStyle/>
-          <a:p>
-            <a:pPr algn="ctr"/>
-            <a:r>
-              <a:rPr lang="en-US" dirty="0" smtClean="0">
-                <a:solidFill>
-                  <a:srgbClr val="FF0000"/>
-                </a:solidFill>
-              </a:rPr>
-              <a:t>Dates</a:t>
-            </a:r>
-            <a:endParaRPr lang="en-US" dirty="0">
-              <a:solidFill>
-                <a:srgbClr val="FF0000"/>
-              </a:solidFill>
-            </a:endParaRPr>
-          </a:p>
-        </p:txBody>
-      </p:sp>
-      <p:sp>
-        <p:nvSpPr>
-          <p:cNvPr id="9" name="Rounded Rectangle 8"/>
-          <p:cNvSpPr/>
-          <p:nvPr/>
-        </p:nvSpPr>
-        <p:spPr>
-          <a:xfrm>
-            <a:off x="2605573" y="5280576"/>
-            <a:ext cx="1641437" cy="536583"/>
-          </a:xfrm>
-          <a:prstGeom prst="roundRect">
-            <a:avLst/>
-          </a:prstGeom>
-          <a:solidFill>
-            <a:schemeClr val="bg1"/>
-          </a:solidFill>
-        </p:spPr>
-        <p:style>
-          <a:lnRef idx="1">
-            <a:schemeClr val="accent1"/>
-          </a:lnRef>
-          <a:fillRef idx="3">
-            <a:schemeClr val="accent1"/>
-          </a:fillRef>
-          <a:effectRef idx="2">
-            <a:schemeClr val="accent1"/>
-          </a:effectRef>
-          <a:fontRef idx="minor">
-            <a:schemeClr val="lt1"/>
-          </a:fontRef>
-        </p:style>
-        <p:txBody>
-          <a:bodyPr rtlCol="0" anchor="ctr"/>
-          <a:lstStyle/>
-          <a:p>
-            <a:pPr algn="ctr"/>
-            <a:r>
-              <a:rPr lang="en-US" dirty="0" smtClean="0">
-                <a:solidFill>
-                  <a:srgbClr val="FF0000"/>
-                </a:solidFill>
-              </a:rPr>
-              <a:t>Travel Type</a:t>
-            </a:r>
-            <a:endParaRPr lang="en-US" dirty="0">
-              <a:solidFill>
-                <a:srgbClr val="FF0000"/>
-              </a:solidFill>
-            </a:endParaRPr>
-          </a:p>
-        </p:txBody>
-      </p:sp>
-      <p:pic>
-        <p:nvPicPr>
-          <p:cNvPr id="11" name="Picture 10" descr="download.png"/>
-          <p:cNvPicPr>
-            <a:picLocks noChangeAspect="1"/>
-          </p:cNvPicPr>
-          <p:nvPr/>
-        </p:nvPicPr>
-        <p:blipFill>
-          <a:blip r:embed="rId4">
-            <a:extLst>
-              <a:ext uri="{BEBA8EAE-BF5A-486C-A8C5-ECC9F3942E4B}">
-                <a14:imgProps xmlns:a14="http://schemas.microsoft.com/office/drawing/2010/main">
-                  <a14:imgLayer r:embed="rId5">
-                    <a14:imgEffect>
-                      <a14:backgroundRemoval t="1000" b="100000" l="0" r="99000"/>
-                    </a14:imgEffect>
-                  </a14:imgLayer>
-                </a14:imgProps>
-              </a:ext>
-              <a:ext uri="{28A0092B-C50C-407E-A947-70E740481C1C}">
-                <a14:useLocalDpi xmlns:a14="http://schemas.microsoft.com/office/drawing/2010/main" val="0"/>
-              </a:ext>
-            </a:extLst>
-          </a:blip>
-          <a:stretch>
-            <a:fillRect/>
-          </a:stretch>
-        </p:blipFill>
-        <p:spPr>
-          <a:xfrm>
-            <a:off x="1681898" y="4344145"/>
-            <a:ext cx="727172" cy="727172"/>
+            <a:off x="510224" y="227487"/>
+            <a:ext cx="6723608" cy="804672"/>
           </a:xfrm>
           <a:prstGeom prst="rect">
             <a:avLst/>
           </a:prstGeom>
         </p:spPr>
-      </p:pic>
-      <p:pic>
-        <p:nvPicPr>
-          <p:cNvPr id="12" name="Picture 11" descr="icon_camping.png"/>
-          <p:cNvPicPr>
-            <a:picLocks noChangeAspect="1"/>
-          </p:cNvPicPr>
-          <p:nvPr/>
-        </p:nvPicPr>
-        <p:blipFill>
-          <a:blip r:embed="rId6" cstate="print">
-            <a:extLst>
-              <a:ext uri="{28A0092B-C50C-407E-A947-70E740481C1C}">
-                <a14:useLocalDpi xmlns:a14="http://schemas.microsoft.com/office/drawing/2010/main" val="0"/>
-              </a:ext>
-            </a:extLst>
-          </a:blip>
-          <a:stretch>
-            <a:fillRect/>
-          </a:stretch>
-        </p:blipFill>
-        <p:spPr>
-          <a:xfrm>
-            <a:off x="1770514" y="5220105"/>
-            <a:ext cx="578070" cy="583589"/>
-          </a:xfrm>
-          <a:prstGeom prst="rect">
-            <a:avLst/>
-          </a:prstGeom>
-        </p:spPr>
-      </p:pic>
-      <p:pic>
-        <p:nvPicPr>
-          <p:cNvPr id="14" name="Picture 13" descr="iphone6_hands_reset.png"/>
-          <p:cNvPicPr>
-            <a:picLocks noChangeAspect="1"/>
-          </p:cNvPicPr>
-          <p:nvPr/>
-        </p:nvPicPr>
-        <p:blipFill>
-          <a:blip r:embed="rId7">
-            <a:extLst>
-              <a:ext uri="{BEBA8EAE-BF5A-486C-A8C5-ECC9F3942E4B}">
-                <a14:imgProps xmlns:a14="http://schemas.microsoft.com/office/drawing/2010/main">
-                  <a14:imgLayer r:embed="rId8">
-                    <a14:imgEffect>
-                      <a14:backgroundRemoval t="1500" b="99833" l="500" r="99500">
-                        <a14:backgroundMark x1="38333" y1="60833" x2="38333" y2="60833"/>
-                        <a14:backgroundMark x1="26500" y1="19667" x2="59333" y2="19667"/>
-                        <a14:backgroundMark x1="27000" y1="20333" x2="26667" y2="79333"/>
-                        <a14:backgroundMark x1="57333" y1="78167" x2="56833" y2="19667"/>
-                        <a14:backgroundMark x1="27333" y1="78167" x2="57333" y2="77000"/>
-                      </a14:backgroundRemoval>
-                    </a14:imgEffect>
-                  </a14:imgLayer>
-                </a14:imgProps>
-              </a:ext>
-              <a:ext uri="{28A0092B-C50C-407E-A947-70E740481C1C}">
-                <a14:useLocalDpi xmlns:a14="http://schemas.microsoft.com/office/drawing/2010/main" val="0"/>
-              </a:ext>
-            </a:extLst>
-          </a:blip>
-          <a:stretch>
-            <a:fillRect/>
-          </a:stretch>
-        </p:blipFill>
-        <p:spPr>
-          <a:xfrm>
-            <a:off x="-785907" y="1341120"/>
-            <a:ext cx="8558307" cy="8558307"/>
-          </a:xfrm>
-          <a:prstGeom prst="rect">
-            <a:avLst/>
-          </a:prstGeom>
-        </p:spPr>
-      </p:pic>
-      <p:sp>
-        <p:nvSpPr>
-          <p:cNvPr id="18" name="Rounded Rectangle 17"/>
-          <p:cNvSpPr/>
-          <p:nvPr/>
-        </p:nvSpPr>
-        <p:spPr>
-          <a:xfrm>
-            <a:off x="4559666" y="1630638"/>
-            <a:ext cx="3212734" cy="3009620"/>
-          </a:xfrm>
-          <a:prstGeom prst="roundRect">
-            <a:avLst/>
-          </a:prstGeom>
-          <a:noFill/>
-          <a:ln>
-            <a:noFill/>
-          </a:ln>
-          <a:effectLst/>
-        </p:spPr>
-        <p:style>
-          <a:lnRef idx="1">
-            <a:schemeClr val="accent1"/>
-          </a:lnRef>
-          <a:fillRef idx="3">
-            <a:schemeClr val="accent1"/>
-          </a:fillRef>
-          <a:effectRef idx="2">
-            <a:schemeClr val="accent1"/>
-          </a:effectRef>
-          <a:fontRef idx="minor">
-            <a:schemeClr val="lt1"/>
-          </a:fontRef>
-        </p:style>
         <p:txBody>
-          <a:bodyPr rtlCol="0" anchor="t"/>
-          <a:lstStyle/>
-          <a:p>
-            <a:pPr marL="342900" indent="-342900">
-              <a:buFont typeface="+mj-lt"/>
-              <a:buAutoNum type="arabicPeriod"/>
-            </a:pPr>
-            <a:r>
-              <a:rPr lang="en-US" dirty="0" smtClean="0">
+          <a:bodyPr/>
+          <a:lstStyle>
+            <a:lvl1pPr algn="l" defTabSz="914400" rtl="0" eaLnBrk="1" latinLnBrk="0" hangingPunct="1">
+              <a:spcBef>
+                <a:spcPct val="0"/>
+              </a:spcBef>
+              <a:buNone/>
+              <a:defRPr sz="2800" kern="1200" cap="all" baseline="0">
                 <a:solidFill>
-                  <a:srgbClr val="FF0000"/>
+                  <a:schemeClr val="tx1"/>
                 </a:solidFill>
+                <a:latin typeface="+mj-lt"/>
+                <a:ea typeface="+mj-ea"/>
+                <a:cs typeface="+mj-cs"/>
+              </a:defRPr>
+            </a:lvl1pPr>
+          </a:lstStyle>
+          <a:p>
+            <a:r>
+              <a:rPr lang="en-US" sz="4400" cap="none" dirty="0" smtClean="0">
+                <a:latin typeface="La Cithare"/>
+                <a:cs typeface="La Cithare"/>
               </a:rPr>
-              <a:t>Destination </a:t>
-            </a:r>
-            <a:r>
-              <a:rPr lang="mr-IN" dirty="0" smtClean="0">
-                <a:solidFill>
-                  <a:srgbClr val="FF0000"/>
-                </a:solidFill>
-              </a:rPr>
+              <a:t>Staying on track!</a:t>
+            </a:r>
+            <a:r>
+              <a:rPr lang="mr-IN" dirty="0" smtClean="0"/>
               <a:t>–</a:t>
             </a:r>
             <a:r>
-              <a:rPr lang="en-US" dirty="0" smtClean="0">
-                <a:solidFill>
-                  <a:srgbClr val="FF0000"/>
-                </a:solidFill>
-              </a:rPr>
-              <a:t> Pull from Google maps!</a:t>
-            </a:r>
-          </a:p>
-          <a:p>
-            <a:pPr marL="342900" indent="-342900">
-              <a:buFont typeface="+mj-lt"/>
-              <a:buAutoNum type="arabicPeriod"/>
-            </a:pPr>
-            <a:r>
-              <a:rPr lang="en-US" dirty="0" smtClean="0">
-                <a:solidFill>
-                  <a:srgbClr val="FF0000"/>
-                </a:solidFill>
-              </a:rPr>
-              <a:t>Dates </a:t>
-            </a:r>
-            <a:r>
-              <a:rPr lang="mr-IN" dirty="0" smtClean="0">
-                <a:solidFill>
-                  <a:srgbClr val="FF0000"/>
-                </a:solidFill>
-              </a:rPr>
-              <a:t>–</a:t>
-            </a:r>
-            <a:r>
-              <a:rPr lang="en-US" dirty="0" smtClean="0">
-                <a:solidFill>
-                  <a:srgbClr val="FF0000"/>
-                </a:solidFill>
-              </a:rPr>
-              <a:t> Pull weather from almanac </a:t>
-            </a:r>
-            <a:r>
-              <a:rPr lang="en-US" dirty="0" err="1" smtClean="0">
-                <a:solidFill>
-                  <a:srgbClr val="FF0000"/>
-                </a:solidFill>
-              </a:rPr>
-              <a:t>api</a:t>
-            </a:r>
-            <a:endParaRPr lang="en-US" dirty="0" smtClean="0">
-              <a:solidFill>
-                <a:srgbClr val="FF0000"/>
-              </a:solidFill>
-            </a:endParaRPr>
-          </a:p>
-          <a:p>
-            <a:pPr marL="342900" indent="-342900">
-              <a:buFont typeface="+mj-lt"/>
-              <a:buAutoNum type="arabicPeriod"/>
-            </a:pPr>
-            <a:r>
-              <a:rPr lang="en-US" dirty="0" smtClean="0">
-                <a:solidFill>
-                  <a:srgbClr val="FF0000"/>
-                </a:solidFill>
-              </a:rPr>
-              <a:t>Travel Type </a:t>
-            </a:r>
-            <a:r>
-              <a:rPr lang="mr-IN" dirty="0" smtClean="0">
-                <a:solidFill>
-                  <a:srgbClr val="FF0000"/>
-                </a:solidFill>
-              </a:rPr>
-              <a:t>–</a:t>
-            </a:r>
-            <a:r>
-              <a:rPr lang="en-US" dirty="0" smtClean="0">
-                <a:solidFill>
-                  <a:srgbClr val="FF0000"/>
-                </a:solidFill>
-              </a:rPr>
-              <a:t> find users with your travel type.</a:t>
-            </a:r>
-            <a:endParaRPr lang="en-US" dirty="0">
-              <a:solidFill>
-                <a:srgbClr val="FF0000"/>
-              </a:solidFill>
-            </a:endParaRPr>
+              <a:rPr lang="en-US" dirty="0" smtClean="0"/>
+              <a:t> </a:t>
+            </a:r>
+            <a:r>
+              <a:rPr lang="en-US" sz="2000" dirty="0" smtClean="0"/>
+              <a:t>GH Pages w/ Issues</a:t>
+            </a:r>
+            <a:endParaRPr lang="en-US" sz="2000" dirty="0"/>
           </a:p>
         </p:txBody>
       </p:sp>
     </p:spTree>
     <p:extLst>
       <p:ext uri="{BB962C8B-B14F-4D97-AF65-F5344CB8AC3E}">
-        <p14:creationId xmlns:p14="http://schemas.microsoft.com/office/powerpoint/2010/main" val="4034971556"/>
+        <p14:creationId xmlns:p14="http://schemas.microsoft.com/office/powerpoint/2010/main" val="1708692605"/>
       </p:ext>
     </p:extLst>
   </p:cSld>
@@ -6362,1670 +5749,9 @@
           <a:chExt cx="0" cy="0"/>
         </a:xfrm>
       </p:grpSpPr>
-      <p:sp>
-        <p:nvSpPr>
-          <p:cNvPr id="5" name="Rounded Rectangle 4"/>
-          <p:cNvSpPr/>
-          <p:nvPr/>
-        </p:nvSpPr>
-        <p:spPr>
-          <a:xfrm>
-            <a:off x="1581855" y="2918723"/>
-            <a:ext cx="3224252" cy="6350617"/>
-          </a:xfrm>
-          <a:prstGeom prst="roundRect">
-            <a:avLst/>
-          </a:prstGeom>
-          <a:solidFill>
-            <a:srgbClr val="7F7F7F"/>
-          </a:solidFill>
-        </p:spPr>
-        <p:style>
-          <a:lnRef idx="1">
-            <a:schemeClr val="accent1"/>
-          </a:lnRef>
-          <a:fillRef idx="3">
-            <a:schemeClr val="accent1"/>
-          </a:fillRef>
-          <a:effectRef idx="2">
-            <a:schemeClr val="accent1"/>
-          </a:effectRef>
-          <a:fontRef idx="minor">
-            <a:schemeClr val="lt1"/>
-          </a:fontRef>
-        </p:style>
-        <p:txBody>
-          <a:bodyPr rtlCol="0" anchor="ctr"/>
-          <a:lstStyle/>
-          <a:p>
-            <a:pPr algn="ctr"/>
-            <a:endParaRPr lang="en-US"/>
-          </a:p>
-        </p:txBody>
-      </p:sp>
-      <p:sp>
-        <p:nvSpPr>
-          <p:cNvPr id="2" name="Title 1"/>
-          <p:cNvSpPr>
-            <a:spLocks noGrp="1"/>
-          </p:cNvSpPr>
-          <p:nvPr>
-            <p:ph type="title"/>
-          </p:nvPr>
-        </p:nvSpPr>
-        <p:spPr>
-          <a:ln>
-            <a:noFill/>
-          </a:ln>
-        </p:spPr>
-        <p:txBody>
-          <a:bodyPr/>
-          <a:lstStyle/>
-          <a:p>
-            <a:r>
-              <a:rPr lang="en-US" dirty="0" smtClean="0"/>
-              <a:t>Scroll others suitcases</a:t>
-            </a:r>
-            <a:endParaRPr lang="en-US" dirty="0"/>
-          </a:p>
-        </p:txBody>
-      </p:sp>
       <p:pic>
         <p:nvPicPr>
-          <p:cNvPr id="6" name="Picture 5" descr="bag_w_ticket_orange.png"/>
-          <p:cNvPicPr>
-            <a:picLocks noChangeAspect="1"/>
-          </p:cNvPicPr>
-          <p:nvPr/>
-        </p:nvPicPr>
-        <p:blipFill>
-          <a:blip r:embed="rId2">
-            <a:extLst>
-              <a:ext uri="{BEBA8EAE-BF5A-486C-A8C5-ECC9F3942E4B}">
-                <a14:imgProps xmlns:a14="http://schemas.microsoft.com/office/drawing/2010/main">
-                  <a14:imgLayer r:embed="rId3">
-                    <a14:imgEffect>
-                      <a14:backgroundRemoval t="0" b="100000" l="0" r="98973"/>
-                    </a14:imgEffect>
-                  </a14:imgLayer>
-                </a14:imgProps>
-              </a:ext>
-              <a:ext uri="{28A0092B-C50C-407E-A947-70E740481C1C}">
-                <a14:useLocalDpi xmlns:a14="http://schemas.microsoft.com/office/drawing/2010/main" val="0"/>
-              </a:ext>
-            </a:extLst>
-          </a:blip>
-          <a:stretch>
-            <a:fillRect/>
-          </a:stretch>
-        </p:blipFill>
-        <p:spPr>
-          <a:xfrm>
-            <a:off x="1942281" y="3876202"/>
-            <a:ext cx="652745" cy="614743"/>
-          </a:xfrm>
-          <a:prstGeom prst="rect">
-            <a:avLst/>
-          </a:prstGeom>
-        </p:spPr>
-      </p:pic>
-      <p:sp>
-        <p:nvSpPr>
-          <p:cNvPr id="7" name="Rounded Rectangle 6"/>
-          <p:cNvSpPr/>
-          <p:nvPr/>
-        </p:nvSpPr>
-        <p:spPr>
-          <a:xfrm>
-            <a:off x="2852015" y="3954362"/>
-            <a:ext cx="1641437" cy="536583"/>
-          </a:xfrm>
-          <a:prstGeom prst="roundRect">
-            <a:avLst/>
-          </a:prstGeom>
-          <a:solidFill>
-            <a:schemeClr val="bg1"/>
-          </a:solidFill>
-        </p:spPr>
-        <p:style>
-          <a:lnRef idx="1">
-            <a:schemeClr val="accent1"/>
-          </a:lnRef>
-          <a:fillRef idx="3">
-            <a:schemeClr val="accent1"/>
-          </a:fillRef>
-          <a:effectRef idx="2">
-            <a:schemeClr val="accent1"/>
-          </a:effectRef>
-          <a:fontRef idx="minor">
-            <a:schemeClr val="lt1"/>
-          </a:fontRef>
-        </p:style>
-        <p:txBody>
-          <a:bodyPr rtlCol="0" anchor="ctr"/>
-          <a:lstStyle/>
-          <a:p>
-            <a:pPr algn="ctr"/>
-            <a:r>
-              <a:rPr lang="en-US" sz="1400" dirty="0" smtClean="0">
-                <a:solidFill>
-                  <a:srgbClr val="FF0000"/>
-                </a:solidFill>
-              </a:rPr>
-              <a:t>7  days -       Luxury</a:t>
-            </a:r>
-            <a:endParaRPr lang="en-US" sz="1400" dirty="0">
-              <a:solidFill>
-                <a:srgbClr val="FF0000"/>
-              </a:solidFill>
-            </a:endParaRPr>
-          </a:p>
-        </p:txBody>
-      </p:sp>
-      <p:pic>
-        <p:nvPicPr>
-          <p:cNvPr id="13" name="Picture 12" descr="bag_w_ticket_orange.png"/>
-          <p:cNvPicPr>
-            <a:picLocks noChangeAspect="1"/>
-          </p:cNvPicPr>
-          <p:nvPr/>
-        </p:nvPicPr>
-        <p:blipFill>
-          <a:blip r:embed="rId2">
-            <a:extLst>
-              <a:ext uri="{BEBA8EAE-BF5A-486C-A8C5-ECC9F3942E4B}">
-                <a14:imgProps xmlns:a14="http://schemas.microsoft.com/office/drawing/2010/main">
-                  <a14:imgLayer r:embed="rId4">
-                    <a14:imgEffect>
-                      <a14:backgroundRemoval t="0" b="100000" l="0" r="98973"/>
-                    </a14:imgEffect>
-                  </a14:imgLayer>
-                </a14:imgProps>
-              </a:ext>
-              <a:ext uri="{28A0092B-C50C-407E-A947-70E740481C1C}">
-                <a14:useLocalDpi xmlns:a14="http://schemas.microsoft.com/office/drawing/2010/main" val="0"/>
-              </a:ext>
-            </a:extLst>
-          </a:blip>
-          <a:stretch>
-            <a:fillRect/>
-          </a:stretch>
-        </p:blipFill>
-        <p:spPr>
-          <a:xfrm>
-            <a:off x="1942281" y="4634433"/>
-            <a:ext cx="652745" cy="614743"/>
-          </a:xfrm>
-          <a:prstGeom prst="rect">
-            <a:avLst/>
-          </a:prstGeom>
-        </p:spPr>
-      </p:pic>
-      <p:sp>
-        <p:nvSpPr>
-          <p:cNvPr id="15" name="Rounded Rectangle 14"/>
-          <p:cNvSpPr/>
-          <p:nvPr/>
-        </p:nvSpPr>
-        <p:spPr>
-          <a:xfrm>
-            <a:off x="2852015" y="4712593"/>
-            <a:ext cx="1641437" cy="536583"/>
-          </a:xfrm>
-          <a:prstGeom prst="roundRect">
-            <a:avLst/>
-          </a:prstGeom>
-          <a:solidFill>
-            <a:schemeClr val="bg1"/>
-          </a:solidFill>
-        </p:spPr>
-        <p:style>
-          <a:lnRef idx="1">
-            <a:schemeClr val="accent1"/>
-          </a:lnRef>
-          <a:fillRef idx="3">
-            <a:schemeClr val="accent1"/>
-          </a:fillRef>
-          <a:effectRef idx="2">
-            <a:schemeClr val="accent1"/>
-          </a:effectRef>
-          <a:fontRef idx="minor">
-            <a:schemeClr val="lt1"/>
-          </a:fontRef>
-        </p:style>
-        <p:txBody>
-          <a:bodyPr rtlCol="0" anchor="ctr"/>
-          <a:lstStyle/>
-          <a:p>
-            <a:pPr algn="ctr"/>
-            <a:r>
-              <a:rPr lang="en-US" sz="1400" dirty="0" smtClean="0">
-                <a:solidFill>
-                  <a:srgbClr val="FF0000"/>
-                </a:solidFill>
-              </a:rPr>
-              <a:t>14 days - Adventure</a:t>
-            </a:r>
-            <a:endParaRPr lang="en-US" sz="1400" dirty="0">
-              <a:solidFill>
-                <a:srgbClr val="FF0000"/>
-              </a:solidFill>
-            </a:endParaRPr>
-          </a:p>
-        </p:txBody>
-      </p:sp>
-      <p:pic>
-        <p:nvPicPr>
-          <p:cNvPr id="16" name="Picture 15" descr="bag_w_ticket_orange.png"/>
-          <p:cNvPicPr>
-            <a:picLocks noChangeAspect="1"/>
-          </p:cNvPicPr>
-          <p:nvPr/>
-        </p:nvPicPr>
-        <p:blipFill>
-          <a:blip r:embed="rId2">
-            <a:extLst>
-              <a:ext uri="{BEBA8EAE-BF5A-486C-A8C5-ECC9F3942E4B}">
-                <a14:imgProps xmlns:a14="http://schemas.microsoft.com/office/drawing/2010/main">
-                  <a14:imgLayer r:embed="rId5">
-                    <a14:imgEffect>
-                      <a14:backgroundRemoval t="0" b="100000" l="0" r="98973"/>
-                    </a14:imgEffect>
-                  </a14:imgLayer>
-                </a14:imgProps>
-              </a:ext>
-              <a:ext uri="{28A0092B-C50C-407E-A947-70E740481C1C}">
-                <a14:useLocalDpi xmlns:a14="http://schemas.microsoft.com/office/drawing/2010/main" val="0"/>
-              </a:ext>
-            </a:extLst>
-          </a:blip>
-          <a:stretch>
-            <a:fillRect/>
-          </a:stretch>
-        </p:blipFill>
-        <p:spPr>
-          <a:xfrm>
-            <a:off x="1942281" y="5468486"/>
-            <a:ext cx="652745" cy="614743"/>
-          </a:xfrm>
-          <a:prstGeom prst="rect">
-            <a:avLst/>
-          </a:prstGeom>
-        </p:spPr>
-      </p:pic>
-      <p:sp>
-        <p:nvSpPr>
-          <p:cNvPr id="17" name="Rounded Rectangle 16"/>
-          <p:cNvSpPr/>
-          <p:nvPr/>
-        </p:nvSpPr>
-        <p:spPr>
-          <a:xfrm>
-            <a:off x="2852015" y="5546646"/>
-            <a:ext cx="1641437" cy="536583"/>
-          </a:xfrm>
-          <a:prstGeom prst="roundRect">
-            <a:avLst/>
-          </a:prstGeom>
-          <a:solidFill>
-            <a:schemeClr val="bg1"/>
-          </a:solidFill>
-        </p:spPr>
-        <p:style>
-          <a:lnRef idx="1">
-            <a:schemeClr val="accent1"/>
-          </a:lnRef>
-          <a:fillRef idx="3">
-            <a:schemeClr val="accent1"/>
-          </a:fillRef>
-          <a:effectRef idx="2">
-            <a:schemeClr val="accent1"/>
-          </a:effectRef>
-          <a:fontRef idx="minor">
-            <a:schemeClr val="lt1"/>
-          </a:fontRef>
-        </p:style>
-        <p:txBody>
-          <a:bodyPr rtlCol="0" anchor="ctr"/>
-          <a:lstStyle/>
-          <a:p>
-            <a:pPr algn="ctr"/>
-            <a:r>
-              <a:rPr lang="en-US" sz="1400" dirty="0" smtClean="0">
-                <a:solidFill>
-                  <a:srgbClr val="FF0000"/>
-                </a:solidFill>
-              </a:rPr>
-              <a:t>12  days - Business</a:t>
-            </a:r>
-            <a:endParaRPr lang="en-US" sz="1400" dirty="0">
-              <a:solidFill>
-                <a:srgbClr val="FF0000"/>
-              </a:solidFill>
-            </a:endParaRPr>
-          </a:p>
-        </p:txBody>
-      </p:sp>
-      <p:pic>
-        <p:nvPicPr>
-          <p:cNvPr id="19" name="Picture 18" descr="bag_w_ticket_orange.png"/>
-          <p:cNvPicPr>
-            <a:picLocks noChangeAspect="1"/>
-          </p:cNvPicPr>
-          <p:nvPr/>
-        </p:nvPicPr>
-        <p:blipFill>
-          <a:blip r:embed="rId2">
-            <a:extLst>
-              <a:ext uri="{BEBA8EAE-BF5A-486C-A8C5-ECC9F3942E4B}">
-                <a14:imgProps xmlns:a14="http://schemas.microsoft.com/office/drawing/2010/main">
-                  <a14:imgLayer r:embed="rId3">
-                    <a14:imgEffect>
-                      <a14:backgroundRemoval t="0" b="100000" l="0" r="98973"/>
-                    </a14:imgEffect>
-                  </a14:imgLayer>
-                </a14:imgProps>
-              </a:ext>
-              <a:ext uri="{28A0092B-C50C-407E-A947-70E740481C1C}">
-                <a14:useLocalDpi xmlns:a14="http://schemas.microsoft.com/office/drawing/2010/main" val="0"/>
-              </a:ext>
-            </a:extLst>
-          </a:blip>
-          <a:stretch>
-            <a:fillRect/>
-          </a:stretch>
-        </p:blipFill>
-        <p:spPr>
-          <a:xfrm>
-            <a:off x="1942281" y="6264628"/>
-            <a:ext cx="652745" cy="614743"/>
-          </a:xfrm>
-          <a:prstGeom prst="rect">
-            <a:avLst/>
-          </a:prstGeom>
-        </p:spPr>
-      </p:pic>
-      <p:sp>
-        <p:nvSpPr>
-          <p:cNvPr id="20" name="Rounded Rectangle 19"/>
-          <p:cNvSpPr/>
-          <p:nvPr/>
-        </p:nvSpPr>
-        <p:spPr>
-          <a:xfrm>
-            <a:off x="2852015" y="6342788"/>
-            <a:ext cx="1641437" cy="536583"/>
-          </a:xfrm>
-          <a:prstGeom prst="roundRect">
-            <a:avLst/>
-          </a:prstGeom>
-          <a:solidFill>
-            <a:schemeClr val="bg1"/>
-          </a:solidFill>
-        </p:spPr>
-        <p:style>
-          <a:lnRef idx="1">
-            <a:schemeClr val="accent1"/>
-          </a:lnRef>
-          <a:fillRef idx="3">
-            <a:schemeClr val="accent1"/>
-          </a:fillRef>
-          <a:effectRef idx="2">
-            <a:schemeClr val="accent1"/>
-          </a:effectRef>
-          <a:fontRef idx="minor">
-            <a:schemeClr val="lt1"/>
-          </a:fontRef>
-        </p:style>
-        <p:txBody>
-          <a:bodyPr rtlCol="0" anchor="ctr"/>
-          <a:lstStyle/>
-          <a:p>
-            <a:pPr algn="ctr"/>
-            <a:r>
-              <a:rPr lang="en-US" sz="1400" dirty="0" smtClean="0">
-                <a:solidFill>
-                  <a:srgbClr val="FF0000"/>
-                </a:solidFill>
-              </a:rPr>
-              <a:t>7 days -     Vacation</a:t>
-            </a:r>
-            <a:endParaRPr lang="en-US" sz="1400" dirty="0">
-              <a:solidFill>
-                <a:srgbClr val="FF0000"/>
-              </a:solidFill>
-            </a:endParaRPr>
-          </a:p>
-        </p:txBody>
-      </p:sp>
-      <p:pic>
-        <p:nvPicPr>
-          <p:cNvPr id="21" name="Picture 20" descr="bag_w_ticket_orange.png"/>
-          <p:cNvPicPr>
-            <a:picLocks noChangeAspect="1"/>
-          </p:cNvPicPr>
-          <p:nvPr/>
-        </p:nvPicPr>
-        <p:blipFill>
-          <a:blip r:embed="rId2">
-            <a:extLst>
-              <a:ext uri="{BEBA8EAE-BF5A-486C-A8C5-ECC9F3942E4B}">
-                <a14:imgProps xmlns:a14="http://schemas.microsoft.com/office/drawing/2010/main">
-                  <a14:imgLayer r:embed="rId6">
-                    <a14:imgEffect>
-                      <a14:backgroundRemoval t="0" b="100000" l="0" r="98973"/>
-                    </a14:imgEffect>
-                  </a14:imgLayer>
-                </a14:imgProps>
-              </a:ext>
-              <a:ext uri="{28A0092B-C50C-407E-A947-70E740481C1C}">
-                <a14:useLocalDpi xmlns:a14="http://schemas.microsoft.com/office/drawing/2010/main" val="0"/>
-              </a:ext>
-            </a:extLst>
-          </a:blip>
-          <a:stretch>
-            <a:fillRect/>
-          </a:stretch>
-        </p:blipFill>
-        <p:spPr>
-          <a:xfrm>
-            <a:off x="1942281" y="7060769"/>
-            <a:ext cx="652745" cy="614743"/>
-          </a:xfrm>
-          <a:prstGeom prst="rect">
-            <a:avLst/>
-          </a:prstGeom>
-        </p:spPr>
-      </p:pic>
-      <p:sp>
-        <p:nvSpPr>
-          <p:cNvPr id="22" name="Rounded Rectangle 21"/>
-          <p:cNvSpPr/>
-          <p:nvPr/>
-        </p:nvSpPr>
-        <p:spPr>
-          <a:xfrm>
-            <a:off x="2852015" y="7138929"/>
-            <a:ext cx="1641437" cy="536583"/>
-          </a:xfrm>
-          <a:prstGeom prst="roundRect">
-            <a:avLst/>
-          </a:prstGeom>
-          <a:solidFill>
-            <a:schemeClr val="bg1"/>
-          </a:solidFill>
-        </p:spPr>
-        <p:style>
-          <a:lnRef idx="1">
-            <a:schemeClr val="accent1"/>
-          </a:lnRef>
-          <a:fillRef idx="3">
-            <a:schemeClr val="accent1"/>
-          </a:fillRef>
-          <a:effectRef idx="2">
-            <a:schemeClr val="accent1"/>
-          </a:effectRef>
-          <a:fontRef idx="minor">
-            <a:schemeClr val="lt1"/>
-          </a:fontRef>
-        </p:style>
-        <p:txBody>
-          <a:bodyPr rtlCol="0" anchor="ctr"/>
-          <a:lstStyle/>
-          <a:p>
-            <a:pPr algn="ctr"/>
-            <a:r>
-              <a:rPr lang="en-US" sz="1400" dirty="0" smtClean="0">
-                <a:solidFill>
-                  <a:srgbClr val="FF0000"/>
-                </a:solidFill>
-              </a:rPr>
-              <a:t>10 days - Adventure</a:t>
-            </a:r>
-            <a:endParaRPr lang="en-US" sz="1400" dirty="0">
-              <a:solidFill>
-                <a:srgbClr val="FF0000"/>
-              </a:solidFill>
-            </a:endParaRPr>
-          </a:p>
-        </p:txBody>
-      </p:sp>
-      <p:pic>
-        <p:nvPicPr>
-          <p:cNvPr id="23" name="Picture 22" descr="bag_w_ticket_orange.png"/>
-          <p:cNvPicPr>
-            <a:picLocks noChangeAspect="1"/>
-          </p:cNvPicPr>
-          <p:nvPr/>
-        </p:nvPicPr>
-        <p:blipFill>
-          <a:blip r:embed="rId2">
-            <a:extLst>
-              <a:ext uri="{BEBA8EAE-BF5A-486C-A8C5-ECC9F3942E4B}">
-                <a14:imgProps xmlns:a14="http://schemas.microsoft.com/office/drawing/2010/main">
-                  <a14:imgLayer r:embed="rId4">
-                    <a14:imgEffect>
-                      <a14:backgroundRemoval t="0" b="100000" l="0" r="98973"/>
-                    </a14:imgEffect>
-                  </a14:imgLayer>
-                </a14:imgProps>
-              </a:ext>
-              <a:ext uri="{28A0092B-C50C-407E-A947-70E740481C1C}">
-                <a14:useLocalDpi xmlns:a14="http://schemas.microsoft.com/office/drawing/2010/main" val="0"/>
-              </a:ext>
-            </a:extLst>
-          </a:blip>
-          <a:stretch>
-            <a:fillRect/>
-          </a:stretch>
-        </p:blipFill>
-        <p:spPr>
-          <a:xfrm>
-            <a:off x="1942281" y="7875867"/>
-            <a:ext cx="652745" cy="614743"/>
-          </a:xfrm>
-          <a:prstGeom prst="rect">
-            <a:avLst/>
-          </a:prstGeom>
-        </p:spPr>
-      </p:pic>
-      <p:sp>
-        <p:nvSpPr>
-          <p:cNvPr id="24" name="Rounded Rectangle 23"/>
-          <p:cNvSpPr/>
-          <p:nvPr/>
-        </p:nvSpPr>
-        <p:spPr>
-          <a:xfrm>
-            <a:off x="2852015" y="7954027"/>
-            <a:ext cx="1641437" cy="536583"/>
-          </a:xfrm>
-          <a:prstGeom prst="roundRect">
-            <a:avLst/>
-          </a:prstGeom>
-          <a:solidFill>
-            <a:schemeClr val="bg1"/>
-          </a:solidFill>
-        </p:spPr>
-        <p:style>
-          <a:lnRef idx="1">
-            <a:schemeClr val="accent1"/>
-          </a:lnRef>
-          <a:fillRef idx="3">
-            <a:schemeClr val="accent1"/>
-          </a:fillRef>
-          <a:effectRef idx="2">
-            <a:schemeClr val="accent1"/>
-          </a:effectRef>
-          <a:fontRef idx="minor">
-            <a:schemeClr val="lt1"/>
-          </a:fontRef>
-        </p:style>
-        <p:txBody>
-          <a:bodyPr rtlCol="0" anchor="ctr"/>
-          <a:lstStyle/>
-          <a:p>
-            <a:pPr algn="ctr"/>
-            <a:r>
-              <a:rPr lang="en-US" sz="1400" dirty="0" smtClean="0">
-                <a:solidFill>
-                  <a:srgbClr val="FF0000"/>
-                </a:solidFill>
-              </a:rPr>
-              <a:t>21 days - Adventure</a:t>
-            </a:r>
-            <a:endParaRPr lang="en-US" sz="1400" dirty="0">
-              <a:solidFill>
-                <a:srgbClr val="FF0000"/>
-              </a:solidFill>
-            </a:endParaRPr>
-          </a:p>
-        </p:txBody>
-      </p:sp>
-      <p:sp>
-        <p:nvSpPr>
-          <p:cNvPr id="25" name="Rounded Rectangle 24"/>
-          <p:cNvSpPr/>
-          <p:nvPr/>
-        </p:nvSpPr>
-        <p:spPr>
-          <a:xfrm>
-            <a:off x="2031296" y="3196131"/>
-            <a:ext cx="2462156" cy="536583"/>
-          </a:xfrm>
-          <a:prstGeom prst="roundRect">
-            <a:avLst/>
-          </a:prstGeom>
-          <a:solidFill>
-            <a:schemeClr val="bg1"/>
-          </a:solidFill>
-        </p:spPr>
-        <p:style>
-          <a:lnRef idx="1">
-            <a:schemeClr val="accent1"/>
-          </a:lnRef>
-          <a:fillRef idx="3">
-            <a:schemeClr val="accent1"/>
-          </a:fillRef>
-          <a:effectRef idx="2">
-            <a:schemeClr val="accent1"/>
-          </a:effectRef>
-          <a:fontRef idx="minor">
-            <a:schemeClr val="lt1"/>
-          </a:fontRef>
-        </p:style>
-        <p:txBody>
-          <a:bodyPr rtlCol="0" anchor="ctr"/>
-          <a:lstStyle/>
-          <a:p>
-            <a:pPr algn="ctr"/>
-            <a:r>
-              <a:rPr lang="en-US" sz="1400" dirty="0" smtClean="0">
-                <a:solidFill>
-                  <a:srgbClr val="FF0000"/>
-                </a:solidFill>
-              </a:rPr>
-              <a:t>14 Wanders have gone to:</a:t>
-            </a:r>
-          </a:p>
-          <a:p>
-            <a:pPr algn="ctr"/>
-            <a:r>
-              <a:rPr lang="en-US" sz="1400" dirty="0" smtClean="0">
-                <a:solidFill>
-                  <a:srgbClr val="FF0000"/>
-                </a:solidFill>
-              </a:rPr>
-              <a:t>BANGKOK</a:t>
-            </a:r>
-            <a:endParaRPr lang="en-US" sz="1400" dirty="0">
-              <a:solidFill>
-                <a:srgbClr val="FF0000"/>
-              </a:solidFill>
-            </a:endParaRPr>
-          </a:p>
-        </p:txBody>
-      </p:sp>
-      <p:pic>
-        <p:nvPicPr>
-          <p:cNvPr id="26" name="Picture 25" descr="iphone6_hands_reset.png"/>
-          <p:cNvPicPr>
-            <a:picLocks noChangeAspect="1"/>
-          </p:cNvPicPr>
-          <p:nvPr/>
-        </p:nvPicPr>
-        <p:blipFill>
-          <a:blip r:embed="rId7">
-            <a:extLst>
-              <a:ext uri="{BEBA8EAE-BF5A-486C-A8C5-ECC9F3942E4B}">
-                <a14:imgProps xmlns:a14="http://schemas.microsoft.com/office/drawing/2010/main">
-                  <a14:imgLayer r:embed="rId8">
-                    <a14:imgEffect>
-                      <a14:backgroundRemoval t="1500" b="99833" l="500" r="99500">
-                        <a14:backgroundMark x1="38333" y1="60833" x2="38333" y2="60833"/>
-                        <a14:backgroundMark x1="26500" y1="19667" x2="59333" y2="19667"/>
-                        <a14:backgroundMark x1="27000" y1="20333" x2="26667" y2="79333"/>
-                        <a14:backgroundMark x1="57333" y1="78167" x2="56833" y2="19667"/>
-                        <a14:backgroundMark x1="27333" y1="78167" x2="57333" y2="77000"/>
-                      </a14:backgroundRemoval>
-                    </a14:imgEffect>
-                  </a14:imgLayer>
-                </a14:imgProps>
-              </a:ext>
-              <a:ext uri="{28A0092B-C50C-407E-A947-70E740481C1C}">
-                <a14:useLocalDpi xmlns:a14="http://schemas.microsoft.com/office/drawing/2010/main" val="0"/>
-              </a:ext>
-            </a:extLst>
-          </a:blip>
-          <a:stretch>
-            <a:fillRect/>
-          </a:stretch>
-        </p:blipFill>
-        <p:spPr>
-          <a:xfrm>
-            <a:off x="-502493" y="1622824"/>
-            <a:ext cx="8558307" cy="8558307"/>
-          </a:xfrm>
-          <a:prstGeom prst="rect">
-            <a:avLst/>
-          </a:prstGeom>
-        </p:spPr>
-      </p:pic>
-    </p:spTree>
-    <p:extLst>
-      <p:ext uri="{BB962C8B-B14F-4D97-AF65-F5344CB8AC3E}">
-        <p14:creationId xmlns:p14="http://schemas.microsoft.com/office/powerpoint/2010/main" val="1571452308"/>
-      </p:ext>
-    </p:extLst>
-  </p:cSld>
-  <p:clrMapOvr>
-    <a:masterClrMapping/>
-  </p:clrMapOvr>
-  <p:timing>
-    <p:tnLst>
-      <p:par>
-        <p:cTn xmlns:p14="http://schemas.microsoft.com/office/powerpoint/2010/main" id="1" dur="indefinite" restart="never" nodeType="tmRoot"/>
-      </p:par>
-    </p:tnLst>
-  </p:timing>
-</p:sld>
-</file>
-
-<file path=ppt/slides/slide5.xml><?xml version="1.0" encoding="utf-8"?>
-<p:sld xmlns:a="http://schemas.openxmlformats.org/drawingml/2006/main" xmlns:r="http://schemas.openxmlformats.org/officeDocument/2006/relationships" xmlns:p="http://schemas.openxmlformats.org/presentationml/2006/main">
-  <p:cSld>
-    <p:spTree>
-      <p:nvGrpSpPr>
-        <p:cNvPr id="1" name=""/>
-        <p:cNvGrpSpPr/>
-        <p:nvPr/>
-      </p:nvGrpSpPr>
-      <p:grpSpPr>
-        <a:xfrm>
-          <a:off x="0" y="0"/>
-          <a:ext cx="0" cy="0"/>
-          <a:chOff x="0" y="0"/>
-          <a:chExt cx="0" cy="0"/>
-        </a:xfrm>
-      </p:grpSpPr>
-      <p:sp>
-        <p:nvSpPr>
-          <p:cNvPr id="5" name="Rounded Rectangle 4"/>
-          <p:cNvSpPr/>
-          <p:nvPr/>
-        </p:nvSpPr>
-        <p:spPr>
-          <a:xfrm>
-            <a:off x="1581855" y="2331087"/>
-            <a:ext cx="3224252" cy="6350617"/>
-          </a:xfrm>
-          <a:prstGeom prst="roundRect">
-            <a:avLst/>
-          </a:prstGeom>
-          <a:solidFill>
-            <a:srgbClr val="7F7F7F"/>
-          </a:solidFill>
-        </p:spPr>
-        <p:style>
-          <a:lnRef idx="1">
-            <a:schemeClr val="accent1"/>
-          </a:lnRef>
-          <a:fillRef idx="3">
-            <a:schemeClr val="accent1"/>
-          </a:fillRef>
-          <a:effectRef idx="2">
-            <a:schemeClr val="accent1"/>
-          </a:effectRef>
-          <a:fontRef idx="minor">
-            <a:schemeClr val="lt1"/>
-          </a:fontRef>
-        </p:style>
-        <p:txBody>
-          <a:bodyPr rtlCol="0" anchor="ctr"/>
-          <a:lstStyle/>
-          <a:p>
-            <a:pPr algn="ctr"/>
-            <a:endParaRPr lang="en-US">
-              <a:ln w="18415" cmpd="sng">
-                <a:solidFill>
-                  <a:srgbClr val="FFFFFF"/>
-                </a:solidFill>
-                <a:prstDash val="solid"/>
-              </a:ln>
-              <a:solidFill>
-                <a:srgbClr val="FFFFFF"/>
-              </a:solidFill>
-              <a:effectLst>
-                <a:outerShdw blurRad="63500" dir="3600000" algn="tl" rotWithShape="0">
-                  <a:srgbClr val="000000">
-                    <a:alpha val="70000"/>
-                  </a:srgbClr>
-                </a:outerShdw>
-              </a:effectLst>
-            </a:endParaRPr>
-          </a:p>
-        </p:txBody>
-      </p:sp>
-      <p:sp>
-        <p:nvSpPr>
-          <p:cNvPr id="2" name="Title 1"/>
-          <p:cNvSpPr>
-            <a:spLocks noGrp="1"/>
-          </p:cNvSpPr>
-          <p:nvPr>
-            <p:ph type="title"/>
-          </p:nvPr>
-        </p:nvSpPr>
-        <p:spPr>
-          <a:ln>
-            <a:noFill/>
-          </a:ln>
-        </p:spPr>
-        <p:txBody>
-          <a:bodyPr/>
-          <a:lstStyle/>
-          <a:p>
-            <a:r>
-              <a:rPr lang="en-US" dirty="0" smtClean="0"/>
-              <a:t>Scroll others suitcases</a:t>
-            </a:r>
-            <a:endParaRPr lang="en-US" dirty="0"/>
-          </a:p>
-        </p:txBody>
-      </p:sp>
-      <p:pic>
-        <p:nvPicPr>
-          <p:cNvPr id="6" name="Picture 5" descr="bag_w_ticket_orange.png"/>
-          <p:cNvPicPr>
-            <a:picLocks noChangeAspect="1"/>
-          </p:cNvPicPr>
-          <p:nvPr/>
-        </p:nvPicPr>
-        <p:blipFill>
-          <a:blip r:embed="rId2">
-            <a:extLst>
-              <a:ext uri="{BEBA8EAE-BF5A-486C-A8C5-ECC9F3942E4B}">
-                <a14:imgProps xmlns:a14="http://schemas.microsoft.com/office/drawing/2010/main">
-                  <a14:imgLayer r:embed="rId3">
-                    <a14:imgEffect>
-                      <a14:backgroundRemoval t="0" b="100000" l="0" r="98973"/>
-                    </a14:imgEffect>
-                  </a14:imgLayer>
-                </a14:imgProps>
-              </a:ext>
-              <a:ext uri="{28A0092B-C50C-407E-A947-70E740481C1C}">
-                <a14:useLocalDpi xmlns:a14="http://schemas.microsoft.com/office/drawing/2010/main" val="0"/>
-              </a:ext>
-            </a:extLst>
-          </a:blip>
-          <a:stretch>
-            <a:fillRect/>
-          </a:stretch>
-        </p:blipFill>
-        <p:spPr>
-          <a:xfrm>
-            <a:off x="1942281" y="3345434"/>
-            <a:ext cx="652745" cy="614743"/>
-          </a:xfrm>
-          <a:prstGeom prst="rect">
-            <a:avLst/>
-          </a:prstGeom>
-        </p:spPr>
-      </p:pic>
-      <p:sp>
-        <p:nvSpPr>
-          <p:cNvPr id="7" name="Rounded Rectangle 6"/>
-          <p:cNvSpPr/>
-          <p:nvPr/>
-        </p:nvSpPr>
-        <p:spPr>
-          <a:xfrm>
-            <a:off x="2852015" y="3423594"/>
-            <a:ext cx="1641437" cy="536583"/>
-          </a:xfrm>
-          <a:prstGeom prst="roundRect">
-            <a:avLst/>
-          </a:prstGeom>
-          <a:solidFill>
-            <a:schemeClr val="bg1"/>
-          </a:solidFill>
-        </p:spPr>
-        <p:style>
-          <a:lnRef idx="1">
-            <a:schemeClr val="accent1"/>
-          </a:lnRef>
-          <a:fillRef idx="3">
-            <a:schemeClr val="accent1"/>
-          </a:fillRef>
-          <a:effectRef idx="2">
-            <a:schemeClr val="accent1"/>
-          </a:effectRef>
-          <a:fontRef idx="minor">
-            <a:schemeClr val="lt1"/>
-          </a:fontRef>
-        </p:style>
-        <p:txBody>
-          <a:bodyPr rtlCol="0" anchor="ctr"/>
-          <a:lstStyle/>
-          <a:p>
-            <a:pPr algn="ctr"/>
-            <a:r>
-              <a:rPr lang="en-US" sz="1400" dirty="0" smtClean="0">
-                <a:solidFill>
-                  <a:srgbClr val="FF0000"/>
-                </a:solidFill>
-              </a:rPr>
-              <a:t>7  days -       Luxury</a:t>
-            </a:r>
-            <a:endParaRPr lang="en-US" sz="1400" dirty="0">
-              <a:solidFill>
-                <a:srgbClr val="FF0000"/>
-              </a:solidFill>
-            </a:endParaRPr>
-          </a:p>
-        </p:txBody>
-      </p:sp>
-      <p:sp>
-        <p:nvSpPr>
-          <p:cNvPr id="18" name="Rounded Rectangle 17"/>
-          <p:cNvSpPr/>
-          <p:nvPr/>
-        </p:nvSpPr>
-        <p:spPr>
-          <a:xfrm>
-            <a:off x="1942281" y="4049132"/>
-            <a:ext cx="2551171" cy="2301039"/>
-          </a:xfrm>
-          <a:prstGeom prst="roundRect">
-            <a:avLst/>
-          </a:prstGeom>
-          <a:solidFill>
-            <a:schemeClr val="bg1"/>
-          </a:solidFill>
-        </p:spPr>
-        <p:style>
-          <a:lnRef idx="1">
-            <a:schemeClr val="accent1"/>
-          </a:lnRef>
-          <a:fillRef idx="3">
-            <a:schemeClr val="accent1"/>
-          </a:fillRef>
-          <a:effectRef idx="2">
-            <a:schemeClr val="accent1"/>
-          </a:effectRef>
-          <a:fontRef idx="minor">
-            <a:schemeClr val="lt1"/>
-          </a:fontRef>
-        </p:style>
-        <p:txBody>
-          <a:bodyPr rtlCol="0" anchor="ctr"/>
-          <a:lstStyle/>
-          <a:p>
-            <a:r>
-              <a:rPr lang="en-US" sz="1400" dirty="0" smtClean="0">
-                <a:solidFill>
-                  <a:srgbClr val="FF0000"/>
-                </a:solidFill>
-              </a:rPr>
-              <a:t>Clothes:		QTY</a:t>
-            </a:r>
-          </a:p>
-          <a:p>
-            <a:pPr marL="285750" indent="-285750">
-              <a:buFont typeface="Wingdings" charset="2"/>
-              <a:buChar char="q"/>
-            </a:pPr>
-            <a:r>
-              <a:rPr lang="en-US" sz="1400" dirty="0" smtClean="0">
-                <a:solidFill>
-                  <a:srgbClr val="FF0000"/>
-                </a:solidFill>
-              </a:rPr>
-              <a:t>Shorts		3</a:t>
-            </a:r>
-          </a:p>
-          <a:p>
-            <a:pPr marL="285750" indent="-285750">
-              <a:buFont typeface="Wingdings" charset="2"/>
-              <a:buChar char="q"/>
-            </a:pPr>
-            <a:r>
-              <a:rPr lang="en-US" sz="1400" dirty="0" smtClean="0">
-                <a:solidFill>
-                  <a:srgbClr val="FF0000"/>
-                </a:solidFill>
-              </a:rPr>
-              <a:t>Summer Dress	2</a:t>
-            </a:r>
-          </a:p>
-          <a:p>
-            <a:pPr marL="285750" indent="-285750">
-              <a:buFont typeface="Wingdings" charset="2"/>
-              <a:buChar char="q"/>
-            </a:pPr>
-            <a:r>
-              <a:rPr lang="en-US" sz="1400" dirty="0" smtClean="0">
-                <a:solidFill>
-                  <a:srgbClr val="FF0000"/>
-                </a:solidFill>
-              </a:rPr>
-              <a:t>Pants		2</a:t>
-            </a:r>
-          </a:p>
-          <a:p>
-            <a:pPr marL="285750" indent="-285750">
-              <a:buFont typeface="Wingdings" charset="2"/>
-              <a:buChar char="q"/>
-            </a:pPr>
-            <a:r>
-              <a:rPr lang="en-US" sz="1400" dirty="0" smtClean="0">
-                <a:solidFill>
-                  <a:srgbClr val="FF0000"/>
-                </a:solidFill>
-              </a:rPr>
-              <a:t>Tank Top	4</a:t>
-            </a:r>
-          </a:p>
-          <a:p>
-            <a:pPr marL="285750" indent="-285750">
-              <a:buFont typeface="Wingdings" charset="2"/>
-              <a:buChar char="q"/>
-            </a:pPr>
-            <a:r>
-              <a:rPr lang="en-US" sz="1400" dirty="0" smtClean="0">
-                <a:solidFill>
-                  <a:srgbClr val="FF0000"/>
-                </a:solidFill>
-              </a:rPr>
-              <a:t>Blouse		2</a:t>
-            </a:r>
-          </a:p>
-          <a:p>
-            <a:pPr marL="285750" indent="-285750">
-              <a:buFont typeface="Wingdings" charset="2"/>
-              <a:buChar char="q"/>
-            </a:pPr>
-            <a:r>
-              <a:rPr lang="en-US" sz="1400" dirty="0" smtClean="0">
-                <a:solidFill>
-                  <a:srgbClr val="FF0000"/>
-                </a:solidFill>
-              </a:rPr>
-              <a:t>Sweater		2</a:t>
-            </a:r>
-          </a:p>
-          <a:p>
-            <a:pPr marL="285750" indent="-285750">
-              <a:buFont typeface="Wingdings" charset="2"/>
-              <a:buChar char="q"/>
-            </a:pPr>
-            <a:r>
-              <a:rPr lang="en-US" sz="1400" dirty="0" err="1" smtClean="0">
-                <a:solidFill>
-                  <a:srgbClr val="FF0000"/>
-                </a:solidFill>
-              </a:rPr>
-              <a:t>Underware</a:t>
-            </a:r>
-            <a:r>
-              <a:rPr lang="en-US" sz="1400" dirty="0" smtClean="0">
-                <a:solidFill>
-                  <a:srgbClr val="FF0000"/>
-                </a:solidFill>
-              </a:rPr>
-              <a:t>	5</a:t>
-            </a:r>
-          </a:p>
-          <a:p>
-            <a:pPr marL="285750" indent="-285750">
-              <a:buFont typeface="Wingdings" charset="2"/>
-              <a:buChar char="q"/>
-            </a:pPr>
-            <a:r>
-              <a:rPr lang="en-US" sz="1400" dirty="0" smtClean="0">
-                <a:solidFill>
-                  <a:srgbClr val="FF0000"/>
-                </a:solidFill>
-              </a:rPr>
-              <a:t>Bra		3</a:t>
-            </a:r>
-          </a:p>
-          <a:p>
-            <a:pPr marL="285750" indent="-285750">
-              <a:buFont typeface="Wingdings" charset="2"/>
-              <a:buChar char="q"/>
-            </a:pPr>
-            <a:endParaRPr lang="en-US" sz="1400" dirty="0">
-              <a:solidFill>
-                <a:srgbClr val="FF0000"/>
-              </a:solidFill>
-            </a:endParaRPr>
-          </a:p>
-        </p:txBody>
-      </p:sp>
-      <p:sp>
-        <p:nvSpPr>
-          <p:cNvPr id="27" name="Rounded Rectangle 26"/>
-          <p:cNvSpPr/>
-          <p:nvPr/>
-        </p:nvSpPr>
-        <p:spPr>
-          <a:xfrm>
-            <a:off x="1942281" y="6444949"/>
-            <a:ext cx="2551171" cy="1270036"/>
-          </a:xfrm>
-          <a:prstGeom prst="roundRect">
-            <a:avLst/>
-          </a:prstGeom>
-          <a:solidFill>
-            <a:schemeClr val="bg1"/>
-          </a:solidFill>
-        </p:spPr>
-        <p:style>
-          <a:lnRef idx="1">
-            <a:schemeClr val="accent1"/>
-          </a:lnRef>
-          <a:fillRef idx="3">
-            <a:schemeClr val="accent1"/>
-          </a:fillRef>
-          <a:effectRef idx="2">
-            <a:schemeClr val="accent1"/>
-          </a:effectRef>
-          <a:fontRef idx="minor">
-            <a:schemeClr val="lt1"/>
-          </a:fontRef>
-        </p:style>
-        <p:txBody>
-          <a:bodyPr rtlCol="0" anchor="ctr"/>
-          <a:lstStyle/>
-          <a:p>
-            <a:r>
-              <a:rPr lang="en-US" sz="1400" dirty="0" smtClean="0">
-                <a:solidFill>
-                  <a:srgbClr val="FF0000"/>
-                </a:solidFill>
-              </a:rPr>
-              <a:t>Shoes:		QTY</a:t>
-            </a:r>
-          </a:p>
-          <a:p>
-            <a:pPr marL="285750" indent="-285750">
-              <a:buFont typeface="Wingdings" charset="2"/>
-              <a:buChar char="q"/>
-            </a:pPr>
-            <a:r>
-              <a:rPr lang="en-US" sz="1400" dirty="0" smtClean="0">
-                <a:solidFill>
-                  <a:srgbClr val="FF0000"/>
-                </a:solidFill>
-              </a:rPr>
-              <a:t>Tennis shoes	1</a:t>
-            </a:r>
-          </a:p>
-          <a:p>
-            <a:pPr marL="285750" indent="-285750">
-              <a:buFont typeface="Wingdings" charset="2"/>
-              <a:buChar char="q"/>
-            </a:pPr>
-            <a:r>
-              <a:rPr lang="en-US" sz="1400" dirty="0" smtClean="0">
-                <a:solidFill>
-                  <a:srgbClr val="FF0000"/>
-                </a:solidFill>
-              </a:rPr>
-              <a:t>Heels		1</a:t>
-            </a:r>
-          </a:p>
-          <a:p>
-            <a:pPr marL="285750" indent="-285750">
-              <a:buFont typeface="Wingdings" charset="2"/>
-              <a:buChar char="q"/>
-            </a:pPr>
-            <a:r>
-              <a:rPr lang="en-US" sz="1400" dirty="0" smtClean="0">
-                <a:solidFill>
-                  <a:srgbClr val="FF0000"/>
-                </a:solidFill>
-              </a:rPr>
-              <a:t>Sandals		1</a:t>
-            </a:r>
-          </a:p>
-          <a:p>
-            <a:pPr marL="285750" indent="-285750">
-              <a:buFont typeface="Wingdings" charset="2"/>
-              <a:buChar char="q"/>
-            </a:pPr>
-            <a:endParaRPr lang="en-US" sz="1400" dirty="0">
-              <a:solidFill>
-                <a:srgbClr val="FF0000"/>
-              </a:solidFill>
-            </a:endParaRPr>
-          </a:p>
-        </p:txBody>
-      </p:sp>
-      <p:sp>
-        <p:nvSpPr>
-          <p:cNvPr id="4" name="Plus 3"/>
-          <p:cNvSpPr/>
-          <p:nvPr/>
-        </p:nvSpPr>
-        <p:spPr>
-          <a:xfrm>
-            <a:off x="1993382" y="7790809"/>
-            <a:ext cx="563730" cy="606584"/>
-          </a:xfrm>
-          <a:prstGeom prst="mathPlus">
-            <a:avLst/>
-          </a:prstGeom>
-          <a:solidFill>
-            <a:srgbClr val="F96A1B"/>
-          </a:solidFill>
-        </p:spPr>
-        <p:style>
-          <a:lnRef idx="1">
-            <a:schemeClr val="accent1"/>
-          </a:lnRef>
-          <a:fillRef idx="3">
-            <a:schemeClr val="accent1"/>
-          </a:fillRef>
-          <a:effectRef idx="2">
-            <a:schemeClr val="accent1"/>
-          </a:effectRef>
-          <a:fontRef idx="minor">
-            <a:schemeClr val="lt1"/>
-          </a:fontRef>
-        </p:style>
-        <p:txBody>
-          <a:bodyPr rtlCol="0" anchor="ctr"/>
-          <a:lstStyle/>
-          <a:p>
-            <a:pPr algn="ctr"/>
-            <a:endParaRPr lang="en-US"/>
-          </a:p>
-        </p:txBody>
-      </p:sp>
-      <p:sp>
-        <p:nvSpPr>
-          <p:cNvPr id="8" name="TextBox 7"/>
-          <p:cNvSpPr txBox="1"/>
-          <p:nvPr/>
-        </p:nvSpPr>
-        <p:spPr>
-          <a:xfrm>
-            <a:off x="2500241" y="7918607"/>
-            <a:ext cx="1594487" cy="369332"/>
-          </a:xfrm>
-          <a:prstGeom prst="rect">
-            <a:avLst/>
-          </a:prstGeom>
-          <a:noFill/>
-        </p:spPr>
-        <p:txBody>
-          <a:bodyPr wrap="square" rtlCol="0">
-            <a:spAutoFit/>
-          </a:bodyPr>
-          <a:lstStyle/>
-          <a:p>
-            <a:r>
-              <a:rPr lang="en-US" dirty="0" smtClean="0">
-                <a:ln w="18415" cmpd="sng">
-                  <a:solidFill>
-                    <a:srgbClr val="FFFFFF"/>
-                  </a:solidFill>
-                  <a:prstDash val="solid"/>
-                </a:ln>
-                <a:solidFill>
-                  <a:srgbClr val="FFFFFF"/>
-                </a:solidFill>
-                <a:effectLst>
-                  <a:outerShdw blurRad="63500" dir="3600000" algn="tl" rotWithShape="0">
-                    <a:srgbClr val="000000">
-                      <a:alpha val="70000"/>
-                    </a:srgbClr>
-                  </a:outerShdw>
-                </a:effectLst>
-              </a:rPr>
-              <a:t>Add Selected</a:t>
-            </a:r>
-            <a:endParaRPr lang="en-US" dirty="0">
-              <a:ln w="18415" cmpd="sng">
-                <a:solidFill>
-                  <a:srgbClr val="FFFFFF"/>
-                </a:solidFill>
-                <a:prstDash val="solid"/>
-              </a:ln>
-              <a:solidFill>
-                <a:srgbClr val="FFFFFF"/>
-              </a:solidFill>
-              <a:effectLst>
-                <a:outerShdw blurRad="63500" dir="3600000" algn="tl" rotWithShape="0">
-                  <a:srgbClr val="000000">
-                    <a:alpha val="70000"/>
-                  </a:srgbClr>
-                </a:outerShdw>
-              </a:effectLst>
-            </a:endParaRPr>
-          </a:p>
-        </p:txBody>
-      </p:sp>
-      <p:pic>
-        <p:nvPicPr>
-          <p:cNvPr id="28" name="Picture 27" descr="iphone6_hands_reset.png"/>
-          <p:cNvPicPr>
-            <a:picLocks noChangeAspect="1"/>
-          </p:cNvPicPr>
-          <p:nvPr/>
-        </p:nvPicPr>
-        <p:blipFill>
-          <a:blip r:embed="rId4">
-            <a:extLst>
-              <a:ext uri="{BEBA8EAE-BF5A-486C-A8C5-ECC9F3942E4B}">
-                <a14:imgProps xmlns:a14="http://schemas.microsoft.com/office/drawing/2010/main">
-                  <a14:imgLayer r:embed="rId5">
-                    <a14:imgEffect>
-                      <a14:backgroundRemoval t="1500" b="99833" l="500" r="99500">
-                        <a14:backgroundMark x1="38333" y1="60833" x2="38333" y2="60833"/>
-                        <a14:backgroundMark x1="26500" y1="19667" x2="59333" y2="19667"/>
-                        <a14:backgroundMark x1="27000" y1="20333" x2="26667" y2="79333"/>
-                        <a14:backgroundMark x1="57333" y1="78167" x2="56833" y2="19667"/>
-                        <a14:backgroundMark x1="27333" y1="78167" x2="57333" y2="77000"/>
-                      </a14:backgroundRemoval>
-                    </a14:imgEffect>
-                  </a14:imgLayer>
-                </a14:imgProps>
-              </a:ext>
-              <a:ext uri="{28A0092B-C50C-407E-A947-70E740481C1C}">
-                <a14:useLocalDpi xmlns:a14="http://schemas.microsoft.com/office/drawing/2010/main" val="0"/>
-              </a:ext>
-            </a:extLst>
-          </a:blip>
-          <a:stretch>
-            <a:fillRect/>
-          </a:stretch>
-        </p:blipFill>
-        <p:spPr>
-          <a:xfrm>
-            <a:off x="-507996" y="1500093"/>
-            <a:ext cx="8558307" cy="8558307"/>
-          </a:xfrm>
-          <a:prstGeom prst="rect">
-            <a:avLst/>
-          </a:prstGeom>
-        </p:spPr>
-      </p:pic>
-    </p:spTree>
-    <p:extLst>
-      <p:ext uri="{BB962C8B-B14F-4D97-AF65-F5344CB8AC3E}">
-        <p14:creationId xmlns:p14="http://schemas.microsoft.com/office/powerpoint/2010/main" val="185398416"/>
-      </p:ext>
-    </p:extLst>
-  </p:cSld>
-  <p:clrMapOvr>
-    <a:masterClrMapping/>
-  </p:clrMapOvr>
-  <p:timing>
-    <p:tnLst>
-      <p:par>
-        <p:cTn xmlns:p14="http://schemas.microsoft.com/office/powerpoint/2010/main" id="1" dur="indefinite" restart="never" nodeType="tmRoot"/>
-      </p:par>
-    </p:tnLst>
-  </p:timing>
-</p:sld>
-</file>
-
-<file path=ppt/slides/slide6.xml><?xml version="1.0" encoding="utf-8"?>
-<p:sld xmlns:a="http://schemas.openxmlformats.org/drawingml/2006/main" xmlns:r="http://schemas.openxmlformats.org/officeDocument/2006/relationships" xmlns:p="http://schemas.openxmlformats.org/presentationml/2006/main">
-  <p:cSld>
-    <p:spTree>
-      <p:nvGrpSpPr>
-        <p:cNvPr id="1" name=""/>
-        <p:cNvGrpSpPr/>
-        <p:nvPr/>
-      </p:nvGrpSpPr>
-      <p:grpSpPr>
-        <a:xfrm>
-          <a:off x="0" y="0"/>
-          <a:ext cx="0" cy="0"/>
-          <a:chOff x="0" y="0"/>
-          <a:chExt cx="0" cy="0"/>
-        </a:xfrm>
-      </p:grpSpPr>
-      <p:sp>
-        <p:nvSpPr>
-          <p:cNvPr id="5" name="Title 4"/>
-          <p:cNvSpPr>
-            <a:spLocks noGrp="1"/>
-          </p:cNvSpPr>
-          <p:nvPr>
-            <p:ph type="title"/>
-          </p:nvPr>
-        </p:nvSpPr>
-        <p:spPr/>
-        <p:txBody>
-          <a:bodyPr/>
-          <a:lstStyle/>
-          <a:p>
-            <a:r>
-              <a:rPr lang="en-US" dirty="0" smtClean="0"/>
-              <a:t>Requirements</a:t>
-            </a:r>
-            <a:endParaRPr lang="en-US" dirty="0"/>
-          </a:p>
-        </p:txBody>
-      </p:sp>
-      <p:sp>
-        <p:nvSpPr>
-          <p:cNvPr id="6" name="Content Placeholder 5"/>
-          <p:cNvSpPr>
-            <a:spLocks noGrp="1"/>
-          </p:cNvSpPr>
-          <p:nvPr>
-            <p:ph idx="1"/>
-          </p:nvPr>
-        </p:nvSpPr>
-        <p:spPr/>
-        <p:txBody>
-          <a:bodyPr/>
-          <a:lstStyle/>
-          <a:p>
-            <a:pPr>
-              <a:buFont typeface="+mj-lt"/>
-              <a:buAutoNum type="arabicPeriod"/>
-            </a:pPr>
-            <a:r>
-              <a:rPr lang="en-US" dirty="0" smtClean="0"/>
-              <a:t>Node &amp; Express Web-Server</a:t>
-            </a:r>
-          </a:p>
-          <a:p>
-            <a:pPr>
-              <a:buFont typeface="+mj-lt"/>
-              <a:buAutoNum type="arabicPeriod"/>
-            </a:pPr>
-            <a:r>
-              <a:rPr lang="en-US" dirty="0" smtClean="0"/>
-              <a:t>MYSQL Database with a </a:t>
-            </a:r>
-            <a:r>
-              <a:rPr lang="en-US" dirty="0" err="1" smtClean="0"/>
-              <a:t>Sequelize</a:t>
-            </a:r>
-            <a:r>
-              <a:rPr lang="en-US" dirty="0" smtClean="0"/>
-              <a:t> ORM</a:t>
-            </a:r>
-          </a:p>
-          <a:p>
-            <a:pPr>
-              <a:buFont typeface="+mj-lt"/>
-              <a:buAutoNum type="arabicPeriod"/>
-            </a:pPr>
-            <a:r>
-              <a:rPr lang="en-US" dirty="0" smtClean="0"/>
-              <a:t>GET &amp; POST Routes</a:t>
-            </a:r>
-          </a:p>
-          <a:p>
-            <a:pPr>
-              <a:buFont typeface="+mj-lt"/>
-              <a:buAutoNum type="arabicPeriod"/>
-            </a:pPr>
-            <a:r>
-              <a:rPr lang="en-US" dirty="0" smtClean="0"/>
-              <a:t>Basic Testing Framework</a:t>
-            </a:r>
-          </a:p>
-          <a:p>
-            <a:pPr>
-              <a:buFont typeface="+mj-lt"/>
-              <a:buAutoNum type="arabicPeriod"/>
-            </a:pPr>
-            <a:r>
-              <a:rPr lang="en-US" dirty="0" smtClean="0"/>
-              <a:t>Deployed using </a:t>
-            </a:r>
-            <a:r>
-              <a:rPr lang="en-US" dirty="0" err="1" smtClean="0"/>
-              <a:t>Heroku</a:t>
-            </a:r>
-            <a:r>
-              <a:rPr lang="en-US" dirty="0" smtClean="0"/>
-              <a:t> (with data)</a:t>
-            </a:r>
-          </a:p>
-          <a:p>
-            <a:pPr>
-              <a:buFont typeface="+mj-lt"/>
-              <a:buAutoNum type="arabicPeriod"/>
-            </a:pPr>
-            <a:r>
-              <a:rPr lang="en-US" dirty="0" smtClean="0"/>
-              <a:t>1+ new library, package or </a:t>
-            </a:r>
-            <a:r>
-              <a:rPr lang="en-US" dirty="0" err="1" smtClean="0"/>
-              <a:t>technolog</a:t>
-            </a:r>
-            <a:endParaRPr lang="en-US" dirty="0" smtClean="0"/>
-          </a:p>
-          <a:p>
-            <a:pPr>
-              <a:buFont typeface="+mj-lt"/>
-              <a:buAutoNum type="arabicPeriod"/>
-            </a:pPr>
-            <a:r>
-              <a:rPr lang="en-US" dirty="0" smtClean="0"/>
-              <a:t>Polished front /UI</a:t>
-            </a:r>
-          </a:p>
-          <a:p>
-            <a:pPr>
-              <a:buFont typeface="+mj-lt"/>
-              <a:buAutoNum type="arabicPeriod"/>
-            </a:pPr>
-            <a:r>
-              <a:rPr lang="en-US" dirty="0" smtClean="0"/>
-              <a:t>MVC Paradigm Folder structure</a:t>
-            </a:r>
-          </a:p>
-          <a:p>
-            <a:pPr>
-              <a:buFont typeface="+mj-lt"/>
-              <a:buAutoNum type="arabicPeriod"/>
-            </a:pPr>
-            <a:r>
-              <a:rPr lang="en-US" dirty="0" smtClean="0"/>
-              <a:t>Quality coding standards</a:t>
-            </a:r>
-          </a:p>
-          <a:p>
-            <a:pPr>
-              <a:buFont typeface="+mj-lt"/>
-              <a:buAutoNum type="arabicPeriod"/>
-            </a:pPr>
-            <a:endParaRPr lang="en-US" dirty="0"/>
-          </a:p>
-          <a:p>
-            <a:pPr marL="0" indent="0"/>
-            <a:r>
-              <a:rPr lang="en-US" dirty="0" smtClean="0"/>
-              <a:t>Bonus!</a:t>
-            </a:r>
-          </a:p>
-          <a:p>
-            <a:pPr>
-              <a:buFont typeface="+mj-lt"/>
-              <a:buAutoNum type="arabicPeriod"/>
-            </a:pPr>
-            <a:r>
-              <a:rPr lang="en-US" dirty="0" smtClean="0"/>
-              <a:t>Utilize Handlebars for server-side </a:t>
-            </a:r>
-            <a:r>
-              <a:rPr lang="en-US" dirty="0" err="1" smtClean="0"/>
-              <a:t>templating</a:t>
-            </a:r>
-            <a:endParaRPr lang="en-US" dirty="0" smtClean="0"/>
-          </a:p>
-          <a:p>
-            <a:pPr>
-              <a:buFont typeface="+mj-lt"/>
-              <a:buAutoNum type="arabicPeriod"/>
-            </a:pPr>
-            <a:r>
-              <a:rPr lang="en-US" dirty="0" smtClean="0"/>
-              <a:t>Incorporate authentication</a:t>
-            </a:r>
-          </a:p>
-          <a:p>
-            <a:pPr>
-              <a:buFont typeface="+mj-lt"/>
-              <a:buAutoNum type="arabicPeriod"/>
-            </a:pPr>
-            <a:r>
-              <a:rPr lang="en-US" dirty="0" smtClean="0"/>
-              <a:t>Use an existing public dataset to power the database</a:t>
-            </a:r>
-          </a:p>
-          <a:p>
-            <a:pPr>
-              <a:buFont typeface="+mj-lt"/>
-              <a:buAutoNum type="arabicPeriod"/>
-            </a:pPr>
-            <a:r>
-              <a:rPr lang="en-US" dirty="0" smtClean="0"/>
-              <a:t>Create a migration strategy for sharing data among the team</a:t>
-            </a:r>
-          </a:p>
-          <a:p>
-            <a:pPr>
-              <a:buFont typeface="+mj-lt"/>
-              <a:buAutoNum type="arabicPeriod"/>
-            </a:pPr>
-            <a:endParaRPr lang="en-US" dirty="0"/>
-          </a:p>
-        </p:txBody>
-      </p:sp>
-    </p:spTree>
-    <p:extLst>
-      <p:ext uri="{BB962C8B-B14F-4D97-AF65-F5344CB8AC3E}">
-        <p14:creationId xmlns:p14="http://schemas.microsoft.com/office/powerpoint/2010/main" val="2361404160"/>
-      </p:ext>
-    </p:extLst>
-  </p:cSld>
-  <p:clrMapOvr>
-    <a:masterClrMapping/>
-  </p:clrMapOvr>
-  <p:timing>
-    <p:tnLst>
-      <p:par>
-        <p:cTn xmlns:p14="http://schemas.microsoft.com/office/powerpoint/2010/main" id="1" dur="indefinite" restart="never" nodeType="tmRoot"/>
-      </p:par>
-    </p:tnLst>
-  </p:timing>
-</p:sld>
-</file>
-
-<file path=ppt/slides/slide7.xml><?xml version="1.0" encoding="utf-8"?>
-<p:sld xmlns:a="http://schemas.openxmlformats.org/drawingml/2006/main" xmlns:r="http://schemas.openxmlformats.org/officeDocument/2006/relationships" xmlns:p="http://schemas.openxmlformats.org/presentationml/2006/main">
-  <p:cSld>
-    <p:spTree>
-      <p:nvGrpSpPr>
-        <p:cNvPr id="1" name=""/>
-        <p:cNvGrpSpPr/>
-        <p:nvPr/>
-      </p:nvGrpSpPr>
-      <p:grpSpPr>
-        <a:xfrm>
-          <a:off x="0" y="0"/>
-          <a:ext cx="0" cy="0"/>
-          <a:chOff x="0" y="0"/>
-          <a:chExt cx="0" cy="0"/>
-        </a:xfrm>
-      </p:grpSpPr>
-      <p:pic>
-        <p:nvPicPr>
-          <p:cNvPr id="2" name="Picture 1"/>
+          <p:cNvPr id="3" name="Picture 2"/>
           <p:cNvPicPr>
             <a:picLocks noChangeAspect="1"/>
           </p:cNvPicPr>
@@ -8039,8 +5765,8 @@
         </p:blipFill>
         <p:spPr>
           <a:xfrm>
-            <a:off x="446594" y="345206"/>
-            <a:ext cx="6545821" cy="8401851"/>
+            <a:off x="0" y="9241612"/>
+            <a:ext cx="7772400" cy="816788"/>
           </a:xfrm>
           <a:prstGeom prst="rect">
             <a:avLst/>
@@ -8049,734 +5775,2658 @@
       </p:pic>
       <p:sp>
         <p:nvSpPr>
-          <p:cNvPr id="3" name="Rounded Rectangle 2"/>
-          <p:cNvSpPr/>
+          <p:cNvPr id="4" name="Title 1"/>
+          <p:cNvSpPr txBox="1">
+            <a:spLocks/>
+          </p:cNvSpPr>
           <p:nvPr/>
         </p:nvSpPr>
         <p:spPr>
           <a:xfrm>
-            <a:off x="893650" y="1928579"/>
-            <a:ext cx="5534356" cy="6818478"/>
-          </a:xfrm>
-          <a:prstGeom prst="roundRect">
-            <a:avLst/>
-          </a:prstGeom>
-          <a:solidFill>
-            <a:srgbClr val="FFFFFF"/>
-          </a:solidFill>
-          <a:ln>
-            <a:solidFill>
-              <a:srgbClr val="FFFFFF"/>
-            </a:solidFill>
-          </a:ln>
-          <a:effectLst/>
-        </p:spPr>
-        <p:style>
-          <a:lnRef idx="1">
-            <a:schemeClr val="accent1"/>
-          </a:lnRef>
-          <a:fillRef idx="3">
-            <a:schemeClr val="accent1"/>
-          </a:fillRef>
-          <a:effectRef idx="2">
-            <a:schemeClr val="accent1"/>
-          </a:effectRef>
-          <a:fontRef idx="minor">
-            <a:schemeClr val="lt1"/>
-          </a:fontRef>
-        </p:style>
-        <p:txBody>
-          <a:bodyPr rtlCol="0" anchor="ctr"/>
-          <a:lstStyle/>
-          <a:p>
-            <a:pPr algn="ctr"/>
-            <a:endParaRPr lang="en-US"/>
-          </a:p>
-        </p:txBody>
-      </p:sp>
-      <p:pic>
-        <p:nvPicPr>
-          <p:cNvPr id="12" name="Picture 11" descr="suitcase_bangkok.png"/>
-          <p:cNvPicPr>
-            <a:picLocks noChangeAspect="1"/>
-          </p:cNvPicPr>
-          <p:nvPr/>
-        </p:nvPicPr>
-        <p:blipFill rotWithShape="1">
-          <a:blip r:embed="rId3">
-            <a:extLst>
-              <a:ext uri="{28A0092B-C50C-407E-A947-70E740481C1C}">
-                <a14:useLocalDpi xmlns:a14="http://schemas.microsoft.com/office/drawing/2010/main" val="0"/>
-              </a:ext>
-            </a:extLst>
-          </a:blip>
-          <a:srcRect/>
-          <a:stretch/>
-        </p:blipFill>
-        <p:spPr>
-          <a:xfrm>
-            <a:off x="1225694" y="1928579"/>
-            <a:ext cx="1944258" cy="1944258"/>
+            <a:off x="510224" y="227487"/>
+            <a:ext cx="6723608" cy="804672"/>
           </a:xfrm>
           <a:prstGeom prst="rect">
             <a:avLst/>
           </a:prstGeom>
         </p:spPr>
-      </p:pic>
-      <p:pic>
-        <p:nvPicPr>
-          <p:cNvPr id="13" name="Picture 12" descr="suitcase_chicago.png"/>
-          <p:cNvPicPr>
-            <a:picLocks noChangeAspect="1"/>
-          </p:cNvPicPr>
-          <p:nvPr/>
-        </p:nvPicPr>
-        <p:blipFill>
-          <a:blip r:embed="rId4">
-            <a:extLst>
-              <a:ext uri="{28A0092B-C50C-407E-A947-70E740481C1C}">
-                <a14:useLocalDpi xmlns:a14="http://schemas.microsoft.com/office/drawing/2010/main" val="0"/>
-              </a:ext>
-            </a:extLst>
-          </a:blip>
-          <a:stretch>
-            <a:fillRect/>
-          </a:stretch>
-        </p:blipFill>
-        <p:spPr>
-          <a:xfrm>
-            <a:off x="4123331" y="1928579"/>
-            <a:ext cx="1959758" cy="1959758"/>
-          </a:xfrm>
-          <a:prstGeom prst="rect">
-            <a:avLst/>
-          </a:prstGeom>
-        </p:spPr>
-      </p:pic>
-      <p:pic>
-        <p:nvPicPr>
-          <p:cNvPr id="14" name="Picture 13" descr="suitcase_chicago.png"/>
-          <p:cNvPicPr>
-            <a:picLocks noChangeAspect="1"/>
-          </p:cNvPicPr>
-          <p:nvPr/>
-        </p:nvPicPr>
-        <p:blipFill>
-          <a:blip r:embed="rId4">
-            <a:extLst>
-              <a:ext uri="{28A0092B-C50C-407E-A947-70E740481C1C}">
-                <a14:useLocalDpi xmlns:a14="http://schemas.microsoft.com/office/drawing/2010/main" val="0"/>
-              </a:ext>
-            </a:extLst>
-          </a:blip>
-          <a:stretch>
-            <a:fillRect/>
-          </a:stretch>
-        </p:blipFill>
-        <p:spPr>
-          <a:xfrm>
-            <a:off x="1225694" y="4112979"/>
-            <a:ext cx="1959758" cy="1959758"/>
-          </a:xfrm>
-          <a:prstGeom prst="rect">
-            <a:avLst/>
-          </a:prstGeom>
-        </p:spPr>
-      </p:pic>
-      <p:pic>
-        <p:nvPicPr>
-          <p:cNvPr id="15" name="Picture 14" descr="suitcase_bangkok.png"/>
-          <p:cNvPicPr>
-            <a:picLocks noChangeAspect="1"/>
-          </p:cNvPicPr>
-          <p:nvPr/>
-        </p:nvPicPr>
-        <p:blipFill rotWithShape="1">
-          <a:blip r:embed="rId3">
-            <a:extLst>
-              <a:ext uri="{28A0092B-C50C-407E-A947-70E740481C1C}">
-                <a14:useLocalDpi xmlns:a14="http://schemas.microsoft.com/office/drawing/2010/main" val="0"/>
-              </a:ext>
-            </a:extLst>
-          </a:blip>
-          <a:srcRect/>
-          <a:stretch/>
-        </p:blipFill>
-        <p:spPr>
-          <a:xfrm>
-            <a:off x="4123331" y="4128479"/>
-            <a:ext cx="1944258" cy="1944258"/>
-          </a:xfrm>
-          <a:prstGeom prst="rect">
-            <a:avLst/>
-          </a:prstGeom>
-        </p:spPr>
-      </p:pic>
+        <p:txBody>
+          <a:bodyPr/>
+          <a:lstStyle>
+            <a:lvl1pPr algn="l" defTabSz="914400" rtl="0" eaLnBrk="1" latinLnBrk="0" hangingPunct="1">
+              <a:spcBef>
+                <a:spcPct val="0"/>
+              </a:spcBef>
+              <a:buNone/>
+              <a:defRPr sz="2800" kern="1200" cap="all" baseline="0">
+                <a:solidFill>
+                  <a:schemeClr val="tx1"/>
+                </a:solidFill>
+                <a:latin typeface="+mj-lt"/>
+                <a:ea typeface="+mj-ea"/>
+                <a:cs typeface="+mj-cs"/>
+              </a:defRPr>
+            </a:lvl1pPr>
+          </a:lstStyle>
+          <a:p>
+            <a:r>
+              <a:rPr lang="en-US" sz="4400" cap="none" dirty="0" smtClean="0">
+                <a:latin typeface="La Cithare"/>
+                <a:cs typeface="La Cithare"/>
+              </a:rPr>
+              <a:t>Schedule!</a:t>
+            </a:r>
+            <a:r>
+              <a:rPr lang="mr-IN" dirty="0" smtClean="0"/>
+              <a:t>–</a:t>
+            </a:r>
+            <a:r>
+              <a:rPr lang="en-US" dirty="0" smtClean="0"/>
+              <a:t> </a:t>
+            </a:r>
+            <a:r>
+              <a:rPr lang="en-US" sz="2000" dirty="0" smtClean="0"/>
+              <a:t>outline of deadlines</a:t>
+            </a:r>
+            <a:endParaRPr lang="en-US" sz="2000" dirty="0"/>
+          </a:p>
+        </p:txBody>
+      </p:sp>
+      <p:graphicFrame>
+        <p:nvGraphicFramePr>
+          <p:cNvPr id="5" name="Table 4"/>
+          <p:cNvGraphicFramePr>
+            <a:graphicFrameLocks noGrp="1"/>
+          </p:cNvGraphicFramePr>
+          <p:nvPr>
+            <p:extLst>
+              <p:ext uri="{D42A27DB-BD31-4B8C-83A1-F6EECF244321}">
+                <p14:modId xmlns:p14="http://schemas.microsoft.com/office/powerpoint/2010/main" val="3473523577"/>
+              </p:ext>
+            </p:extLst>
+          </p:nvPr>
+        </p:nvGraphicFramePr>
+        <p:xfrm>
+          <a:off x="510224" y="1323056"/>
+          <a:ext cx="6930392" cy="7292748"/>
+        </p:xfrm>
+        <a:graphic>
+          <a:graphicData uri="http://schemas.openxmlformats.org/drawingml/2006/table">
+            <a:tbl>
+              <a:tblPr firstRow="1" bandRow="1">
+                <a:tableStyleId>{9D7B26C5-4107-4FEC-AEDC-1716B250A1EF}</a:tableStyleId>
+              </a:tblPr>
+              <a:tblGrid>
+                <a:gridCol w="990056"/>
+                <a:gridCol w="990056"/>
+                <a:gridCol w="990056"/>
+                <a:gridCol w="990056"/>
+                <a:gridCol w="990056"/>
+                <a:gridCol w="990056"/>
+                <a:gridCol w="990056"/>
+              </a:tblGrid>
+              <a:tr h="286542">
+                <a:tc>
+                  <a:txBody>
+                    <a:bodyPr/>
+                    <a:lstStyle/>
+                    <a:p>
+                      <a:pPr algn="ctr"/>
+                      <a:r>
+                        <a:rPr lang="en-US" sz="1200" dirty="0" smtClean="0">
+                          <a:solidFill>
+                            <a:schemeClr val="bg1"/>
+                          </a:solidFill>
+                        </a:rPr>
+                        <a:t>Monday</a:t>
+                      </a:r>
+                      <a:endParaRPr lang="en-US" sz="1200" dirty="0">
+                        <a:solidFill>
+                          <a:schemeClr val="bg1"/>
+                        </a:solidFill>
+                      </a:endParaRPr>
+                    </a:p>
+                  </a:txBody>
+                  <a:tcPr anchor="ctr">
+                    <a:solidFill>
+                      <a:schemeClr val="accent1"/>
+                    </a:solidFill>
+                  </a:tcPr>
+                </a:tc>
+                <a:tc>
+                  <a:txBody>
+                    <a:bodyPr/>
+                    <a:lstStyle/>
+                    <a:p>
+                      <a:pPr algn="ctr"/>
+                      <a:r>
+                        <a:rPr lang="en-US" sz="1200" dirty="0" smtClean="0">
+                          <a:solidFill>
+                            <a:schemeClr val="bg1"/>
+                          </a:solidFill>
+                        </a:rPr>
+                        <a:t>Tuesday</a:t>
+                      </a:r>
+                      <a:endParaRPr lang="en-US" sz="1200" dirty="0">
+                        <a:solidFill>
+                          <a:schemeClr val="bg1"/>
+                        </a:solidFill>
+                      </a:endParaRPr>
+                    </a:p>
+                  </a:txBody>
+                  <a:tcPr anchor="ctr">
+                    <a:solidFill>
+                      <a:schemeClr val="accent1"/>
+                    </a:solidFill>
+                  </a:tcPr>
+                </a:tc>
+                <a:tc>
+                  <a:txBody>
+                    <a:bodyPr/>
+                    <a:lstStyle/>
+                    <a:p>
+                      <a:pPr algn="ctr"/>
+                      <a:r>
+                        <a:rPr lang="en-US" sz="1200" dirty="0" smtClean="0">
+                          <a:solidFill>
+                            <a:schemeClr val="bg1"/>
+                          </a:solidFill>
+                        </a:rPr>
+                        <a:t>Wednesday</a:t>
+                      </a:r>
+                      <a:endParaRPr lang="en-US" sz="1200" dirty="0">
+                        <a:solidFill>
+                          <a:schemeClr val="bg1"/>
+                        </a:solidFill>
+                      </a:endParaRPr>
+                    </a:p>
+                  </a:txBody>
+                  <a:tcPr anchor="ctr">
+                    <a:solidFill>
+                      <a:schemeClr val="accent1"/>
+                    </a:solidFill>
+                  </a:tcPr>
+                </a:tc>
+                <a:tc>
+                  <a:txBody>
+                    <a:bodyPr/>
+                    <a:lstStyle/>
+                    <a:p>
+                      <a:pPr algn="ctr"/>
+                      <a:r>
+                        <a:rPr lang="en-US" sz="1200" dirty="0" smtClean="0">
+                          <a:solidFill>
+                            <a:schemeClr val="bg1"/>
+                          </a:solidFill>
+                        </a:rPr>
+                        <a:t>Thursday</a:t>
+                      </a:r>
+                      <a:endParaRPr lang="en-US" sz="1200" dirty="0">
+                        <a:solidFill>
+                          <a:schemeClr val="bg1"/>
+                        </a:solidFill>
+                      </a:endParaRPr>
+                    </a:p>
+                  </a:txBody>
+                  <a:tcPr anchor="ctr">
+                    <a:solidFill>
+                      <a:schemeClr val="accent1"/>
+                    </a:solidFill>
+                  </a:tcPr>
+                </a:tc>
+                <a:tc>
+                  <a:txBody>
+                    <a:bodyPr/>
+                    <a:lstStyle/>
+                    <a:p>
+                      <a:pPr algn="ctr"/>
+                      <a:r>
+                        <a:rPr lang="en-US" sz="1200" dirty="0" smtClean="0">
+                          <a:solidFill>
+                            <a:schemeClr val="bg1"/>
+                          </a:solidFill>
+                        </a:rPr>
+                        <a:t>Friday</a:t>
+                      </a:r>
+                      <a:endParaRPr lang="en-US" sz="1200" dirty="0">
+                        <a:solidFill>
+                          <a:schemeClr val="bg1"/>
+                        </a:solidFill>
+                      </a:endParaRPr>
+                    </a:p>
+                  </a:txBody>
+                  <a:tcPr anchor="ctr">
+                    <a:solidFill>
+                      <a:schemeClr val="accent1"/>
+                    </a:solidFill>
+                  </a:tcPr>
+                </a:tc>
+                <a:tc>
+                  <a:txBody>
+                    <a:bodyPr/>
+                    <a:lstStyle/>
+                    <a:p>
+                      <a:pPr algn="ctr"/>
+                      <a:r>
+                        <a:rPr lang="en-US" sz="1200" dirty="0" smtClean="0">
+                          <a:solidFill>
+                            <a:schemeClr val="bg1"/>
+                          </a:solidFill>
+                        </a:rPr>
+                        <a:t>Saturday</a:t>
+                      </a:r>
+                      <a:endParaRPr lang="en-US" sz="1200" dirty="0">
+                        <a:solidFill>
+                          <a:schemeClr val="bg1"/>
+                        </a:solidFill>
+                      </a:endParaRPr>
+                    </a:p>
+                  </a:txBody>
+                  <a:tcPr anchor="ctr">
+                    <a:solidFill>
+                      <a:schemeClr val="accent1"/>
+                    </a:solidFill>
+                  </a:tcPr>
+                </a:tc>
+                <a:tc>
+                  <a:txBody>
+                    <a:bodyPr/>
+                    <a:lstStyle/>
+                    <a:p>
+                      <a:pPr algn="ctr"/>
+                      <a:r>
+                        <a:rPr lang="en-US" sz="1200" dirty="0" smtClean="0">
+                          <a:solidFill>
+                            <a:schemeClr val="bg1"/>
+                          </a:solidFill>
+                        </a:rPr>
+                        <a:t>Sunday</a:t>
+                      </a:r>
+                      <a:endParaRPr lang="en-US" sz="1200" dirty="0">
+                        <a:solidFill>
+                          <a:schemeClr val="bg1"/>
+                        </a:solidFill>
+                      </a:endParaRPr>
+                    </a:p>
+                  </a:txBody>
+                  <a:tcPr anchor="ctr">
+                    <a:solidFill>
+                      <a:schemeClr val="accent1"/>
+                    </a:solidFill>
+                  </a:tcPr>
+                </a:tc>
+              </a:tr>
+              <a:tr h="209821">
+                <a:tc>
+                  <a:txBody>
+                    <a:bodyPr/>
+                    <a:lstStyle/>
+                    <a:p>
+                      <a:r>
+                        <a:rPr lang="en-US" sz="900" dirty="0" smtClean="0"/>
+                        <a:t>Week 1</a:t>
+                      </a:r>
+                      <a:endParaRPr lang="en-US" sz="900" dirty="0"/>
+                    </a:p>
+                  </a:txBody>
+                  <a:tcPr/>
+                </a:tc>
+                <a:tc>
+                  <a:txBody>
+                    <a:bodyPr/>
+                    <a:lstStyle/>
+                    <a:p>
+                      <a:endParaRPr lang="en-US" sz="900" dirty="0">
+                        <a:latin typeface="+mn-lt"/>
+                        <a:cs typeface="Arial"/>
+                      </a:endParaRPr>
+                    </a:p>
+                  </a:txBody>
+                  <a:tcPr/>
+                </a:tc>
+                <a:tc>
+                  <a:txBody>
+                    <a:bodyPr/>
+                    <a:lstStyle/>
+                    <a:p>
+                      <a:endParaRPr lang="en-US" sz="900" dirty="0">
+                        <a:latin typeface="+mn-lt"/>
+                        <a:cs typeface="Arial"/>
+                      </a:endParaRPr>
+                    </a:p>
+                  </a:txBody>
+                  <a:tcPr/>
+                </a:tc>
+                <a:tc>
+                  <a:txBody>
+                    <a:bodyPr/>
+                    <a:lstStyle/>
+                    <a:p>
+                      <a:endParaRPr lang="en-US" sz="900">
+                        <a:latin typeface="+mn-lt"/>
+                        <a:cs typeface="Arial"/>
+                      </a:endParaRPr>
+                    </a:p>
+                  </a:txBody>
+                  <a:tcPr/>
+                </a:tc>
+                <a:tc>
+                  <a:txBody>
+                    <a:bodyPr/>
+                    <a:lstStyle/>
+                    <a:p>
+                      <a:endParaRPr lang="en-US" sz="900">
+                        <a:latin typeface="+mn-lt"/>
+                        <a:cs typeface="Arial"/>
+                      </a:endParaRPr>
+                    </a:p>
+                  </a:txBody>
+                  <a:tcPr/>
+                </a:tc>
+                <a:tc>
+                  <a:txBody>
+                    <a:bodyPr/>
+                    <a:lstStyle/>
+                    <a:p>
+                      <a:endParaRPr lang="en-US" sz="900">
+                        <a:latin typeface="+mn-lt"/>
+                        <a:cs typeface="Arial"/>
+                      </a:endParaRPr>
+                    </a:p>
+                  </a:txBody>
+                  <a:tcPr/>
+                </a:tc>
+                <a:tc>
+                  <a:txBody>
+                    <a:bodyPr/>
+                    <a:lstStyle/>
+                    <a:p>
+                      <a:endParaRPr lang="en-US" sz="900" dirty="0">
+                        <a:latin typeface="+mn-lt"/>
+                        <a:cs typeface="Arial"/>
+                      </a:endParaRPr>
+                    </a:p>
+                  </a:txBody>
+                  <a:tcPr/>
+                </a:tc>
+              </a:tr>
+              <a:tr h="620005">
+                <a:tc>
+                  <a:txBody>
+                    <a:bodyPr/>
+                    <a:lstStyle/>
+                    <a:p>
+                      <a:r>
+                        <a:rPr lang="en-US" sz="900" dirty="0" smtClean="0"/>
+                        <a:t>11</a:t>
+                      </a:r>
+                    </a:p>
+                  </a:txBody>
+                  <a:tcPr/>
+                </a:tc>
+                <a:tc>
+                  <a:txBody>
+                    <a:bodyPr/>
+                    <a:lstStyle/>
+                    <a:p>
+                      <a:r>
+                        <a:rPr lang="en-US" sz="900" baseline="0" dirty="0" smtClean="0">
+                          <a:latin typeface="+mn-lt"/>
+                          <a:cs typeface="Arial"/>
+                        </a:rPr>
+                        <a:t>12</a:t>
+                      </a:r>
+                    </a:p>
+                  </a:txBody>
+                  <a:tcPr/>
+                </a:tc>
+                <a:tc>
+                  <a:txBody>
+                    <a:bodyPr/>
+                    <a:lstStyle/>
+                    <a:p>
+                      <a:r>
+                        <a:rPr lang="en-US" sz="900" dirty="0" smtClean="0"/>
+                        <a:t>13</a:t>
+                      </a:r>
+                    </a:p>
+                  </a:txBody>
+                  <a:tcPr/>
+                </a:tc>
+                <a:tc>
+                  <a:txBody>
+                    <a:bodyPr/>
+                    <a:lstStyle/>
+                    <a:p>
+                      <a:r>
+                        <a:rPr lang="en-US" sz="900" baseline="0" dirty="0" smtClean="0">
+                          <a:latin typeface="+mn-lt"/>
+                          <a:cs typeface="Arial"/>
+                        </a:rPr>
+                        <a:t>14</a:t>
+                      </a:r>
+                    </a:p>
+                    <a:p>
+                      <a:r>
+                        <a:rPr lang="en-US" sz="900" baseline="0" dirty="0" err="1" smtClean="0">
+                          <a:latin typeface="+mn-lt"/>
+                          <a:cs typeface="Arial"/>
+                        </a:rPr>
+                        <a:t>Xander</a:t>
+                      </a:r>
+                      <a:r>
+                        <a:rPr lang="en-US" sz="900" baseline="0" dirty="0" smtClean="0">
+                          <a:latin typeface="+mn-lt"/>
+                          <a:cs typeface="Arial"/>
+                        </a:rPr>
+                        <a:t> &amp; B </a:t>
+                      </a:r>
+                      <a:r>
+                        <a:rPr lang="mr-IN" sz="900" baseline="0" dirty="0" smtClean="0">
+                          <a:latin typeface="+mn-lt"/>
+                          <a:cs typeface="Arial"/>
+                        </a:rPr>
+                        <a:t>–</a:t>
+                      </a:r>
+                      <a:r>
+                        <a:rPr lang="en-US" sz="900" baseline="0" dirty="0" smtClean="0">
+                          <a:latin typeface="+mn-lt"/>
+                          <a:cs typeface="Arial"/>
+                        </a:rPr>
+                        <a:t> Pages in </a:t>
+                      </a:r>
+                      <a:r>
+                        <a:rPr lang="en-US" sz="900" baseline="0" dirty="0" err="1" smtClean="0">
+                          <a:latin typeface="+mn-lt"/>
+                          <a:cs typeface="Arial"/>
+                        </a:rPr>
+                        <a:t>recat</a:t>
+                      </a:r>
+                      <a:endParaRPr lang="en-US" sz="900" baseline="0" dirty="0" smtClean="0">
+                        <a:latin typeface="+mn-lt"/>
+                        <a:cs typeface="Arial"/>
+                      </a:endParaRPr>
+                    </a:p>
+                    <a:p>
+                      <a:endParaRPr lang="en-US" sz="900" baseline="0" dirty="0" smtClean="0">
+                        <a:solidFill>
+                          <a:srgbClr val="B050D7"/>
+                        </a:solidFill>
+                        <a:latin typeface="+mn-lt"/>
+                        <a:cs typeface="Arial"/>
+                      </a:endParaRPr>
+                    </a:p>
+                    <a:p>
+                      <a:pPr marL="0" marR="0" indent="0" algn="l" defTabSz="914400" rtl="0" eaLnBrk="1" fontAlgn="auto" latinLnBrk="0" hangingPunct="1">
+                        <a:lnSpc>
+                          <a:spcPct val="100000"/>
+                        </a:lnSpc>
+                        <a:spcBef>
+                          <a:spcPts val="0"/>
+                        </a:spcBef>
+                        <a:spcAft>
+                          <a:spcPts val="0"/>
+                        </a:spcAft>
+                        <a:buClrTx/>
+                        <a:buSzTx/>
+                        <a:buFontTx/>
+                        <a:buNone/>
+                        <a:tabLst/>
+                        <a:defRPr/>
+                      </a:pPr>
+                      <a:r>
+                        <a:rPr lang="en-US" sz="900" dirty="0" smtClean="0">
+                          <a:solidFill>
+                            <a:srgbClr val="B050D7"/>
+                          </a:solidFill>
+                          <a:latin typeface="+mn-lt"/>
+                          <a:cs typeface="Arial"/>
+                        </a:rPr>
+                        <a:t>MEET-UP</a:t>
+                      </a:r>
+                      <a:endParaRPr lang="en-US" sz="900" baseline="0" dirty="0" smtClean="0">
+                        <a:solidFill>
+                          <a:srgbClr val="B050D7"/>
+                        </a:solidFill>
+                        <a:latin typeface="+mn-lt"/>
+                        <a:cs typeface="Arial"/>
+                      </a:endParaRPr>
+                    </a:p>
+                    <a:p>
+                      <a:r>
+                        <a:rPr lang="en-US" sz="900" baseline="0" dirty="0" smtClean="0">
+                          <a:solidFill>
+                            <a:srgbClr val="B050D7"/>
+                          </a:solidFill>
+                          <a:latin typeface="+mn-lt"/>
+                          <a:cs typeface="Arial"/>
+                        </a:rPr>
+                        <a:t>5:30p </a:t>
+                      </a:r>
+                      <a:r>
+                        <a:rPr lang="mr-IN" sz="900" baseline="0" dirty="0" smtClean="0">
+                          <a:solidFill>
+                            <a:srgbClr val="B050D7"/>
+                          </a:solidFill>
+                          <a:latin typeface="+mn-lt"/>
+                          <a:cs typeface="Arial"/>
+                        </a:rPr>
+                        <a:t>–</a:t>
+                      </a:r>
+                      <a:r>
+                        <a:rPr lang="en-US" sz="900" baseline="0" dirty="0" smtClean="0">
+                          <a:solidFill>
+                            <a:srgbClr val="B050D7"/>
+                          </a:solidFill>
+                          <a:latin typeface="+mn-lt"/>
+                          <a:cs typeface="Arial"/>
+                        </a:rPr>
+                        <a:t> 9:30p</a:t>
+                      </a:r>
+                    </a:p>
+                    <a:p>
+                      <a:r>
+                        <a:rPr lang="en-US" sz="900" baseline="0" dirty="0" smtClean="0">
+                          <a:solidFill>
+                            <a:srgbClr val="B050D7"/>
+                          </a:solidFill>
+                          <a:latin typeface="+mn-lt"/>
+                          <a:cs typeface="Arial"/>
+                        </a:rPr>
+                        <a:t>Assign tasks and prepare plan</a:t>
+                      </a:r>
+                    </a:p>
+                  </a:txBody>
+                  <a:tcPr/>
+                </a:tc>
+                <a:tc>
+                  <a:txBody>
+                    <a:bodyPr/>
+                    <a:lstStyle/>
+                    <a:p>
+                      <a:r>
+                        <a:rPr lang="en-US" sz="900" dirty="0" smtClean="0"/>
+                        <a:t>15</a:t>
+                      </a:r>
+                      <a:endParaRPr lang="en-US" sz="900" dirty="0"/>
+                    </a:p>
+                  </a:txBody>
+                  <a:tcPr/>
+                </a:tc>
+                <a:tc>
+                  <a:txBody>
+                    <a:bodyPr/>
+                    <a:lstStyle/>
+                    <a:p>
+                      <a:r>
+                        <a:rPr lang="en-US" sz="900" dirty="0" smtClean="0"/>
+                        <a:t>16</a:t>
+                      </a:r>
+                    </a:p>
+                    <a:p>
+                      <a:r>
+                        <a:rPr lang="en-US" sz="900" dirty="0" smtClean="0"/>
+                        <a:t>B </a:t>
+                      </a:r>
+                      <a:r>
+                        <a:rPr lang="mr-IN" sz="900" dirty="0" smtClean="0"/>
+                        <a:t>–</a:t>
+                      </a:r>
+                      <a:r>
+                        <a:rPr lang="en-US" sz="900" dirty="0" smtClean="0"/>
+                        <a:t> typed Plan</a:t>
+                      </a:r>
+                      <a:endParaRPr lang="en-US" sz="900" dirty="0"/>
+                    </a:p>
+                  </a:txBody>
+                  <a:tcPr/>
+                </a:tc>
+                <a:tc>
+                  <a:txBody>
+                    <a:bodyPr/>
+                    <a:lstStyle/>
+                    <a:p>
+                      <a:r>
+                        <a:rPr lang="en-US" sz="900" dirty="0" smtClean="0"/>
+                        <a:t>17</a:t>
+                      </a:r>
+                    </a:p>
+                    <a:p>
+                      <a:pPr marL="0" marR="0" indent="0" algn="l" defTabSz="914400" rtl="0" eaLnBrk="1" fontAlgn="auto" latinLnBrk="0" hangingPunct="1">
+                        <a:lnSpc>
+                          <a:spcPct val="100000"/>
+                        </a:lnSpc>
+                        <a:spcBef>
+                          <a:spcPts val="0"/>
+                        </a:spcBef>
+                        <a:spcAft>
+                          <a:spcPts val="0"/>
+                        </a:spcAft>
+                        <a:buClrTx/>
+                        <a:buSzTx/>
+                        <a:buFontTx/>
+                        <a:buNone/>
+                        <a:tabLst/>
+                        <a:defRPr/>
+                      </a:pPr>
+                      <a:r>
+                        <a:rPr lang="en-US" sz="900" dirty="0" smtClean="0">
+                          <a:solidFill>
+                            <a:schemeClr val="accent2">
+                              <a:lumMod val="50000"/>
+                              <a:lumOff val="50000"/>
+                            </a:schemeClr>
+                          </a:solidFill>
+                          <a:latin typeface="+mn-lt"/>
+                          <a:cs typeface="Arial"/>
+                        </a:rPr>
+                        <a:t>MEET-UP</a:t>
+                      </a:r>
+                      <a:endParaRPr lang="en-US" sz="900" baseline="0" dirty="0" smtClean="0">
+                        <a:solidFill>
+                          <a:schemeClr val="accent2">
+                            <a:lumMod val="50000"/>
+                            <a:lumOff val="50000"/>
+                          </a:schemeClr>
+                        </a:solidFill>
+                        <a:latin typeface="+mn-lt"/>
+                        <a:cs typeface="Arial"/>
+                      </a:endParaRPr>
+                    </a:p>
+                    <a:p>
+                      <a:r>
+                        <a:rPr lang="en-US" sz="900" baseline="0" dirty="0" smtClean="0">
+                          <a:solidFill>
+                            <a:schemeClr val="accent2">
+                              <a:lumMod val="50000"/>
+                              <a:lumOff val="50000"/>
+                            </a:schemeClr>
+                          </a:solidFill>
+                          <a:latin typeface="+mn-lt"/>
+                          <a:cs typeface="Arial"/>
+                        </a:rPr>
+                        <a:t>2:30p </a:t>
+                      </a:r>
+                      <a:r>
+                        <a:rPr lang="mr-IN" sz="900" baseline="0" dirty="0" smtClean="0">
+                          <a:solidFill>
+                            <a:schemeClr val="accent2">
+                              <a:lumMod val="50000"/>
+                              <a:lumOff val="50000"/>
+                            </a:schemeClr>
+                          </a:solidFill>
+                          <a:latin typeface="+mn-lt"/>
+                          <a:cs typeface="Arial"/>
+                        </a:rPr>
+                        <a:t>–</a:t>
+                      </a:r>
+                      <a:r>
+                        <a:rPr lang="en-US" sz="900" baseline="0" dirty="0" smtClean="0">
+                          <a:solidFill>
+                            <a:schemeClr val="accent2">
+                              <a:lumMod val="50000"/>
+                              <a:lumOff val="50000"/>
+                            </a:schemeClr>
+                          </a:solidFill>
+                          <a:latin typeface="+mn-lt"/>
+                          <a:cs typeface="Arial"/>
+                        </a:rPr>
+                        <a:t> 3:30p</a:t>
+                      </a:r>
+                    </a:p>
+                    <a:p>
+                      <a:endParaRPr lang="en-US" sz="900" dirty="0" smtClean="0"/>
+                    </a:p>
+                  </a:txBody>
+                  <a:tcPr/>
+                </a:tc>
+              </a:tr>
+              <a:tr h="209821">
+                <a:tc>
+                  <a:txBody>
+                    <a:bodyPr/>
+                    <a:lstStyle/>
+                    <a:p>
+                      <a:r>
+                        <a:rPr lang="en-US" sz="900" dirty="0" smtClean="0"/>
+                        <a:t>Week 2</a:t>
+                      </a:r>
+                      <a:endParaRPr lang="en-US" sz="900" dirty="0"/>
+                    </a:p>
+                  </a:txBody>
+                  <a:tcPr/>
+                </a:tc>
+                <a:tc>
+                  <a:txBody>
+                    <a:bodyPr/>
+                    <a:lstStyle/>
+                    <a:p>
+                      <a:endParaRPr lang="en-US" sz="900">
+                        <a:latin typeface="+mn-lt"/>
+                        <a:cs typeface="Arial"/>
+                      </a:endParaRPr>
+                    </a:p>
+                  </a:txBody>
+                  <a:tcPr/>
+                </a:tc>
+                <a:tc>
+                  <a:txBody>
+                    <a:bodyPr/>
+                    <a:lstStyle/>
+                    <a:p>
+                      <a:endParaRPr lang="en-US" sz="900">
+                        <a:latin typeface="+mn-lt"/>
+                        <a:cs typeface="Arial"/>
+                      </a:endParaRPr>
+                    </a:p>
+                  </a:txBody>
+                  <a:tcPr/>
+                </a:tc>
+                <a:tc>
+                  <a:txBody>
+                    <a:bodyPr/>
+                    <a:lstStyle/>
+                    <a:p>
+                      <a:endParaRPr lang="en-US" sz="900" dirty="0">
+                        <a:latin typeface="+mn-lt"/>
+                        <a:cs typeface="Arial"/>
+                      </a:endParaRPr>
+                    </a:p>
+                  </a:txBody>
+                  <a:tcPr/>
+                </a:tc>
+                <a:tc>
+                  <a:txBody>
+                    <a:bodyPr/>
+                    <a:lstStyle/>
+                    <a:p>
+                      <a:endParaRPr lang="en-US" sz="900">
+                        <a:latin typeface="+mn-lt"/>
+                        <a:cs typeface="Arial"/>
+                      </a:endParaRPr>
+                    </a:p>
+                  </a:txBody>
+                  <a:tcPr/>
+                </a:tc>
+                <a:tc>
+                  <a:txBody>
+                    <a:bodyPr/>
+                    <a:lstStyle/>
+                    <a:p>
+                      <a:endParaRPr lang="en-US" sz="900">
+                        <a:latin typeface="+mn-lt"/>
+                        <a:cs typeface="Arial"/>
+                      </a:endParaRPr>
+                    </a:p>
+                  </a:txBody>
+                  <a:tcPr/>
+                </a:tc>
+                <a:tc>
+                  <a:txBody>
+                    <a:bodyPr/>
+                    <a:lstStyle/>
+                    <a:p>
+                      <a:endParaRPr lang="en-US" sz="900">
+                        <a:latin typeface="+mn-lt"/>
+                        <a:cs typeface="Arial"/>
+                      </a:endParaRPr>
+                    </a:p>
+                  </a:txBody>
+                  <a:tcPr/>
+                </a:tc>
+              </a:tr>
+              <a:tr h="461607">
+                <a:tc>
+                  <a:txBody>
+                    <a:bodyPr/>
+                    <a:lstStyle/>
+                    <a:p>
+                      <a:r>
+                        <a:rPr lang="en-US" sz="900" b="0" u="none" dirty="0" smtClean="0">
+                          <a:solidFill>
+                            <a:srgbClr val="3E3E3E"/>
+                          </a:solidFill>
+                        </a:rPr>
+                        <a:t>18</a:t>
+                      </a:r>
+                    </a:p>
+                  </a:txBody>
+                  <a:tcPr/>
+                </a:tc>
+                <a:tc>
+                  <a:txBody>
+                    <a:bodyPr/>
+                    <a:lstStyle/>
+                    <a:p>
+                      <a:pPr marL="0" marR="0" indent="0" algn="l" defTabSz="914400" rtl="0" eaLnBrk="1" fontAlgn="auto" latinLnBrk="0" hangingPunct="1">
+                        <a:lnSpc>
+                          <a:spcPct val="100000"/>
+                        </a:lnSpc>
+                        <a:spcBef>
+                          <a:spcPts val="0"/>
+                        </a:spcBef>
+                        <a:spcAft>
+                          <a:spcPts val="0"/>
+                        </a:spcAft>
+                        <a:buClrTx/>
+                        <a:buSzTx/>
+                        <a:buFontTx/>
+                        <a:buNone/>
+                        <a:tabLst/>
+                        <a:defRPr/>
+                      </a:pPr>
+                      <a:r>
+                        <a:rPr lang="en-US" sz="900" dirty="0" smtClean="0">
+                          <a:latin typeface="+mn-lt"/>
+                          <a:cs typeface="Arial"/>
+                        </a:rPr>
+                        <a:t>19</a:t>
+                      </a:r>
+                    </a:p>
+                  </a:txBody>
+                  <a:tcPr/>
+                </a:tc>
+                <a:tc>
+                  <a:txBody>
+                    <a:bodyPr/>
+                    <a:lstStyle/>
+                    <a:p>
+                      <a:r>
+                        <a:rPr lang="en-US" sz="900" dirty="0" smtClean="0">
+                          <a:latin typeface="+mn-lt"/>
+                          <a:cs typeface="Arial"/>
+                        </a:rPr>
+                        <a:t>20</a:t>
+                      </a:r>
+                    </a:p>
+                    <a:p>
+                      <a:r>
+                        <a:rPr lang="en-US" sz="900" dirty="0" err="1" smtClean="0">
+                          <a:latin typeface="+mn-lt"/>
+                          <a:cs typeface="Arial"/>
+                        </a:rPr>
+                        <a:t>Xander</a:t>
+                      </a:r>
+                      <a:r>
+                        <a:rPr lang="en-US" sz="900" dirty="0" smtClean="0">
+                          <a:latin typeface="+mn-lt"/>
+                          <a:cs typeface="Arial"/>
+                        </a:rPr>
+                        <a:t> </a:t>
+                      </a:r>
+                      <a:r>
+                        <a:rPr lang="mr-IN" sz="900" dirty="0" smtClean="0">
+                          <a:latin typeface="+mn-lt"/>
+                          <a:cs typeface="Arial"/>
+                        </a:rPr>
+                        <a:t>–</a:t>
+                      </a:r>
+                      <a:r>
+                        <a:rPr lang="en-US" sz="900" dirty="0" smtClean="0">
+                          <a:latin typeface="+mn-lt"/>
+                          <a:cs typeface="Arial"/>
+                        </a:rPr>
+                        <a:t> Render Items</a:t>
+                      </a:r>
+                    </a:p>
+                    <a:p>
+                      <a:endParaRPr lang="en-US" sz="900" dirty="0" smtClean="0">
+                        <a:latin typeface="+mn-lt"/>
+                        <a:cs typeface="Arial"/>
+                      </a:endParaRPr>
+                    </a:p>
+                    <a:p>
+                      <a:r>
+                        <a:rPr lang="en-US" sz="900" dirty="0" smtClean="0">
+                          <a:latin typeface="+mn-lt"/>
+                          <a:cs typeface="Arial"/>
+                        </a:rPr>
+                        <a:t>B </a:t>
+                      </a:r>
+                      <a:r>
+                        <a:rPr lang="mr-IN" sz="900" dirty="0" smtClean="0">
+                          <a:latin typeface="+mn-lt"/>
+                          <a:cs typeface="Arial"/>
+                        </a:rPr>
+                        <a:t>–</a:t>
+                      </a:r>
+                      <a:r>
+                        <a:rPr lang="en-US" sz="900" dirty="0" smtClean="0">
+                          <a:latin typeface="+mn-lt"/>
+                          <a:cs typeface="Arial"/>
+                        </a:rPr>
+                        <a:t> render suitcases</a:t>
+                      </a:r>
+                    </a:p>
+                  </a:txBody>
+                  <a:tcPr/>
+                </a:tc>
+                <a:tc>
+                  <a:txBody>
+                    <a:bodyPr/>
+                    <a:lstStyle/>
+                    <a:p>
+                      <a:r>
+                        <a:rPr lang="en-US" sz="900" dirty="0" smtClean="0">
+                          <a:latin typeface="+mn-lt"/>
+                          <a:cs typeface="Arial"/>
+                        </a:rPr>
+                        <a:t>21</a:t>
+                      </a:r>
+                    </a:p>
+                    <a:p>
+                      <a:r>
+                        <a:rPr lang="en-US" sz="900" dirty="0" smtClean="0">
+                          <a:solidFill>
+                            <a:srgbClr val="B050D7"/>
+                          </a:solidFill>
+                          <a:latin typeface="+mn-lt"/>
+                          <a:cs typeface="Arial"/>
+                        </a:rPr>
+                        <a:t>MEET-UP</a:t>
+                      </a:r>
+                    </a:p>
+                    <a:p>
+                      <a:r>
+                        <a:rPr lang="en-US" sz="900" baseline="0" dirty="0" smtClean="0">
+                          <a:solidFill>
+                            <a:srgbClr val="B050D7"/>
+                          </a:solidFill>
+                          <a:latin typeface="+mn-lt"/>
+                          <a:cs typeface="Arial"/>
+                        </a:rPr>
+                        <a:t>5:30p </a:t>
+                      </a:r>
+                      <a:r>
+                        <a:rPr lang="mr-IN" sz="900" baseline="0" dirty="0" smtClean="0">
+                          <a:solidFill>
+                            <a:srgbClr val="B050D7"/>
+                          </a:solidFill>
+                          <a:latin typeface="+mn-lt"/>
+                          <a:cs typeface="Arial"/>
+                        </a:rPr>
+                        <a:t>–</a:t>
+                      </a:r>
+                      <a:r>
+                        <a:rPr lang="en-US" sz="900" baseline="0" dirty="0" smtClean="0">
+                          <a:solidFill>
+                            <a:srgbClr val="B050D7"/>
+                          </a:solidFill>
+                          <a:latin typeface="+mn-lt"/>
+                          <a:cs typeface="Arial"/>
+                        </a:rPr>
+                        <a:t> 9:30p</a:t>
+                      </a:r>
+                    </a:p>
+                    <a:p>
+                      <a:r>
+                        <a:rPr lang="en-US" sz="900" baseline="0" dirty="0" smtClean="0">
+                          <a:solidFill>
+                            <a:srgbClr val="B050D7"/>
+                          </a:solidFill>
+                          <a:latin typeface="+mn-lt"/>
+                          <a:cs typeface="Arial"/>
+                        </a:rPr>
+                        <a:t>Set up GH and assign issues</a:t>
+                      </a:r>
+                    </a:p>
+                    <a:p>
+                      <a:endParaRPr lang="en-US" sz="900" dirty="0" smtClean="0">
+                        <a:latin typeface="+mn-lt"/>
+                        <a:cs typeface="Arial"/>
+                      </a:endParaRPr>
+                    </a:p>
+                  </a:txBody>
+                  <a:tcPr/>
+                </a:tc>
+                <a:tc>
+                  <a:txBody>
+                    <a:bodyPr/>
+                    <a:lstStyle/>
+                    <a:p>
+                      <a:r>
+                        <a:rPr lang="en-US" sz="900" dirty="0" smtClean="0"/>
+                        <a:t>22</a:t>
+                      </a:r>
+                    </a:p>
+                    <a:p>
+                      <a:r>
+                        <a:rPr lang="en-US" sz="900" dirty="0" smtClean="0"/>
+                        <a:t>Sam </a:t>
+                      </a:r>
+                      <a:r>
+                        <a:rPr lang="mr-IN" sz="900" dirty="0" smtClean="0"/>
+                        <a:t>–</a:t>
+                      </a:r>
+                      <a:r>
+                        <a:rPr lang="en-US" sz="900" dirty="0" smtClean="0"/>
+                        <a:t> Cloud</a:t>
+                      </a:r>
+                      <a:r>
+                        <a:rPr lang="en-US" sz="900" baseline="0" dirty="0" smtClean="0"/>
+                        <a:t> code with .</a:t>
+                      </a:r>
+                      <a:r>
+                        <a:rPr lang="en-US" sz="900" baseline="0" dirty="0" err="1" smtClean="0"/>
+                        <a:t>env</a:t>
+                      </a:r>
+                      <a:r>
+                        <a:rPr lang="en-US" sz="900" baseline="0" dirty="0" smtClean="0"/>
+                        <a:t> </a:t>
+                      </a:r>
+                      <a:endParaRPr lang="en-US" sz="900" dirty="0"/>
+                    </a:p>
+                  </a:txBody>
+                  <a:tcPr/>
+                </a:tc>
+                <a:tc>
+                  <a:txBody>
+                    <a:bodyPr/>
+                    <a:lstStyle/>
+                    <a:p>
+                      <a:r>
+                        <a:rPr lang="en-US" sz="900" dirty="0" smtClean="0"/>
+                        <a:t>23</a:t>
+                      </a:r>
+                    </a:p>
+                    <a:p>
+                      <a:r>
+                        <a:rPr lang="en-US" sz="900" dirty="0" smtClean="0"/>
+                        <a:t>Sam </a:t>
+                      </a:r>
+                      <a:r>
+                        <a:rPr lang="mr-IN" sz="900" dirty="0" smtClean="0"/>
+                        <a:t>–</a:t>
+                      </a:r>
+                      <a:r>
+                        <a:rPr lang="en-US" sz="900" dirty="0" smtClean="0"/>
+                        <a:t> Cloud code to upload images</a:t>
+                      </a:r>
+                      <a:endParaRPr lang="en-US" sz="900" dirty="0"/>
+                    </a:p>
+                  </a:txBody>
+                  <a:tcPr/>
+                </a:tc>
+                <a:tc>
+                  <a:txBody>
+                    <a:bodyPr/>
+                    <a:lstStyle/>
+                    <a:p>
+                      <a:r>
+                        <a:rPr lang="en-US" sz="900" dirty="0" smtClean="0"/>
+                        <a:t>24</a:t>
+                      </a:r>
+                    </a:p>
+                    <a:p>
+                      <a:pPr marL="0" marR="0" indent="0" algn="l" defTabSz="914400" rtl="0" eaLnBrk="1" fontAlgn="auto" latinLnBrk="0" hangingPunct="1">
+                        <a:lnSpc>
+                          <a:spcPct val="100000"/>
+                        </a:lnSpc>
+                        <a:spcBef>
+                          <a:spcPts val="0"/>
+                        </a:spcBef>
+                        <a:spcAft>
+                          <a:spcPts val="0"/>
+                        </a:spcAft>
+                        <a:buClrTx/>
+                        <a:buSzTx/>
+                        <a:buFontTx/>
+                        <a:buNone/>
+                        <a:tabLst/>
+                        <a:defRPr/>
+                      </a:pPr>
+                      <a:r>
+                        <a:rPr lang="en-US" sz="900" dirty="0" smtClean="0">
+                          <a:solidFill>
+                            <a:srgbClr val="B050D7"/>
+                          </a:solidFill>
+                          <a:latin typeface="+mn-lt"/>
+                          <a:cs typeface="Arial"/>
+                        </a:rPr>
+                        <a:t>MEET-UP</a:t>
+                      </a:r>
+                      <a:endParaRPr lang="en-US" sz="900" baseline="0" dirty="0" smtClean="0">
+                        <a:solidFill>
+                          <a:srgbClr val="B050D7"/>
+                        </a:solidFill>
+                        <a:latin typeface="+mn-lt"/>
+                        <a:cs typeface="Arial"/>
+                      </a:endParaRPr>
+                    </a:p>
+                    <a:p>
+                      <a:r>
+                        <a:rPr lang="en-US" sz="900" baseline="0" dirty="0" smtClean="0">
+                          <a:solidFill>
+                            <a:srgbClr val="B050D7"/>
+                          </a:solidFill>
+                          <a:latin typeface="+mn-lt"/>
+                          <a:cs typeface="Arial"/>
+                        </a:rPr>
+                        <a:t>2:30p </a:t>
+                      </a:r>
+                      <a:r>
+                        <a:rPr lang="mr-IN" sz="900" baseline="0" dirty="0" smtClean="0">
+                          <a:solidFill>
+                            <a:srgbClr val="B050D7"/>
+                          </a:solidFill>
+                          <a:latin typeface="+mn-lt"/>
+                          <a:cs typeface="Arial"/>
+                        </a:rPr>
+                        <a:t>–</a:t>
+                      </a:r>
+                      <a:r>
+                        <a:rPr lang="en-US" sz="900" baseline="0" dirty="0" smtClean="0">
+                          <a:solidFill>
+                            <a:srgbClr val="B050D7"/>
+                          </a:solidFill>
+                          <a:latin typeface="+mn-lt"/>
+                          <a:cs typeface="Arial"/>
+                        </a:rPr>
+                        <a:t> 3:30p</a:t>
+                      </a:r>
+                    </a:p>
+                    <a:p>
+                      <a:endParaRPr lang="en-US" sz="900" dirty="0"/>
+                    </a:p>
+                  </a:txBody>
+                  <a:tcPr/>
+                </a:tc>
+              </a:tr>
+              <a:tr h="209821">
+                <a:tc>
+                  <a:txBody>
+                    <a:bodyPr/>
+                    <a:lstStyle/>
+                    <a:p>
+                      <a:r>
+                        <a:rPr lang="en-US" sz="900" dirty="0" smtClean="0"/>
+                        <a:t>Week 3</a:t>
+                      </a:r>
+                      <a:endParaRPr lang="en-US" sz="900" dirty="0"/>
+                    </a:p>
+                  </a:txBody>
+                  <a:tcPr/>
+                </a:tc>
+                <a:tc>
+                  <a:txBody>
+                    <a:bodyPr/>
+                    <a:lstStyle/>
+                    <a:p>
+                      <a:endParaRPr lang="en-US" sz="900" dirty="0"/>
+                    </a:p>
+                  </a:txBody>
+                  <a:tcPr/>
+                </a:tc>
+                <a:tc>
+                  <a:txBody>
+                    <a:bodyPr/>
+                    <a:lstStyle/>
+                    <a:p>
+                      <a:endParaRPr lang="en-US" sz="900" dirty="0">
+                        <a:latin typeface="+mn-lt"/>
+                        <a:cs typeface="Arial"/>
+                      </a:endParaRPr>
+                    </a:p>
+                  </a:txBody>
+                  <a:tcPr/>
+                </a:tc>
+                <a:tc>
+                  <a:txBody>
+                    <a:bodyPr/>
+                    <a:lstStyle/>
+                    <a:p>
+                      <a:endParaRPr lang="en-US" sz="900" dirty="0">
+                        <a:latin typeface="+mn-lt"/>
+                        <a:cs typeface="Arial"/>
+                      </a:endParaRPr>
+                    </a:p>
+                  </a:txBody>
+                  <a:tcPr/>
+                </a:tc>
+                <a:tc>
+                  <a:txBody>
+                    <a:bodyPr/>
+                    <a:lstStyle/>
+                    <a:p>
+                      <a:endParaRPr lang="en-US" sz="900" dirty="0">
+                        <a:latin typeface="+mn-lt"/>
+                        <a:cs typeface="Arial"/>
+                      </a:endParaRPr>
+                    </a:p>
+                  </a:txBody>
+                  <a:tcPr/>
+                </a:tc>
+                <a:tc>
+                  <a:txBody>
+                    <a:bodyPr/>
+                    <a:lstStyle/>
+                    <a:p>
+                      <a:endParaRPr lang="en-US" sz="900" dirty="0">
+                        <a:latin typeface="+mn-lt"/>
+                        <a:cs typeface="Arial"/>
+                      </a:endParaRPr>
+                    </a:p>
+                  </a:txBody>
+                  <a:tcPr/>
+                </a:tc>
+                <a:tc>
+                  <a:txBody>
+                    <a:bodyPr/>
+                    <a:lstStyle/>
+                    <a:p>
+                      <a:endParaRPr lang="en-US" sz="900" dirty="0">
+                        <a:latin typeface="+mn-lt"/>
+                        <a:cs typeface="Arial"/>
+                      </a:endParaRPr>
+                    </a:p>
+                  </a:txBody>
+                  <a:tcPr/>
+                </a:tc>
+              </a:tr>
+              <a:tr h="536210">
+                <a:tc>
+                  <a:txBody>
+                    <a:bodyPr/>
+                    <a:lstStyle/>
+                    <a:p>
+                      <a:r>
+                        <a:rPr lang="en-US" sz="900" dirty="0" smtClean="0"/>
+                        <a:t>25</a:t>
+                      </a:r>
+                    </a:p>
+                    <a:p>
+                      <a:r>
+                        <a:rPr lang="en-US" sz="900" dirty="0" smtClean="0"/>
+                        <a:t>Wayne </a:t>
+                      </a:r>
+                      <a:r>
+                        <a:rPr lang="mr-IN" sz="900" dirty="0" smtClean="0"/>
+                        <a:t>–</a:t>
+                      </a:r>
+                      <a:r>
+                        <a:rPr lang="en-US" sz="900" dirty="0" smtClean="0"/>
+                        <a:t> Passport </a:t>
+                      </a:r>
+                      <a:r>
+                        <a:rPr lang="en-US" sz="900" dirty="0" err="1" smtClean="0"/>
+                        <a:t>Axios</a:t>
+                      </a:r>
+                      <a:endParaRPr lang="en-US" sz="900" dirty="0" smtClean="0"/>
+                    </a:p>
+                    <a:p>
+                      <a:endParaRPr lang="en-US" sz="900" dirty="0" smtClean="0"/>
+                    </a:p>
+                    <a:p>
+                      <a:r>
+                        <a:rPr lang="en-US" sz="900" dirty="0" smtClean="0"/>
+                        <a:t>Sam </a:t>
+                      </a:r>
+                      <a:r>
+                        <a:rPr lang="mr-IN" sz="900" dirty="0" smtClean="0"/>
+                        <a:t>–</a:t>
+                      </a:r>
+                      <a:r>
+                        <a:rPr lang="en-US" sz="900" dirty="0" smtClean="0"/>
+                        <a:t> </a:t>
+                      </a:r>
+                    </a:p>
+                    <a:p>
+                      <a:r>
+                        <a:rPr lang="en-US" sz="900" dirty="0" smtClean="0"/>
+                        <a:t>Cloud JS Cond</a:t>
+                      </a:r>
+                    </a:p>
+                    <a:p>
+                      <a:endParaRPr lang="en-US" sz="900" dirty="0" smtClean="0"/>
+                    </a:p>
+                    <a:p>
+                      <a:r>
+                        <a:rPr lang="en-US" sz="900" dirty="0" smtClean="0"/>
+                        <a:t>Evan </a:t>
+                      </a:r>
+                      <a:r>
+                        <a:rPr lang="mr-IN" sz="900" dirty="0" smtClean="0"/>
+                        <a:t>–</a:t>
+                      </a:r>
+                      <a:r>
+                        <a:rPr lang="en-US" sz="900" dirty="0" smtClean="0"/>
+                        <a:t> Yelp API</a:t>
+                      </a:r>
+                    </a:p>
+                  </a:txBody>
+                  <a:tcPr/>
+                </a:tc>
+                <a:tc>
+                  <a:txBody>
+                    <a:bodyPr/>
+                    <a:lstStyle/>
+                    <a:p>
+                      <a:r>
+                        <a:rPr lang="en-US" sz="900" dirty="0" smtClean="0"/>
+                        <a:t>26</a:t>
+                      </a:r>
+                    </a:p>
+                    <a:p>
+                      <a:pPr marL="0" marR="0" indent="0" algn="l" defTabSz="914400" rtl="0" eaLnBrk="1" fontAlgn="auto" latinLnBrk="0" hangingPunct="1">
+                        <a:lnSpc>
+                          <a:spcPct val="100000"/>
+                        </a:lnSpc>
+                        <a:spcBef>
+                          <a:spcPts val="0"/>
+                        </a:spcBef>
+                        <a:spcAft>
+                          <a:spcPts val="0"/>
+                        </a:spcAft>
+                        <a:buClrTx/>
+                        <a:buSzTx/>
+                        <a:buFontTx/>
+                        <a:buNone/>
+                        <a:tabLst/>
+                        <a:defRPr/>
+                      </a:pPr>
+                      <a:r>
+                        <a:rPr lang="en-US" sz="900" dirty="0" smtClean="0"/>
+                        <a:t>Wayne </a:t>
+                      </a:r>
+                      <a:r>
+                        <a:rPr lang="mr-IN" sz="900" dirty="0" smtClean="0"/>
+                        <a:t>–</a:t>
+                      </a:r>
+                      <a:r>
+                        <a:rPr lang="en-US" sz="900" dirty="0" smtClean="0"/>
+                        <a:t> Routes </a:t>
+                      </a:r>
+                      <a:r>
+                        <a:rPr lang="en-US" sz="900" dirty="0" err="1" smtClean="0"/>
+                        <a:t>Auth</a:t>
+                      </a:r>
+                      <a:endParaRPr lang="en-US" sz="900" dirty="0" smtClean="0"/>
+                    </a:p>
+                    <a:p>
+                      <a:endParaRPr lang="en-US" sz="900" dirty="0"/>
+                    </a:p>
+                  </a:txBody>
+                  <a:tcPr/>
+                </a:tc>
+                <a:tc>
+                  <a:txBody>
+                    <a:bodyPr/>
+                    <a:lstStyle/>
+                    <a:p>
+                      <a:r>
+                        <a:rPr lang="en-US" sz="900" dirty="0" smtClean="0">
+                          <a:latin typeface="+mn-lt"/>
+                          <a:cs typeface="Arial"/>
+                        </a:rPr>
+                        <a:t>27</a:t>
+                      </a:r>
+                    </a:p>
+                    <a:p>
+                      <a:r>
+                        <a:rPr lang="en-US" sz="900" dirty="0" smtClean="0">
+                          <a:latin typeface="+mn-lt"/>
+                          <a:cs typeface="Arial"/>
+                        </a:rPr>
+                        <a:t>Molly </a:t>
+                      </a:r>
+                      <a:r>
+                        <a:rPr lang="mr-IN" sz="900" dirty="0" smtClean="0">
+                          <a:latin typeface="+mn-lt"/>
+                          <a:cs typeface="Arial"/>
+                        </a:rPr>
+                        <a:t>–</a:t>
+                      </a:r>
+                      <a:r>
+                        <a:rPr lang="en-US" sz="900" dirty="0" smtClean="0">
+                          <a:latin typeface="+mn-lt"/>
+                          <a:cs typeface="Arial"/>
+                        </a:rPr>
+                        <a:t> Connect </a:t>
+                      </a:r>
+                      <a:r>
+                        <a:rPr lang="en-US" sz="900" dirty="0" err="1" smtClean="0">
+                          <a:latin typeface="+mn-lt"/>
+                          <a:cs typeface="Arial"/>
+                        </a:rPr>
+                        <a:t>GraphQL</a:t>
+                      </a:r>
+                      <a:r>
+                        <a:rPr lang="en-US" sz="900" baseline="0" dirty="0" smtClean="0">
+                          <a:latin typeface="+mn-lt"/>
+                          <a:cs typeface="Arial"/>
+                        </a:rPr>
+                        <a:t> to React App</a:t>
+                      </a:r>
+                    </a:p>
+                    <a:p>
+                      <a:endParaRPr lang="en-US" sz="900" baseline="0" dirty="0" smtClean="0">
+                        <a:latin typeface="+mn-lt"/>
+                        <a:cs typeface="Arial"/>
+                      </a:endParaRPr>
+                    </a:p>
+                  </a:txBody>
+                  <a:tcPr/>
+                </a:tc>
+                <a:tc>
+                  <a:txBody>
+                    <a:bodyPr/>
+                    <a:lstStyle/>
+                    <a:p>
+                      <a:r>
+                        <a:rPr lang="en-US" sz="900" dirty="0" smtClean="0">
+                          <a:latin typeface="+mn-lt"/>
+                          <a:cs typeface="Arial"/>
+                        </a:rPr>
+                        <a:t>28</a:t>
+                      </a:r>
+                    </a:p>
+                    <a:p>
+                      <a:pPr marL="0" marR="0" indent="0" algn="l" defTabSz="914400" rtl="0" eaLnBrk="1" fontAlgn="auto" latinLnBrk="0" hangingPunct="1">
+                        <a:lnSpc>
+                          <a:spcPct val="100000"/>
+                        </a:lnSpc>
+                        <a:spcBef>
+                          <a:spcPts val="0"/>
+                        </a:spcBef>
+                        <a:spcAft>
+                          <a:spcPts val="0"/>
+                        </a:spcAft>
+                        <a:buClrTx/>
+                        <a:buSzTx/>
+                        <a:buFontTx/>
+                        <a:buNone/>
+                        <a:tabLst/>
+                        <a:defRPr/>
+                      </a:pPr>
+                      <a:r>
+                        <a:rPr lang="en-US" sz="900" dirty="0" smtClean="0">
+                          <a:solidFill>
+                            <a:srgbClr val="B050D7"/>
+                          </a:solidFill>
+                          <a:latin typeface="+mn-lt"/>
+                          <a:cs typeface="Arial"/>
+                        </a:rPr>
+                        <a:t>MEET-UP</a:t>
+                      </a:r>
+                      <a:endParaRPr lang="en-US" sz="900" baseline="0" dirty="0" smtClean="0">
+                        <a:solidFill>
+                          <a:srgbClr val="B050D7"/>
+                        </a:solidFill>
+                        <a:latin typeface="+mn-lt"/>
+                        <a:cs typeface="Arial"/>
+                      </a:endParaRPr>
+                    </a:p>
+                    <a:p>
+                      <a:r>
+                        <a:rPr lang="en-US" sz="900" baseline="0" dirty="0" smtClean="0">
+                          <a:solidFill>
+                            <a:srgbClr val="B050D7"/>
+                          </a:solidFill>
+                          <a:latin typeface="+mn-lt"/>
+                          <a:cs typeface="Arial"/>
+                        </a:rPr>
+                        <a:t>5:30p </a:t>
+                      </a:r>
+                      <a:r>
+                        <a:rPr lang="mr-IN" sz="900" baseline="0" dirty="0" smtClean="0">
+                          <a:solidFill>
+                            <a:srgbClr val="B050D7"/>
+                          </a:solidFill>
+                          <a:latin typeface="+mn-lt"/>
+                          <a:cs typeface="Arial"/>
+                        </a:rPr>
+                        <a:t>–</a:t>
+                      </a:r>
+                      <a:r>
+                        <a:rPr lang="en-US" sz="900" baseline="0" dirty="0" smtClean="0">
+                          <a:solidFill>
+                            <a:srgbClr val="B050D7"/>
+                          </a:solidFill>
+                          <a:latin typeface="+mn-lt"/>
+                          <a:cs typeface="Arial"/>
+                        </a:rPr>
+                        <a:t> 9:30p</a:t>
+                      </a:r>
+                    </a:p>
+                    <a:p>
+                      <a:endParaRPr lang="en-US" sz="900" dirty="0" smtClean="0">
+                        <a:latin typeface="+mn-lt"/>
+                        <a:cs typeface="Arial"/>
+                      </a:endParaRPr>
+                    </a:p>
+                    <a:p>
+                      <a:pPr marL="0" marR="0" indent="0" algn="l" defTabSz="914400" rtl="0" eaLnBrk="1" fontAlgn="auto" latinLnBrk="0" hangingPunct="1">
+                        <a:lnSpc>
+                          <a:spcPct val="100000"/>
+                        </a:lnSpc>
+                        <a:spcBef>
+                          <a:spcPts val="0"/>
+                        </a:spcBef>
+                        <a:spcAft>
+                          <a:spcPts val="0"/>
+                        </a:spcAft>
+                        <a:buClrTx/>
+                        <a:buSzTx/>
+                        <a:buFontTx/>
+                        <a:buNone/>
+                        <a:tabLst/>
+                        <a:defRPr/>
+                      </a:pPr>
+                      <a:r>
+                        <a:rPr lang="en-US" sz="900" baseline="0" dirty="0" smtClean="0">
+                          <a:latin typeface="+mn-lt"/>
+                          <a:cs typeface="Arial"/>
+                        </a:rPr>
+                        <a:t>Evan </a:t>
+                      </a:r>
+                      <a:r>
+                        <a:rPr lang="mr-IN" sz="900" baseline="0" dirty="0" smtClean="0">
+                          <a:latin typeface="+mn-lt"/>
+                          <a:cs typeface="Arial"/>
+                        </a:rPr>
+                        <a:t>–</a:t>
+                      </a:r>
+                      <a:r>
+                        <a:rPr lang="en-US" sz="900" baseline="0" dirty="0" smtClean="0">
+                          <a:latin typeface="+mn-lt"/>
+                          <a:cs typeface="Arial"/>
+                        </a:rPr>
+                        <a:t> React Auto-Complete</a:t>
+                      </a:r>
+                      <a:endParaRPr lang="en-US" sz="900" dirty="0" smtClean="0">
+                        <a:latin typeface="+mn-lt"/>
+                        <a:cs typeface="Arial"/>
+                      </a:endParaRPr>
+                    </a:p>
+                    <a:p>
+                      <a:endParaRPr lang="en-US" sz="900" dirty="0" smtClean="0">
+                        <a:latin typeface="+mn-lt"/>
+                        <a:cs typeface="Arial"/>
+                      </a:endParaRPr>
+                    </a:p>
+                  </a:txBody>
+                  <a:tcPr/>
+                </a:tc>
+                <a:tc>
+                  <a:txBody>
+                    <a:bodyPr/>
+                    <a:lstStyle/>
+                    <a:p>
+                      <a:r>
+                        <a:rPr lang="en-US" sz="900" dirty="0" smtClean="0"/>
+                        <a:t>29</a:t>
+                      </a:r>
+                    </a:p>
+                    <a:p>
+                      <a:r>
+                        <a:rPr lang="en-US" sz="900" dirty="0" err="1" smtClean="0"/>
+                        <a:t>Xander</a:t>
+                      </a:r>
+                      <a:r>
+                        <a:rPr lang="en-US" sz="900" baseline="0" dirty="0" smtClean="0"/>
+                        <a:t> &amp; B </a:t>
+                      </a:r>
+                      <a:r>
+                        <a:rPr lang="mr-IN" sz="900" baseline="0" dirty="0" smtClean="0"/>
+                        <a:t>–</a:t>
+                      </a:r>
+                      <a:r>
+                        <a:rPr lang="en-US" sz="900" baseline="0" dirty="0" smtClean="0"/>
+                        <a:t> Connect React to Database</a:t>
+                      </a:r>
+                    </a:p>
+                    <a:p>
+                      <a:endParaRPr lang="en-US" sz="900" baseline="0" dirty="0" smtClean="0"/>
+                    </a:p>
+                    <a:p>
+                      <a:r>
+                        <a:rPr lang="en-US" sz="900" baseline="0" dirty="0" smtClean="0"/>
+                        <a:t>Sam </a:t>
+                      </a:r>
+                      <a:r>
+                        <a:rPr lang="mr-IN" sz="900" baseline="0" dirty="0" smtClean="0"/>
+                        <a:t>–</a:t>
+                      </a:r>
+                      <a:r>
+                        <a:rPr lang="en-US" sz="900" baseline="0" dirty="0" smtClean="0"/>
+                        <a:t> Connect to Database</a:t>
+                      </a:r>
+                    </a:p>
+                    <a:p>
+                      <a:endParaRPr lang="en-US" sz="900" baseline="0" dirty="0" smtClean="0"/>
+                    </a:p>
+                    <a:p>
+                      <a:r>
+                        <a:rPr lang="en-US" sz="900" baseline="0" dirty="0" smtClean="0"/>
+                        <a:t>Wayne </a:t>
+                      </a:r>
+                      <a:r>
+                        <a:rPr lang="mr-IN" sz="900" baseline="0" dirty="0" smtClean="0"/>
+                        <a:t>–</a:t>
+                      </a:r>
+                      <a:r>
+                        <a:rPr lang="en-US" sz="900" baseline="0" dirty="0" smtClean="0"/>
+                        <a:t> Social login</a:t>
+                      </a:r>
+                      <a:endParaRPr lang="en-US" sz="900" dirty="0" smtClean="0"/>
+                    </a:p>
+                  </a:txBody>
+                  <a:tcPr/>
+                </a:tc>
+                <a:tc>
+                  <a:txBody>
+                    <a:bodyPr/>
+                    <a:lstStyle/>
+                    <a:p>
+                      <a:r>
+                        <a:rPr lang="en-US" sz="900" dirty="0" smtClean="0"/>
+                        <a:t>30</a:t>
+                      </a:r>
+                    </a:p>
+                    <a:p>
+                      <a:r>
+                        <a:rPr lang="en-US" sz="900" dirty="0" smtClean="0"/>
+                        <a:t>Molly </a:t>
+                      </a:r>
+                      <a:r>
+                        <a:rPr lang="mr-IN" sz="900" dirty="0" smtClean="0"/>
+                        <a:t>–</a:t>
+                      </a:r>
+                      <a:r>
+                        <a:rPr lang="en-US" sz="900" dirty="0" smtClean="0"/>
+                        <a:t> </a:t>
+                      </a:r>
+                    </a:p>
+                    <a:p>
+                      <a:r>
+                        <a:rPr lang="en-US" sz="900" dirty="0" err="1" smtClean="0"/>
+                        <a:t>GraphQL</a:t>
+                      </a:r>
+                      <a:r>
+                        <a:rPr lang="en-US" sz="900" dirty="0" smtClean="0"/>
+                        <a:t> Calls</a:t>
+                      </a:r>
+                      <a:endParaRPr lang="en-US" sz="900" dirty="0"/>
+                    </a:p>
+                  </a:txBody>
+                  <a:tcPr/>
+                </a:tc>
+                <a:tc>
+                  <a:txBody>
+                    <a:bodyPr/>
+                    <a:lstStyle/>
+                    <a:p>
+                      <a:r>
+                        <a:rPr lang="en-US" sz="900" dirty="0" smtClean="0"/>
+                        <a:t>1</a:t>
+                      </a:r>
+                    </a:p>
+                    <a:p>
+                      <a:pPr marL="0" marR="0" indent="0" algn="l" defTabSz="914400" rtl="0" eaLnBrk="1" fontAlgn="auto" latinLnBrk="0" hangingPunct="1">
+                        <a:lnSpc>
+                          <a:spcPct val="100000"/>
+                        </a:lnSpc>
+                        <a:spcBef>
+                          <a:spcPts val="0"/>
+                        </a:spcBef>
+                        <a:spcAft>
+                          <a:spcPts val="0"/>
+                        </a:spcAft>
+                        <a:buClrTx/>
+                        <a:buSzTx/>
+                        <a:buFontTx/>
+                        <a:buNone/>
+                        <a:tabLst/>
+                        <a:defRPr/>
+                      </a:pPr>
+                      <a:r>
+                        <a:rPr lang="en-US" sz="900" dirty="0" smtClean="0">
+                          <a:solidFill>
+                            <a:srgbClr val="B050D7"/>
+                          </a:solidFill>
+                          <a:latin typeface="+mn-lt"/>
+                          <a:cs typeface="Arial"/>
+                        </a:rPr>
+                        <a:t>MEET-UP</a:t>
+                      </a:r>
+                      <a:endParaRPr lang="en-US" sz="900" baseline="0" dirty="0" smtClean="0">
+                        <a:solidFill>
+                          <a:srgbClr val="B050D7"/>
+                        </a:solidFill>
+                        <a:latin typeface="+mn-lt"/>
+                        <a:cs typeface="Arial"/>
+                      </a:endParaRPr>
+                    </a:p>
+                    <a:p>
+                      <a:r>
+                        <a:rPr lang="en-US" sz="900" baseline="0" dirty="0" smtClean="0">
+                          <a:solidFill>
+                            <a:srgbClr val="B050D7"/>
+                          </a:solidFill>
+                          <a:latin typeface="+mn-lt"/>
+                          <a:cs typeface="Arial"/>
+                        </a:rPr>
+                        <a:t>2:30p </a:t>
+                      </a:r>
+                      <a:r>
+                        <a:rPr lang="mr-IN" sz="900" baseline="0" dirty="0" smtClean="0">
+                          <a:solidFill>
+                            <a:srgbClr val="B050D7"/>
+                          </a:solidFill>
+                          <a:latin typeface="+mn-lt"/>
+                          <a:cs typeface="Arial"/>
+                        </a:rPr>
+                        <a:t>–</a:t>
+                      </a:r>
+                      <a:r>
+                        <a:rPr lang="en-US" sz="900" baseline="0" dirty="0" smtClean="0">
+                          <a:solidFill>
+                            <a:srgbClr val="B050D7"/>
+                          </a:solidFill>
+                          <a:latin typeface="+mn-lt"/>
+                          <a:cs typeface="Arial"/>
+                        </a:rPr>
+                        <a:t> 3:30p</a:t>
+                      </a:r>
+                    </a:p>
+                    <a:p>
+                      <a:endParaRPr lang="en-US" sz="900" dirty="0"/>
+                    </a:p>
+                  </a:txBody>
+                  <a:tcPr/>
+                </a:tc>
+              </a:tr>
+              <a:tr h="248012">
+                <a:tc>
+                  <a:txBody>
+                    <a:bodyPr/>
+                    <a:lstStyle/>
+                    <a:p>
+                      <a:r>
+                        <a:rPr lang="en-US" sz="900" dirty="0" smtClean="0"/>
+                        <a:t>Week 4</a:t>
+                      </a:r>
+                    </a:p>
+                  </a:txBody>
+                  <a:tcPr/>
+                </a:tc>
+                <a:tc>
+                  <a:txBody>
+                    <a:bodyPr/>
+                    <a:lstStyle/>
+                    <a:p>
+                      <a:endParaRPr lang="en-US" sz="900"/>
+                    </a:p>
+                  </a:txBody>
+                  <a:tcPr/>
+                </a:tc>
+                <a:tc>
+                  <a:txBody>
+                    <a:bodyPr/>
+                    <a:lstStyle/>
+                    <a:p>
+                      <a:endParaRPr lang="en-US" sz="900" dirty="0" smtClean="0">
+                        <a:latin typeface="+mn-lt"/>
+                        <a:cs typeface="Arial"/>
+                      </a:endParaRPr>
+                    </a:p>
+                  </a:txBody>
+                  <a:tcPr/>
+                </a:tc>
+                <a:tc>
+                  <a:txBody>
+                    <a:bodyPr/>
+                    <a:lstStyle/>
+                    <a:p>
+                      <a:endParaRPr lang="en-US" sz="900" dirty="0" smtClean="0">
+                        <a:latin typeface="+mn-lt"/>
+                        <a:cs typeface="Arial"/>
+                      </a:endParaRPr>
+                    </a:p>
+                  </a:txBody>
+                  <a:tcPr/>
+                </a:tc>
+                <a:tc>
+                  <a:txBody>
+                    <a:bodyPr/>
+                    <a:lstStyle/>
+                    <a:p>
+                      <a:endParaRPr lang="en-US" sz="900" dirty="0"/>
+                    </a:p>
+                  </a:txBody>
+                  <a:tcPr/>
+                </a:tc>
+                <a:tc>
+                  <a:txBody>
+                    <a:bodyPr/>
+                    <a:lstStyle/>
+                    <a:p>
+                      <a:endParaRPr lang="en-US" sz="900"/>
+                    </a:p>
+                  </a:txBody>
+                  <a:tcPr/>
+                </a:tc>
+                <a:tc>
+                  <a:txBody>
+                    <a:bodyPr/>
+                    <a:lstStyle/>
+                    <a:p>
+                      <a:endParaRPr lang="en-US" sz="900" dirty="0"/>
+                    </a:p>
+                  </a:txBody>
+                  <a:tcPr/>
+                </a:tc>
+              </a:tr>
+              <a:tr h="536210">
+                <a:tc>
+                  <a:txBody>
+                    <a:bodyPr/>
+                    <a:lstStyle/>
+                    <a:p>
+                      <a:r>
+                        <a:rPr lang="en-US" sz="900" dirty="0" smtClean="0"/>
+                        <a:t>2</a:t>
+                      </a:r>
+                    </a:p>
+                    <a:p>
+                      <a:pPr marL="0" marR="0" indent="0" algn="l" defTabSz="914400" rtl="0" eaLnBrk="1" fontAlgn="auto" latinLnBrk="0" hangingPunct="1">
+                        <a:lnSpc>
+                          <a:spcPct val="100000"/>
+                        </a:lnSpc>
+                        <a:spcBef>
+                          <a:spcPts val="0"/>
+                        </a:spcBef>
+                        <a:spcAft>
+                          <a:spcPts val="0"/>
+                        </a:spcAft>
+                        <a:buClrTx/>
+                        <a:buSzTx/>
+                        <a:buFontTx/>
+                        <a:buNone/>
+                        <a:tabLst/>
+                        <a:defRPr/>
+                      </a:pPr>
+                      <a:r>
+                        <a:rPr lang="en-US" sz="900" dirty="0" smtClean="0">
+                          <a:solidFill>
+                            <a:srgbClr val="B050D7"/>
+                          </a:solidFill>
+                          <a:latin typeface="+mn-lt"/>
+                          <a:cs typeface="Arial"/>
+                        </a:rPr>
+                        <a:t>MEET-UP</a:t>
+                      </a:r>
+                      <a:endParaRPr lang="en-US" sz="900" baseline="0" dirty="0" smtClean="0">
+                        <a:solidFill>
+                          <a:srgbClr val="B050D7"/>
+                        </a:solidFill>
+                        <a:latin typeface="+mn-lt"/>
+                        <a:cs typeface="Arial"/>
+                      </a:endParaRPr>
+                    </a:p>
+                    <a:p>
+                      <a:r>
+                        <a:rPr lang="en-US" sz="900" baseline="0" dirty="0" smtClean="0">
+                          <a:solidFill>
+                            <a:srgbClr val="B050D7"/>
+                          </a:solidFill>
+                          <a:latin typeface="+mn-lt"/>
+                          <a:cs typeface="Arial"/>
+                        </a:rPr>
+                        <a:t>After Class</a:t>
+                      </a:r>
+                    </a:p>
+                    <a:p>
+                      <a:endParaRPr lang="en-US" sz="900" dirty="0" smtClean="0"/>
+                    </a:p>
+                  </a:txBody>
+                  <a:tcPr/>
+                </a:tc>
+                <a:tc>
+                  <a:txBody>
+                    <a:bodyPr/>
+                    <a:lstStyle/>
+                    <a:p>
+                      <a:r>
+                        <a:rPr lang="en-US" sz="900" dirty="0" smtClean="0"/>
+                        <a:t>3</a:t>
+                      </a:r>
+                    </a:p>
+                    <a:p>
+                      <a:r>
+                        <a:rPr lang="en-US" sz="900" baseline="0" dirty="0" smtClean="0"/>
+                        <a:t>B -  work on any CSS issues</a:t>
+                      </a:r>
+                    </a:p>
+                    <a:p>
+                      <a:endParaRPr lang="en-US" sz="900" baseline="0" dirty="0" smtClean="0"/>
+                    </a:p>
+                    <a:p>
+                      <a:r>
+                        <a:rPr lang="en-US" sz="900" baseline="0" dirty="0" smtClean="0"/>
+                        <a:t>Wayne </a:t>
+                      </a:r>
+                      <a:r>
+                        <a:rPr lang="mr-IN" sz="900" baseline="0" dirty="0" smtClean="0"/>
+                        <a:t>–</a:t>
+                      </a:r>
+                      <a:r>
+                        <a:rPr lang="en-US" sz="900" baseline="0" dirty="0" smtClean="0"/>
+                        <a:t> </a:t>
+                      </a:r>
+                      <a:r>
+                        <a:rPr lang="en-US" sz="900" baseline="0" dirty="0" err="1" smtClean="0"/>
+                        <a:t>handeling</a:t>
+                      </a:r>
+                      <a:r>
+                        <a:rPr lang="en-US" sz="900" baseline="0" dirty="0" smtClean="0"/>
+                        <a:t> </a:t>
+                      </a:r>
+                      <a:r>
+                        <a:rPr lang="en-US" sz="900" baseline="0" dirty="0" err="1" smtClean="0"/>
+                        <a:t>isLoggedIn</a:t>
+                      </a:r>
+                      <a:endParaRPr lang="en-US" sz="900" dirty="0"/>
+                    </a:p>
+                  </a:txBody>
+                  <a:tcPr/>
+                </a:tc>
+                <a:tc>
+                  <a:txBody>
+                    <a:bodyPr/>
+                    <a:lstStyle/>
+                    <a:p>
+                      <a:r>
+                        <a:rPr lang="en-US" sz="900" dirty="0" smtClean="0">
+                          <a:latin typeface="+mn-lt"/>
+                          <a:cs typeface="Arial"/>
+                        </a:rPr>
+                        <a:t>4</a:t>
+                      </a:r>
+                    </a:p>
+                  </a:txBody>
+                  <a:tcPr/>
+                </a:tc>
+                <a:tc>
+                  <a:txBody>
+                    <a:bodyPr/>
+                    <a:lstStyle/>
+                    <a:p>
+                      <a:r>
+                        <a:rPr lang="en-US" sz="900" dirty="0" smtClean="0">
+                          <a:latin typeface="+mn-lt"/>
+                          <a:cs typeface="Arial"/>
+                        </a:rPr>
+                        <a:t>5</a:t>
+                      </a:r>
+                    </a:p>
+                    <a:p>
+                      <a:pPr marL="0" marR="0" indent="0" algn="l" defTabSz="914400" rtl="0" eaLnBrk="1" fontAlgn="auto" latinLnBrk="0" hangingPunct="1">
+                        <a:lnSpc>
+                          <a:spcPct val="100000"/>
+                        </a:lnSpc>
+                        <a:spcBef>
+                          <a:spcPts val="0"/>
+                        </a:spcBef>
+                        <a:spcAft>
+                          <a:spcPts val="0"/>
+                        </a:spcAft>
+                        <a:buClrTx/>
+                        <a:buSzTx/>
+                        <a:buFontTx/>
+                        <a:buNone/>
+                        <a:tabLst/>
+                        <a:defRPr/>
+                      </a:pPr>
+                      <a:r>
+                        <a:rPr lang="en-US" sz="900" dirty="0" smtClean="0">
+                          <a:solidFill>
+                            <a:srgbClr val="B050D7"/>
+                          </a:solidFill>
+                          <a:latin typeface="+mn-lt"/>
+                          <a:cs typeface="Arial"/>
+                        </a:rPr>
+                        <a:t>MEET-UP</a:t>
+                      </a:r>
+                      <a:endParaRPr lang="en-US" sz="900" baseline="0" dirty="0" smtClean="0">
+                        <a:solidFill>
+                          <a:srgbClr val="B050D7"/>
+                        </a:solidFill>
+                        <a:latin typeface="+mn-lt"/>
+                        <a:cs typeface="Arial"/>
+                      </a:endParaRPr>
+                    </a:p>
+                    <a:p>
+                      <a:r>
+                        <a:rPr lang="en-US" sz="900" baseline="0" dirty="0" smtClean="0">
+                          <a:solidFill>
+                            <a:srgbClr val="B050D7"/>
+                          </a:solidFill>
+                          <a:latin typeface="+mn-lt"/>
+                          <a:cs typeface="Arial"/>
+                        </a:rPr>
+                        <a:t>5:30p </a:t>
+                      </a:r>
+                      <a:r>
+                        <a:rPr lang="mr-IN" sz="900" baseline="0" dirty="0" smtClean="0">
+                          <a:solidFill>
+                            <a:srgbClr val="B050D7"/>
+                          </a:solidFill>
+                          <a:latin typeface="+mn-lt"/>
+                          <a:cs typeface="Arial"/>
+                        </a:rPr>
+                        <a:t>–</a:t>
+                      </a:r>
+                      <a:r>
+                        <a:rPr lang="en-US" sz="900" baseline="0" dirty="0" smtClean="0">
+                          <a:solidFill>
+                            <a:srgbClr val="B050D7"/>
+                          </a:solidFill>
+                          <a:latin typeface="+mn-lt"/>
+                          <a:cs typeface="Arial"/>
+                        </a:rPr>
+                        <a:t> 9:30p</a:t>
+                      </a:r>
+                    </a:p>
+                    <a:p>
+                      <a:r>
+                        <a:rPr lang="en-US" sz="900" baseline="0" dirty="0" smtClean="0">
+                          <a:solidFill>
+                            <a:srgbClr val="B050D7"/>
+                          </a:solidFill>
+                          <a:latin typeface="+mn-lt"/>
+                          <a:cs typeface="Arial"/>
+                        </a:rPr>
+                        <a:t>Test functionality and work on bugs</a:t>
+                      </a:r>
+                    </a:p>
+                    <a:p>
+                      <a:endParaRPr lang="en-US" sz="900" dirty="0" smtClean="0">
+                        <a:latin typeface="+mn-lt"/>
+                        <a:cs typeface="Arial"/>
+                      </a:endParaRPr>
+                    </a:p>
+                  </a:txBody>
+                  <a:tcPr/>
+                </a:tc>
+                <a:tc>
+                  <a:txBody>
+                    <a:bodyPr/>
+                    <a:lstStyle/>
+                    <a:p>
+                      <a:r>
+                        <a:rPr lang="en-US" sz="900" dirty="0" smtClean="0"/>
+                        <a:t>6</a:t>
+                      </a:r>
+                    </a:p>
+                    <a:p>
+                      <a:endParaRPr lang="en-US" sz="900" dirty="0"/>
+                    </a:p>
+                  </a:txBody>
+                  <a:tcPr/>
+                </a:tc>
+                <a:tc>
+                  <a:txBody>
+                    <a:bodyPr/>
+                    <a:lstStyle/>
+                    <a:p>
+                      <a:r>
+                        <a:rPr lang="en-US" sz="900" dirty="0" smtClean="0"/>
+                        <a:t>7</a:t>
+                      </a:r>
+                    </a:p>
+                    <a:p>
+                      <a:r>
+                        <a:rPr lang="en-US" sz="900" dirty="0" smtClean="0"/>
+                        <a:t>Group </a:t>
+                      </a:r>
+                      <a:r>
+                        <a:rPr lang="mr-IN" sz="900" dirty="0" smtClean="0"/>
+                        <a:t>–</a:t>
+                      </a:r>
+                      <a:r>
+                        <a:rPr lang="en-US" sz="900" dirty="0" smtClean="0"/>
+                        <a:t> Bug</a:t>
+                      </a:r>
+                      <a:r>
+                        <a:rPr lang="en-US" sz="900" baseline="0" dirty="0" smtClean="0"/>
+                        <a:t> fixes loaded to GH</a:t>
+                      </a:r>
+                    </a:p>
+                    <a:p>
+                      <a:endParaRPr lang="en-US" sz="900" baseline="0" dirty="0" smtClean="0"/>
+                    </a:p>
+                    <a:p>
+                      <a:r>
+                        <a:rPr lang="en-US" sz="900" baseline="0" dirty="0" smtClean="0"/>
+                        <a:t>Wayne </a:t>
+                      </a:r>
+                      <a:r>
+                        <a:rPr lang="mr-IN" sz="900" baseline="0" dirty="0" smtClean="0"/>
+                        <a:t>–</a:t>
+                      </a:r>
+                      <a:r>
+                        <a:rPr lang="en-US" sz="900" baseline="0" dirty="0" smtClean="0"/>
+                        <a:t> Passing error messages</a:t>
+                      </a:r>
+                      <a:endParaRPr lang="en-US" sz="900" dirty="0"/>
+                    </a:p>
+                  </a:txBody>
+                  <a:tcPr/>
+                </a:tc>
+                <a:tc>
+                  <a:txBody>
+                    <a:bodyPr/>
+                    <a:lstStyle/>
+                    <a:p>
+                      <a:r>
+                        <a:rPr lang="en-US" sz="900" dirty="0" smtClean="0"/>
+                        <a:t>8</a:t>
+                      </a:r>
+                    </a:p>
+                    <a:p>
+                      <a:pPr marL="0" marR="0" indent="0" algn="l" defTabSz="914400" rtl="0" eaLnBrk="1" fontAlgn="auto" latinLnBrk="0" hangingPunct="1">
+                        <a:lnSpc>
+                          <a:spcPct val="100000"/>
+                        </a:lnSpc>
+                        <a:spcBef>
+                          <a:spcPts val="0"/>
+                        </a:spcBef>
+                        <a:spcAft>
+                          <a:spcPts val="0"/>
+                        </a:spcAft>
+                        <a:buClrTx/>
+                        <a:buSzTx/>
+                        <a:buFontTx/>
+                        <a:buNone/>
+                        <a:tabLst/>
+                        <a:defRPr/>
+                      </a:pPr>
+                      <a:r>
+                        <a:rPr lang="en-US" sz="900" dirty="0" smtClean="0">
+                          <a:solidFill>
+                            <a:srgbClr val="B050D7"/>
+                          </a:solidFill>
+                          <a:latin typeface="+mn-lt"/>
+                          <a:cs typeface="Arial"/>
+                        </a:rPr>
+                        <a:t>MEET-UP</a:t>
+                      </a:r>
+                      <a:endParaRPr lang="en-US" sz="900" baseline="0" dirty="0" smtClean="0">
+                        <a:solidFill>
+                          <a:srgbClr val="B050D7"/>
+                        </a:solidFill>
+                        <a:latin typeface="+mn-lt"/>
+                        <a:cs typeface="Arial"/>
+                      </a:endParaRPr>
+                    </a:p>
+                    <a:p>
+                      <a:r>
+                        <a:rPr lang="en-US" sz="900" baseline="0" dirty="0" smtClean="0">
+                          <a:solidFill>
+                            <a:srgbClr val="B050D7"/>
+                          </a:solidFill>
+                          <a:latin typeface="+mn-lt"/>
+                          <a:cs typeface="Arial"/>
+                        </a:rPr>
+                        <a:t>2:30p </a:t>
+                      </a:r>
+                      <a:r>
+                        <a:rPr lang="mr-IN" sz="900" baseline="0" dirty="0" smtClean="0">
+                          <a:solidFill>
+                            <a:srgbClr val="B050D7"/>
+                          </a:solidFill>
+                          <a:latin typeface="+mn-lt"/>
+                          <a:cs typeface="Arial"/>
+                        </a:rPr>
+                        <a:t>–</a:t>
+                      </a:r>
+                      <a:r>
+                        <a:rPr lang="en-US" sz="900" baseline="0" dirty="0" smtClean="0">
+                          <a:solidFill>
+                            <a:srgbClr val="B050D7"/>
+                          </a:solidFill>
+                          <a:latin typeface="+mn-lt"/>
+                          <a:cs typeface="Arial"/>
+                        </a:rPr>
+                        <a:t> 3:30p</a:t>
+                      </a:r>
+                    </a:p>
+                    <a:p>
+                      <a:endParaRPr lang="en-US" sz="900" dirty="0"/>
+                    </a:p>
+                  </a:txBody>
+                  <a:tcPr/>
+                </a:tc>
+              </a:tr>
+              <a:tr h="265955">
+                <a:tc>
+                  <a:txBody>
+                    <a:bodyPr/>
+                    <a:lstStyle/>
+                    <a:p>
+                      <a:r>
+                        <a:rPr lang="en-US" sz="900" dirty="0" smtClean="0"/>
+                        <a:t>Week 5</a:t>
+                      </a:r>
+                    </a:p>
+                  </a:txBody>
+                  <a:tcPr/>
+                </a:tc>
+                <a:tc>
+                  <a:txBody>
+                    <a:bodyPr/>
+                    <a:lstStyle/>
+                    <a:p>
+                      <a:endParaRPr lang="en-US" sz="900" dirty="0"/>
+                    </a:p>
+                  </a:txBody>
+                  <a:tcPr/>
+                </a:tc>
+                <a:tc>
+                  <a:txBody>
+                    <a:bodyPr/>
+                    <a:lstStyle/>
+                    <a:p>
+                      <a:endParaRPr lang="en-US" sz="900" dirty="0" smtClean="0">
+                        <a:latin typeface="+mn-lt"/>
+                        <a:cs typeface="Arial"/>
+                      </a:endParaRPr>
+                    </a:p>
+                  </a:txBody>
+                  <a:tcPr/>
+                </a:tc>
+                <a:tc>
+                  <a:txBody>
+                    <a:bodyPr/>
+                    <a:lstStyle/>
+                    <a:p>
+                      <a:endParaRPr lang="en-US" sz="900" dirty="0" smtClean="0">
+                        <a:latin typeface="+mn-lt"/>
+                        <a:cs typeface="Arial"/>
+                      </a:endParaRPr>
+                    </a:p>
+                  </a:txBody>
+                  <a:tcPr/>
+                </a:tc>
+                <a:tc>
+                  <a:txBody>
+                    <a:bodyPr/>
+                    <a:lstStyle/>
+                    <a:p>
+                      <a:endParaRPr lang="en-US" sz="900" dirty="0"/>
+                    </a:p>
+                  </a:txBody>
+                  <a:tcPr/>
+                </a:tc>
+                <a:tc>
+                  <a:txBody>
+                    <a:bodyPr/>
+                    <a:lstStyle/>
+                    <a:p>
+                      <a:endParaRPr lang="en-US" sz="900" dirty="0"/>
+                    </a:p>
+                  </a:txBody>
+                  <a:tcPr/>
+                </a:tc>
+                <a:tc>
+                  <a:txBody>
+                    <a:bodyPr/>
+                    <a:lstStyle/>
+                    <a:p>
+                      <a:endParaRPr lang="en-US" sz="900" dirty="0"/>
+                    </a:p>
+                  </a:txBody>
+                  <a:tcPr/>
+                </a:tc>
+              </a:tr>
+              <a:tr h="536210">
+                <a:tc>
+                  <a:txBody>
+                    <a:bodyPr/>
+                    <a:lstStyle/>
+                    <a:p>
+                      <a:r>
+                        <a:rPr lang="en-US" sz="900" dirty="0" smtClean="0"/>
+                        <a:t>9</a:t>
+                      </a:r>
+                    </a:p>
+                    <a:p>
+                      <a:pPr marL="0" marR="0" indent="0" algn="l" defTabSz="914400" rtl="0" eaLnBrk="1" fontAlgn="auto" latinLnBrk="0" hangingPunct="1">
+                        <a:lnSpc>
+                          <a:spcPct val="100000"/>
+                        </a:lnSpc>
+                        <a:spcBef>
+                          <a:spcPts val="0"/>
+                        </a:spcBef>
+                        <a:spcAft>
+                          <a:spcPts val="0"/>
+                        </a:spcAft>
+                        <a:buClrTx/>
+                        <a:buSzTx/>
+                        <a:buFontTx/>
+                        <a:buNone/>
+                        <a:tabLst/>
+                        <a:defRPr/>
+                      </a:pPr>
+                      <a:r>
+                        <a:rPr lang="en-US" sz="900" dirty="0" smtClean="0"/>
+                        <a:t>B </a:t>
+                      </a:r>
+                      <a:r>
+                        <a:rPr lang="mr-IN" sz="900" dirty="0" smtClean="0"/>
+                        <a:t>–</a:t>
+                      </a:r>
+                      <a:r>
+                        <a:rPr lang="en-US" sz="900" dirty="0" smtClean="0"/>
+                        <a:t> Power Point</a:t>
+                      </a:r>
+                    </a:p>
+                    <a:p>
+                      <a:endParaRPr lang="en-US" sz="900" dirty="0" smtClean="0"/>
+                    </a:p>
+                  </a:txBody>
+                  <a:tcPr/>
+                </a:tc>
+                <a:tc>
+                  <a:txBody>
+                    <a:bodyPr/>
+                    <a:lstStyle/>
+                    <a:p>
+                      <a:r>
+                        <a:rPr lang="en-US" sz="900" dirty="0" smtClean="0"/>
+                        <a:t>10</a:t>
+                      </a:r>
+                      <a:endParaRPr lang="en-US" sz="900" dirty="0"/>
+                    </a:p>
+                  </a:txBody>
+                  <a:tcPr/>
+                </a:tc>
+                <a:tc>
+                  <a:txBody>
+                    <a:bodyPr/>
+                    <a:lstStyle/>
+                    <a:p>
+                      <a:r>
+                        <a:rPr lang="en-US" sz="900" dirty="0" smtClean="0">
+                          <a:latin typeface="+mn-lt"/>
+                          <a:cs typeface="Arial"/>
+                        </a:rPr>
+                        <a:t>11</a:t>
+                      </a:r>
+                    </a:p>
+                  </a:txBody>
+                  <a:tcPr/>
+                </a:tc>
+                <a:tc>
+                  <a:txBody>
+                    <a:bodyPr/>
+                    <a:lstStyle/>
+                    <a:p>
+                      <a:r>
+                        <a:rPr lang="en-US" sz="900" dirty="0" smtClean="0">
+                          <a:latin typeface="+mn-lt"/>
+                          <a:cs typeface="Arial"/>
+                        </a:rPr>
+                        <a:t>12</a:t>
+                      </a:r>
+                    </a:p>
+                    <a:p>
+                      <a:pPr marL="0" marR="0" indent="0" algn="l" defTabSz="914400" rtl="0" eaLnBrk="1" fontAlgn="auto" latinLnBrk="0" hangingPunct="1">
+                        <a:lnSpc>
+                          <a:spcPct val="100000"/>
+                        </a:lnSpc>
+                        <a:spcBef>
+                          <a:spcPts val="0"/>
+                        </a:spcBef>
+                        <a:spcAft>
+                          <a:spcPts val="0"/>
+                        </a:spcAft>
+                        <a:buClrTx/>
+                        <a:buSzTx/>
+                        <a:buFontTx/>
+                        <a:buNone/>
+                        <a:tabLst/>
+                        <a:defRPr/>
+                      </a:pPr>
+                      <a:r>
+                        <a:rPr lang="en-US" sz="900" dirty="0" smtClean="0">
+                          <a:solidFill>
+                            <a:srgbClr val="B050D7"/>
+                          </a:solidFill>
+                          <a:latin typeface="+mn-lt"/>
+                          <a:cs typeface="Arial"/>
+                        </a:rPr>
+                        <a:t>MEET-UP</a:t>
+                      </a:r>
+                      <a:endParaRPr lang="en-US" sz="900" baseline="0" dirty="0" smtClean="0">
+                        <a:solidFill>
+                          <a:srgbClr val="B050D7"/>
+                        </a:solidFill>
+                        <a:latin typeface="+mn-lt"/>
+                        <a:cs typeface="Arial"/>
+                      </a:endParaRPr>
+                    </a:p>
+                    <a:p>
+                      <a:r>
+                        <a:rPr lang="en-US" sz="900" baseline="0" dirty="0" smtClean="0">
+                          <a:solidFill>
+                            <a:srgbClr val="B050D7"/>
+                          </a:solidFill>
+                          <a:latin typeface="+mn-lt"/>
+                          <a:cs typeface="Arial"/>
+                        </a:rPr>
+                        <a:t>5:30p </a:t>
+                      </a:r>
+                      <a:r>
+                        <a:rPr lang="mr-IN" sz="900" baseline="0" dirty="0" smtClean="0">
+                          <a:solidFill>
+                            <a:srgbClr val="B050D7"/>
+                          </a:solidFill>
+                          <a:latin typeface="+mn-lt"/>
+                          <a:cs typeface="Arial"/>
+                        </a:rPr>
+                        <a:t>–</a:t>
+                      </a:r>
+                      <a:r>
+                        <a:rPr lang="en-US" sz="900" baseline="0" dirty="0" smtClean="0">
+                          <a:solidFill>
+                            <a:srgbClr val="B050D7"/>
+                          </a:solidFill>
+                          <a:latin typeface="+mn-lt"/>
+                          <a:cs typeface="Arial"/>
+                        </a:rPr>
+                        <a:t> 9:30p</a:t>
+                      </a:r>
+                    </a:p>
+                    <a:p>
+                      <a:r>
+                        <a:rPr lang="en-US" sz="900" baseline="0" dirty="0" smtClean="0">
+                          <a:solidFill>
+                            <a:srgbClr val="B050D7"/>
+                          </a:solidFill>
+                          <a:latin typeface="+mn-lt"/>
+                          <a:cs typeface="Arial"/>
+                        </a:rPr>
+                        <a:t>Work on bugs</a:t>
+                      </a:r>
+                    </a:p>
+                    <a:p>
+                      <a:r>
+                        <a:rPr lang="en-US" sz="900" baseline="0" dirty="0" smtClean="0">
+                          <a:solidFill>
+                            <a:srgbClr val="B050D7"/>
+                          </a:solidFill>
+                          <a:latin typeface="+mn-lt"/>
+                          <a:cs typeface="Arial"/>
+                        </a:rPr>
+                        <a:t>Begin Presentation practice</a:t>
+                      </a:r>
+                    </a:p>
+                    <a:p>
+                      <a:endParaRPr lang="en-US" sz="900" dirty="0" smtClean="0">
+                        <a:latin typeface="+mn-lt"/>
+                        <a:cs typeface="Arial"/>
+                      </a:endParaRPr>
+                    </a:p>
+                  </a:txBody>
+                  <a:tcPr/>
+                </a:tc>
+                <a:tc>
+                  <a:txBody>
+                    <a:bodyPr/>
+                    <a:lstStyle/>
+                    <a:p>
+                      <a:r>
+                        <a:rPr lang="en-US" sz="900" dirty="0" smtClean="0"/>
+                        <a:t>13</a:t>
+                      </a:r>
+                    </a:p>
+                    <a:p>
+                      <a:pPr marL="0" marR="0" indent="0" algn="l" defTabSz="914400" rtl="0" eaLnBrk="1" fontAlgn="auto" latinLnBrk="0" hangingPunct="1">
+                        <a:lnSpc>
+                          <a:spcPct val="100000"/>
+                        </a:lnSpc>
+                        <a:spcBef>
+                          <a:spcPts val="0"/>
+                        </a:spcBef>
+                        <a:spcAft>
+                          <a:spcPts val="0"/>
+                        </a:spcAft>
+                        <a:buClrTx/>
+                        <a:buSzTx/>
+                        <a:buFontTx/>
+                        <a:buNone/>
+                        <a:tabLst/>
+                        <a:defRPr/>
+                      </a:pPr>
+                      <a:r>
+                        <a:rPr lang="en-US" sz="900" dirty="0" smtClean="0">
+                          <a:solidFill>
+                            <a:srgbClr val="B050D7"/>
+                          </a:solidFill>
+                          <a:latin typeface="+mn-lt"/>
+                          <a:cs typeface="Arial"/>
+                        </a:rPr>
+                        <a:t>MEET-UP</a:t>
+                      </a:r>
+                      <a:endParaRPr lang="en-US" sz="900" baseline="0" dirty="0" smtClean="0">
+                        <a:solidFill>
+                          <a:srgbClr val="B050D7"/>
+                        </a:solidFill>
+                        <a:latin typeface="+mn-lt"/>
+                        <a:cs typeface="Arial"/>
+                      </a:endParaRPr>
+                    </a:p>
+                    <a:p>
+                      <a:r>
+                        <a:rPr lang="en-US" sz="900" baseline="0" dirty="0" smtClean="0">
+                          <a:solidFill>
+                            <a:srgbClr val="B050D7"/>
+                          </a:solidFill>
+                          <a:latin typeface="+mn-lt"/>
+                          <a:cs typeface="Arial"/>
+                        </a:rPr>
+                        <a:t>5:30p </a:t>
+                      </a:r>
+                      <a:r>
+                        <a:rPr lang="mr-IN" sz="900" baseline="0" dirty="0" smtClean="0">
+                          <a:solidFill>
+                            <a:srgbClr val="B050D7"/>
+                          </a:solidFill>
+                          <a:latin typeface="+mn-lt"/>
+                          <a:cs typeface="Arial"/>
+                        </a:rPr>
+                        <a:t>–</a:t>
+                      </a:r>
+                      <a:r>
+                        <a:rPr lang="en-US" sz="900" baseline="0" dirty="0" smtClean="0">
+                          <a:solidFill>
+                            <a:srgbClr val="B050D7"/>
+                          </a:solidFill>
+                          <a:latin typeface="+mn-lt"/>
+                          <a:cs typeface="Arial"/>
+                        </a:rPr>
+                        <a:t> 9:30p</a:t>
+                      </a:r>
+                    </a:p>
+                    <a:p>
+                      <a:pPr marL="0" marR="0" indent="0" algn="l" defTabSz="914400" rtl="0" eaLnBrk="1" fontAlgn="auto" latinLnBrk="0" hangingPunct="1">
+                        <a:lnSpc>
+                          <a:spcPct val="100000"/>
+                        </a:lnSpc>
+                        <a:spcBef>
+                          <a:spcPts val="0"/>
+                        </a:spcBef>
+                        <a:spcAft>
+                          <a:spcPts val="0"/>
+                        </a:spcAft>
+                        <a:buClrTx/>
+                        <a:buSzTx/>
+                        <a:buFontTx/>
+                        <a:buNone/>
+                        <a:tabLst/>
+                        <a:defRPr/>
+                      </a:pPr>
+                      <a:r>
+                        <a:rPr lang="en-US" sz="900" baseline="0" dirty="0" smtClean="0">
+                          <a:solidFill>
+                            <a:srgbClr val="B050D7"/>
+                          </a:solidFill>
+                          <a:latin typeface="+mn-lt"/>
+                          <a:cs typeface="Arial"/>
+                        </a:rPr>
+                        <a:t>Work on Presentation</a:t>
+                      </a:r>
+                    </a:p>
+                    <a:p>
+                      <a:endParaRPr lang="en-US" sz="900" dirty="0"/>
+                    </a:p>
+                  </a:txBody>
+                  <a:tcPr/>
+                </a:tc>
+                <a:tc>
+                  <a:txBody>
+                    <a:bodyPr/>
+                    <a:lstStyle/>
+                    <a:p>
+                      <a:r>
+                        <a:rPr lang="en-US" sz="900" dirty="0" smtClean="0"/>
+                        <a:t>14</a:t>
+                      </a:r>
+                    </a:p>
+                    <a:p>
+                      <a:endParaRPr lang="en-US" sz="900" dirty="0" smtClean="0"/>
+                    </a:p>
+                    <a:p>
+                      <a:r>
+                        <a:rPr lang="en-US" sz="900" dirty="0" smtClean="0"/>
+                        <a:t>PRESENTATIONS</a:t>
+                      </a:r>
+                      <a:endParaRPr lang="en-US" sz="900" dirty="0"/>
+                    </a:p>
+                  </a:txBody>
+                  <a:tcPr/>
+                </a:tc>
+                <a:tc>
+                  <a:txBody>
+                    <a:bodyPr/>
+                    <a:lstStyle/>
+                    <a:p>
+                      <a:endParaRPr lang="en-US" sz="900" dirty="0"/>
+                    </a:p>
+                  </a:txBody>
+                  <a:tcPr/>
+                </a:tc>
+              </a:tr>
+            </a:tbl>
+          </a:graphicData>
+        </a:graphic>
+      </p:graphicFrame>
     </p:spTree>
     <p:extLst>
       <p:ext uri="{BB962C8B-B14F-4D97-AF65-F5344CB8AC3E}">
-        <p14:creationId xmlns:p14="http://schemas.microsoft.com/office/powerpoint/2010/main" val="786664040"/>
-      </p:ext>
-    </p:extLst>
-  </p:cSld>
-  <p:clrMapOvr>
-    <a:masterClrMapping/>
-  </p:clrMapOvr>
-  <p:timing>
-    <p:tnLst>
-      <p:par>
-        <p:cTn xmlns:p14="http://schemas.microsoft.com/office/powerpoint/2010/main" id="1" dur="indefinite" restart="never" nodeType="tmRoot"/>
-      </p:par>
-    </p:tnLst>
-  </p:timing>
-</p:sld>
-</file>
-
-<file path=ppt/slides/slide8.xml><?xml version="1.0" encoding="utf-8"?>
-<p:sld xmlns:a="http://schemas.openxmlformats.org/drawingml/2006/main" xmlns:r="http://schemas.openxmlformats.org/officeDocument/2006/relationships" xmlns:p="http://schemas.openxmlformats.org/presentationml/2006/main">
-  <p:cSld>
-    <p:spTree>
-      <p:nvGrpSpPr>
-        <p:cNvPr id="1" name=""/>
-        <p:cNvGrpSpPr/>
-        <p:nvPr/>
-      </p:nvGrpSpPr>
-      <p:grpSpPr>
-        <a:xfrm>
-          <a:off x="0" y="0"/>
-          <a:ext cx="0" cy="0"/>
-          <a:chOff x="0" y="0"/>
-          <a:chExt cx="0" cy="0"/>
-        </a:xfrm>
-      </p:grpSpPr>
-      <p:sp>
-        <p:nvSpPr>
-          <p:cNvPr id="2" name="Title 1"/>
-          <p:cNvSpPr>
-            <a:spLocks noGrp="1"/>
-          </p:cNvSpPr>
-          <p:nvPr>
-            <p:ph type="title"/>
-          </p:nvPr>
-        </p:nvSpPr>
-        <p:spPr/>
-        <p:txBody>
-          <a:bodyPr/>
-          <a:lstStyle/>
-          <a:p>
-            <a:r>
-              <a:rPr lang="en-US" dirty="0" smtClean="0"/>
-              <a:t>My Trips</a:t>
-            </a:r>
-            <a:endParaRPr lang="en-US" dirty="0"/>
-          </a:p>
-        </p:txBody>
-      </p:sp>
-      <p:pic>
-        <p:nvPicPr>
-          <p:cNvPr id="4" name="Picture 3"/>
-          <p:cNvPicPr>
-            <a:picLocks noChangeAspect="1"/>
-          </p:cNvPicPr>
-          <p:nvPr/>
-        </p:nvPicPr>
-        <p:blipFill rotWithShape="1">
-          <a:blip r:embed="rId2"/>
-          <a:srcRect r="33894"/>
-          <a:stretch/>
-        </p:blipFill>
-        <p:spPr>
-          <a:xfrm>
-            <a:off x="233030" y="1548236"/>
-            <a:ext cx="3492500" cy="3492500"/>
-          </a:xfrm>
-          <a:prstGeom prst="rect">
-            <a:avLst/>
-          </a:prstGeom>
-        </p:spPr>
-      </p:pic>
-      <p:pic>
-        <p:nvPicPr>
-          <p:cNvPr id="5" name="Picture 4" descr="images.png"/>
-          <p:cNvPicPr>
-            <a:picLocks noChangeAspect="1"/>
-          </p:cNvPicPr>
-          <p:nvPr/>
-        </p:nvPicPr>
-        <p:blipFill>
-          <a:blip r:embed="rId3">
-            <a:extLst>
-              <a:ext uri="{BEBA8EAE-BF5A-486C-A8C5-ECC9F3942E4B}">
-                <a14:imgProps xmlns:a14="http://schemas.microsoft.com/office/drawing/2010/main">
-                  <a14:imgLayer r:embed="rId4">
-                    <a14:imgEffect>
-                      <a14:backgroundRemoval t="889" b="98667" l="0" r="100000">
-                        <a14:foregroundMark x1="5333" y1="5333" x2="91556" y2="6222"/>
-                        <a14:foregroundMark x1="34667" y1="17333" x2="59556" y2="17333"/>
-                        <a14:foregroundMark x1="7111" y1="92444" x2="97778" y2="93778"/>
-                        <a14:backgroundMark x1="34222" y1="12444" x2="64444" y2="11111"/>
-                        <a14:backgroundMark x1="5333" y1="29778" x2="7111" y2="84889"/>
-                        <a14:backgroundMark x1="6222" y1="87556" x2="96000" y2="88000"/>
-                        <a14:backgroundMark x1="95111" y1="84889" x2="92889" y2="27556"/>
-                        <a14:backgroundMark x1="93333" y1="26667" x2="5333" y2="30667"/>
-                        <a14:backgroundMark x1="68000" y1="23111" x2="66222" y2="11111"/>
-                        <a14:backgroundMark x1="32444" y1="10222" x2="32444" y2="13778"/>
-                        <a14:backgroundMark x1="9333" y1="76889" x2="94222" y2="76889"/>
-                        <a14:backgroundMark x1="10222" y1="34222" x2="90667" y2="71556"/>
-                        <a14:backgroundMark x1="75111" y1="70667" x2="12000" y2="67556"/>
-                        <a14:backgroundMark x1="34667" y1="35111" x2="87111" y2="58222"/>
-                      </a14:backgroundRemoval>
-                    </a14:imgEffect>
-                  </a14:imgLayer>
-                </a14:imgProps>
-              </a:ext>
-              <a:ext uri="{28A0092B-C50C-407E-A947-70E740481C1C}">
-                <a14:useLocalDpi xmlns:a14="http://schemas.microsoft.com/office/drawing/2010/main" val="0"/>
-              </a:ext>
-            </a:extLst>
-          </a:blip>
-          <a:stretch>
-            <a:fillRect/>
-          </a:stretch>
-        </p:blipFill>
-        <p:spPr>
-          <a:xfrm>
-            <a:off x="233030" y="1548237"/>
-            <a:ext cx="3492500" cy="3492500"/>
-          </a:xfrm>
-          <a:prstGeom prst="rect">
-            <a:avLst/>
-          </a:prstGeom>
-        </p:spPr>
-      </p:pic>
-      <p:sp>
-        <p:nvSpPr>
-          <p:cNvPr id="6" name="TextBox 5"/>
-          <p:cNvSpPr txBox="1"/>
-          <p:nvPr/>
-        </p:nvSpPr>
-        <p:spPr>
-          <a:xfrm>
-            <a:off x="387408" y="2309160"/>
-            <a:ext cx="3120798" cy="830997"/>
-          </a:xfrm>
-          <a:prstGeom prst="rect">
-            <a:avLst/>
-          </a:prstGeom>
-          <a:noFill/>
-        </p:spPr>
-        <p:txBody>
-          <a:bodyPr wrap="square" rtlCol="0">
-            <a:spAutoFit/>
-          </a:bodyPr>
-          <a:lstStyle/>
-          <a:p>
-            <a:r>
-              <a:rPr lang="en-US" sz="4800" dirty="0" smtClean="0">
-                <a:solidFill>
-                  <a:schemeClr val="bg1"/>
-                </a:solidFill>
-                <a:effectLst>
-                  <a:outerShdw blurRad="50800" dist="38100" dir="2700000" algn="tl" rotWithShape="0">
-                    <a:srgbClr val="000000">
-                      <a:alpha val="43000"/>
-                    </a:srgbClr>
-                  </a:outerShdw>
-                </a:effectLst>
-                <a:latin typeface="SignPainter-HouseScript"/>
-                <a:cs typeface="SignPainter-HouseScript"/>
-              </a:rPr>
-              <a:t>Bangkok</a:t>
-            </a:r>
-            <a:endParaRPr lang="en-US" sz="4800" dirty="0">
-              <a:solidFill>
-                <a:schemeClr val="bg1"/>
-              </a:solidFill>
-              <a:effectLst>
-                <a:outerShdw blurRad="50800" dist="38100" dir="2700000" algn="tl" rotWithShape="0">
-                  <a:srgbClr val="000000">
-                    <a:alpha val="43000"/>
-                  </a:srgbClr>
-                </a:outerShdw>
-              </a:effectLst>
-              <a:latin typeface="SignPainter-HouseScript"/>
-              <a:cs typeface="SignPainter-HouseScript"/>
-            </a:endParaRPr>
-          </a:p>
-        </p:txBody>
-      </p:sp>
-      <p:sp>
-        <p:nvSpPr>
-          <p:cNvPr id="8" name="Rounded Rectangle 7"/>
-          <p:cNvSpPr/>
-          <p:nvPr/>
-        </p:nvSpPr>
-        <p:spPr>
-          <a:xfrm>
-            <a:off x="1355932" y="3954714"/>
-            <a:ext cx="2195320" cy="688857"/>
-          </a:xfrm>
-          <a:prstGeom prst="roundRect">
-            <a:avLst/>
-          </a:prstGeom>
-        </p:spPr>
-        <p:style>
-          <a:lnRef idx="1">
-            <a:schemeClr val="accent1"/>
-          </a:lnRef>
-          <a:fillRef idx="3">
-            <a:schemeClr val="accent1"/>
-          </a:fillRef>
-          <a:effectRef idx="2">
-            <a:schemeClr val="accent1"/>
-          </a:effectRef>
-          <a:fontRef idx="minor">
-            <a:schemeClr val="lt1"/>
-          </a:fontRef>
-        </p:style>
-        <p:txBody>
-          <a:bodyPr rtlCol="0" anchor="ctr"/>
-          <a:lstStyle/>
-          <a:p>
-            <a:pPr algn="ctr"/>
-            <a:r>
-              <a:rPr lang="en-US" dirty="0" smtClean="0">
-                <a:latin typeface="Abadi MT Condensed Extra Bold"/>
-                <a:cs typeface="Abadi MT Condensed Extra Bold"/>
-              </a:rPr>
-              <a:t>July 24 </a:t>
-            </a:r>
-            <a:r>
-              <a:rPr lang="mr-IN" dirty="0" smtClean="0">
-                <a:latin typeface="Abadi MT Condensed Extra Bold"/>
-                <a:cs typeface="Abadi MT Condensed Extra Bold"/>
-              </a:rPr>
-              <a:t>–</a:t>
-            </a:r>
-            <a:r>
-              <a:rPr lang="en-US" dirty="0" smtClean="0">
-                <a:latin typeface="Abadi MT Condensed Extra Bold"/>
-                <a:cs typeface="Abadi MT Condensed Extra Bold"/>
-              </a:rPr>
-              <a:t> Aug 7</a:t>
-            </a:r>
-          </a:p>
-          <a:p>
-            <a:pPr algn="ctr"/>
-            <a:r>
-              <a:rPr lang="en-US" dirty="0" smtClean="0">
-                <a:latin typeface="Abadi MT Condensed Extra Bold"/>
-                <a:cs typeface="Abadi MT Condensed Extra Bold"/>
-              </a:rPr>
-              <a:t>16days Adventure</a:t>
-            </a:r>
-            <a:endParaRPr lang="en-US" dirty="0">
-              <a:latin typeface="Abadi MT Condensed Extra Bold"/>
-              <a:cs typeface="Abadi MT Condensed Extra Bold"/>
-            </a:endParaRPr>
-          </a:p>
-        </p:txBody>
-      </p:sp>
-      <p:pic>
-        <p:nvPicPr>
-          <p:cNvPr id="9" name="Picture 8"/>
-          <p:cNvPicPr>
-            <a:picLocks noChangeAspect="1"/>
-          </p:cNvPicPr>
-          <p:nvPr/>
-        </p:nvPicPr>
-        <p:blipFill rotWithShape="1">
-          <a:blip r:embed="rId5"/>
-          <a:srcRect l="12672" r="14339"/>
-          <a:stretch/>
-        </p:blipFill>
-        <p:spPr>
-          <a:xfrm>
-            <a:off x="3922953" y="1548237"/>
-            <a:ext cx="3492501" cy="3273953"/>
-          </a:xfrm>
-          <a:prstGeom prst="rect">
-            <a:avLst/>
-          </a:prstGeom>
-        </p:spPr>
-      </p:pic>
-      <p:pic>
-        <p:nvPicPr>
-          <p:cNvPr id="11" name="Picture 10" descr="images.png"/>
-          <p:cNvPicPr>
-            <a:picLocks noChangeAspect="1"/>
-          </p:cNvPicPr>
-          <p:nvPr/>
-        </p:nvPicPr>
-        <p:blipFill>
-          <a:blip r:embed="rId3">
-            <a:extLst>
-              <a:ext uri="{BEBA8EAE-BF5A-486C-A8C5-ECC9F3942E4B}">
-                <a14:imgProps xmlns:a14="http://schemas.microsoft.com/office/drawing/2010/main">
-                  <a14:imgLayer r:embed="rId4">
-                    <a14:imgEffect>
-                      <a14:backgroundRemoval t="889" b="98667" l="0" r="100000">
-                        <a14:foregroundMark x1="5333" y1="5333" x2="91556" y2="6222"/>
-                        <a14:foregroundMark x1="34667" y1="17333" x2="59556" y2="17333"/>
-                        <a14:foregroundMark x1="7111" y1="92444" x2="97778" y2="93778"/>
-                        <a14:backgroundMark x1="34222" y1="12444" x2="64444" y2="11111"/>
-                        <a14:backgroundMark x1="5333" y1="29778" x2="7111" y2="84889"/>
-                        <a14:backgroundMark x1="6222" y1="87556" x2="96000" y2="88000"/>
-                        <a14:backgroundMark x1="95111" y1="84889" x2="92889" y2="27556"/>
-                        <a14:backgroundMark x1="93333" y1="26667" x2="5333" y2="30667"/>
-                        <a14:backgroundMark x1="68000" y1="23111" x2="66222" y2="11111"/>
-                        <a14:backgroundMark x1="32444" y1="10222" x2="32444" y2="13778"/>
-                        <a14:backgroundMark x1="9333" y1="76889" x2="94222" y2="76889"/>
-                        <a14:backgroundMark x1="10222" y1="34222" x2="90667" y2="71556"/>
-                        <a14:backgroundMark x1="75111" y1="70667" x2="12000" y2="67556"/>
-                        <a14:backgroundMark x1="34667" y1="35111" x2="87111" y2="58222"/>
-                      </a14:backgroundRemoval>
-                    </a14:imgEffect>
-                  </a14:imgLayer>
-                </a14:imgProps>
-              </a:ext>
-              <a:ext uri="{28A0092B-C50C-407E-A947-70E740481C1C}">
-                <a14:useLocalDpi xmlns:a14="http://schemas.microsoft.com/office/drawing/2010/main" val="0"/>
-              </a:ext>
-            </a:extLst>
-          </a:blip>
-          <a:stretch>
-            <a:fillRect/>
-          </a:stretch>
-        </p:blipFill>
-        <p:spPr>
-          <a:xfrm>
-            <a:off x="3920976" y="1548237"/>
-            <a:ext cx="3492500" cy="3492500"/>
-          </a:xfrm>
-          <a:prstGeom prst="rect">
-            <a:avLst/>
-          </a:prstGeom>
-        </p:spPr>
-      </p:pic>
-      <p:sp>
-        <p:nvSpPr>
-          <p:cNvPr id="12" name="TextBox 11"/>
-          <p:cNvSpPr txBox="1"/>
-          <p:nvPr/>
-        </p:nvSpPr>
-        <p:spPr>
-          <a:xfrm>
-            <a:off x="3971517" y="2391338"/>
-            <a:ext cx="3120798" cy="830997"/>
-          </a:xfrm>
-          <a:prstGeom prst="rect">
-            <a:avLst/>
-          </a:prstGeom>
-          <a:noFill/>
-        </p:spPr>
-        <p:txBody>
-          <a:bodyPr wrap="square" rtlCol="0">
-            <a:spAutoFit/>
-          </a:bodyPr>
-          <a:lstStyle/>
-          <a:p>
-            <a:r>
-              <a:rPr lang="en-US" sz="4800" dirty="0" smtClean="0">
-                <a:solidFill>
-                  <a:schemeClr val="bg1"/>
-                </a:solidFill>
-                <a:effectLst>
-                  <a:outerShdw blurRad="50800" dist="38100" dir="2700000" algn="tl" rotWithShape="0">
-                    <a:srgbClr val="000000">
-                      <a:alpha val="43000"/>
-                    </a:srgbClr>
-                  </a:outerShdw>
-                </a:effectLst>
-                <a:latin typeface="SignPainter-HouseScript"/>
-                <a:cs typeface="SignPainter-HouseScript"/>
-              </a:rPr>
-              <a:t>Chicago</a:t>
-            </a:r>
-            <a:endParaRPr lang="en-US" sz="4800" dirty="0">
-              <a:solidFill>
-                <a:schemeClr val="bg1"/>
-              </a:solidFill>
-              <a:effectLst>
-                <a:outerShdw blurRad="50800" dist="38100" dir="2700000" algn="tl" rotWithShape="0">
-                  <a:srgbClr val="000000">
-                    <a:alpha val="43000"/>
-                  </a:srgbClr>
-                </a:outerShdw>
-              </a:effectLst>
-              <a:latin typeface="SignPainter-HouseScript"/>
-              <a:cs typeface="SignPainter-HouseScript"/>
-            </a:endParaRPr>
-          </a:p>
-        </p:txBody>
-      </p:sp>
-      <p:sp>
-        <p:nvSpPr>
-          <p:cNvPr id="13" name="Rounded Rectangle 12"/>
-          <p:cNvSpPr/>
-          <p:nvPr/>
-        </p:nvSpPr>
-        <p:spPr>
-          <a:xfrm>
-            <a:off x="4994196" y="4014480"/>
-            <a:ext cx="2195320" cy="688857"/>
-          </a:xfrm>
-          <a:prstGeom prst="roundRect">
-            <a:avLst/>
-          </a:prstGeom>
-        </p:spPr>
-        <p:style>
-          <a:lnRef idx="1">
-            <a:schemeClr val="accent1"/>
-          </a:lnRef>
-          <a:fillRef idx="3">
-            <a:schemeClr val="accent1"/>
-          </a:fillRef>
-          <a:effectRef idx="2">
-            <a:schemeClr val="accent1"/>
-          </a:effectRef>
-          <a:fontRef idx="minor">
-            <a:schemeClr val="lt1"/>
-          </a:fontRef>
-        </p:style>
-        <p:txBody>
-          <a:bodyPr rtlCol="0" anchor="ctr"/>
-          <a:lstStyle/>
-          <a:p>
-            <a:pPr algn="ctr"/>
-            <a:r>
-              <a:rPr lang="en-US" dirty="0" smtClean="0">
-                <a:latin typeface="Abadi MT Condensed Extra Bold"/>
-                <a:cs typeface="Abadi MT Condensed Extra Bold"/>
-              </a:rPr>
-              <a:t>Sept. 15 </a:t>
-            </a:r>
-            <a:r>
-              <a:rPr lang="mr-IN" dirty="0" smtClean="0">
-                <a:latin typeface="Abadi MT Condensed Extra Bold"/>
-                <a:cs typeface="Abadi MT Condensed Extra Bold"/>
-              </a:rPr>
-              <a:t>–</a:t>
-            </a:r>
-            <a:r>
-              <a:rPr lang="en-US" dirty="0" smtClean="0">
-                <a:latin typeface="Abadi MT Condensed Extra Bold"/>
-                <a:cs typeface="Abadi MT Condensed Extra Bold"/>
-              </a:rPr>
-              <a:t> Sept 18</a:t>
-            </a:r>
-          </a:p>
-          <a:p>
-            <a:pPr algn="ctr"/>
-            <a:r>
-              <a:rPr lang="en-US" dirty="0" smtClean="0">
-                <a:latin typeface="Abadi MT Condensed Extra Bold"/>
-                <a:cs typeface="Abadi MT Condensed Extra Bold"/>
-              </a:rPr>
-              <a:t>3days Business</a:t>
-            </a:r>
-            <a:endParaRPr lang="en-US" dirty="0">
-              <a:latin typeface="Abadi MT Condensed Extra Bold"/>
-              <a:cs typeface="Abadi MT Condensed Extra Bold"/>
-            </a:endParaRPr>
-          </a:p>
-        </p:txBody>
-      </p:sp>
-    </p:spTree>
-    <p:extLst>
-      <p:ext uri="{BB962C8B-B14F-4D97-AF65-F5344CB8AC3E}">
-        <p14:creationId xmlns:p14="http://schemas.microsoft.com/office/powerpoint/2010/main" val="3000596660"/>
-      </p:ext>
-    </p:extLst>
-  </p:cSld>
-  <p:clrMapOvr>
-    <a:masterClrMapping/>
-  </p:clrMapOvr>
-  <p:timing>
-    <p:tnLst>
-      <p:par>
-        <p:cTn xmlns:p14="http://schemas.microsoft.com/office/powerpoint/2010/main" id="1" dur="indefinite" restart="never" nodeType="tmRoot"/>
-      </p:par>
-    </p:tnLst>
-  </p:timing>
-</p:sld>
-</file>
-
-<file path=ppt/slides/slide9.xml><?xml version="1.0" encoding="utf-8"?>
-<p:sld xmlns:a="http://schemas.openxmlformats.org/drawingml/2006/main" xmlns:r="http://schemas.openxmlformats.org/officeDocument/2006/relationships" xmlns:p="http://schemas.openxmlformats.org/presentationml/2006/main">
-  <p:cSld>
-    <p:spTree>
-      <p:nvGrpSpPr>
-        <p:cNvPr id="1" name=""/>
-        <p:cNvGrpSpPr/>
-        <p:nvPr/>
-      </p:nvGrpSpPr>
-      <p:grpSpPr>
-        <a:xfrm>
-          <a:off x="0" y="0"/>
-          <a:ext cx="0" cy="0"/>
-          <a:chOff x="0" y="0"/>
-          <a:chExt cx="0" cy="0"/>
-        </a:xfrm>
-      </p:grpSpPr>
-      <p:pic>
-        <p:nvPicPr>
-          <p:cNvPr id="5" name="Picture 4" descr="images.png"/>
-          <p:cNvPicPr>
-            <a:picLocks noChangeAspect="1"/>
-          </p:cNvPicPr>
-          <p:nvPr/>
-        </p:nvPicPr>
-        <p:blipFill>
-          <a:blip r:embed="rId2">
-            <a:extLst>
-              <a:ext uri="{BEBA8EAE-BF5A-486C-A8C5-ECC9F3942E4B}">
-                <a14:imgProps xmlns:a14="http://schemas.microsoft.com/office/drawing/2010/main">
-                  <a14:imgLayer r:embed="rId3">
-                    <a14:imgEffect>
-                      <a14:backgroundRemoval t="889" b="98667" l="0" r="100000">
-                        <a14:foregroundMark x1="5333" y1="5333" x2="91556" y2="6222"/>
-                        <a14:foregroundMark x1="34667" y1="17333" x2="59556" y2="17333"/>
-                        <a14:foregroundMark x1="7111" y1="92444" x2="97778" y2="93778"/>
-                        <a14:backgroundMark x1="34222" y1="12444" x2="64444" y2="11111"/>
-                        <a14:backgroundMark x1="5333" y1="29778" x2="7111" y2="84889"/>
-                        <a14:backgroundMark x1="6222" y1="87556" x2="96000" y2="88000"/>
-                        <a14:backgroundMark x1="95111" y1="84889" x2="92889" y2="27556"/>
-                        <a14:backgroundMark x1="93333" y1="26667" x2="5333" y2="30667"/>
-                        <a14:backgroundMark x1="68000" y1="23111" x2="66222" y2="11111"/>
-                        <a14:backgroundMark x1="32444" y1="10222" x2="32444" y2="13778"/>
-                        <a14:backgroundMark x1="9333" y1="76889" x2="94222" y2="76889"/>
-                        <a14:backgroundMark x1="10222" y1="34222" x2="90667" y2="71556"/>
-                        <a14:backgroundMark x1="75111" y1="70667" x2="12000" y2="67556"/>
-                        <a14:backgroundMark x1="34667" y1="35111" x2="87111" y2="58222"/>
-                      </a14:backgroundRemoval>
-                    </a14:imgEffect>
-                  </a14:imgLayer>
-                </a14:imgProps>
-              </a:ext>
-              <a:ext uri="{28A0092B-C50C-407E-A947-70E740481C1C}">
-                <a14:useLocalDpi xmlns:a14="http://schemas.microsoft.com/office/drawing/2010/main" val="0"/>
-              </a:ext>
-            </a:extLst>
-          </a:blip>
-          <a:stretch>
-            <a:fillRect/>
-          </a:stretch>
-        </p:blipFill>
-        <p:spPr>
-          <a:xfrm>
-            <a:off x="515235" y="889698"/>
-            <a:ext cx="2212748" cy="2212748"/>
-          </a:xfrm>
-          <a:prstGeom prst="rect">
-            <a:avLst/>
-          </a:prstGeom>
-        </p:spPr>
-      </p:pic>
-    </p:spTree>
-    <p:extLst>
-      <p:ext uri="{BB962C8B-B14F-4D97-AF65-F5344CB8AC3E}">
-        <p14:creationId xmlns:p14="http://schemas.microsoft.com/office/powerpoint/2010/main" val="1935740795"/>
+        <p14:creationId xmlns:p14="http://schemas.microsoft.com/office/powerpoint/2010/main" val="1965674859"/>
       </p:ext>
     </p:extLst>
   </p:cSld>

--- a/WanderMust_Proposal.pptx
+++ b/WanderMust_Proposal.pptx
@@ -9,6 +9,7 @@
     <p:sldId id="257" r:id="rId3"/>
     <p:sldId id="258" r:id="rId4"/>
     <p:sldId id="260" r:id="rId5"/>
+    <p:sldId id="261" r:id="rId6"/>
   </p:sldIdLst>
   <p:sldSz cx="7772400" cy="10058400"/>
   <p:notesSz cx="6858000" cy="9144000"/>
@@ -579,7 +580,7 @@
             <a:fld id="{E30E2307-1E40-4E12-8716-25BFDA8E7013}" type="datetime1">
               <a:rPr lang="en-US" smtClean="0"/>
               <a:pPr/>
-              <a:t>6/22/18</a:t>
+              <a:t>7/2/18</a:t>
             </a:fld>
             <a:endParaRPr lang="en-US"/>
           </a:p>
@@ -746,7 +747,7 @@
             <a:fld id="{E5CFCF5A-EA79-452C-A52C-1A2668C2E7DF}" type="datetime1">
               <a:rPr lang="en-US" smtClean="0"/>
               <a:pPr/>
-              <a:t>6/22/18</a:t>
+              <a:t>7/2/18</a:t>
             </a:fld>
             <a:endParaRPr lang="en-US"/>
           </a:p>
@@ -923,7 +924,7 @@
             <a:fld id="{2E5C4C28-BD4B-4892-9A2D-6E19BD753A9A}" type="datetime1">
               <a:rPr lang="en-US" smtClean="0"/>
               <a:pPr/>
-              <a:t>6/22/18</a:t>
+              <a:t>7/2/18</a:t>
             </a:fld>
             <a:endParaRPr lang="en-US"/>
           </a:p>
@@ -1176,7 +1177,7 @@
             <a:fld id="{61FD9D02-426E-46C9-9EE9-0DE1EF8B2838}" type="datetime1">
               <a:rPr lang="en-US" smtClean="0"/>
               <a:pPr/>
-              <a:t>6/22/18</a:t>
+              <a:t>7/2/18</a:t>
             </a:fld>
             <a:endParaRPr lang="en-US"/>
           </a:p>
@@ -1731,7 +1732,7 @@
             <a:fld id="{7B8AEBBE-F8B2-42CF-9895-E86A608384EB}" type="datetime1">
               <a:rPr lang="en-US" smtClean="0"/>
               <a:pPr/>
-              <a:t>6/22/18</a:t>
+              <a:t>7/2/18</a:t>
             </a:fld>
             <a:endParaRPr lang="en-US"/>
           </a:p>
@@ -1993,7 +1994,7 @@
             <a:fld id="{E1FAA6B6-10E5-4810-BC9F-DA72D8452E73}" type="datetime1">
               <a:rPr lang="en-US" smtClean="0"/>
               <a:pPr/>
-              <a:t>6/22/18</a:t>
+              <a:t>7/2/18</a:t>
             </a:fld>
             <a:endParaRPr lang="en-US"/>
           </a:p>
@@ -2483,7 +2484,7 @@
             <a:fld id="{6D18D072-EF12-4AA2-BD71-ABC68B06D0E2}" type="datetime1">
               <a:rPr lang="en-US" smtClean="0"/>
               <a:pPr/>
-              <a:t>6/22/18</a:t>
+              <a:t>7/2/18</a:t>
             </a:fld>
             <a:endParaRPr lang="en-US"/>
           </a:p>
@@ -2598,7 +2599,7 @@
             <a:fld id="{B8CDBF60-6CC3-4B74-A60D-3486985E4346}" type="datetime1">
               <a:rPr lang="en-US" smtClean="0"/>
               <a:pPr/>
-              <a:t>6/22/18</a:t>
+              <a:t>7/2/18</a:t>
             </a:fld>
             <a:endParaRPr lang="en-US"/>
           </a:p>
@@ -2690,7 +2691,7 @@
             <a:fld id="{22714818-984F-4759-BF72-A33BDC1963BD}" type="datetime1">
               <a:rPr lang="en-US" smtClean="0"/>
               <a:pPr/>
-              <a:t>6/22/18</a:t>
+              <a:t>7/2/18</a:t>
             </a:fld>
             <a:endParaRPr lang="en-US"/>
           </a:p>
@@ -3122,7 +3123,7 @@
             <a:fld id="{9EA7E191-5F94-4FC1-B823-BD7CABF7FA06}" type="datetime1">
               <a:rPr lang="en-US" smtClean="0"/>
               <a:pPr/>
-              <a:t>6/22/18</a:t>
+              <a:t>7/2/18</a:t>
             </a:fld>
             <a:endParaRPr lang="en-US"/>
           </a:p>
@@ -3657,7 +3658,7 @@
             <a:fld id="{88856D55-EFBE-4F9B-8A5F-09D42CA22A9B}" type="datetime1">
               <a:rPr lang="en-US" smtClean="0"/>
               <a:pPr/>
-              <a:t>6/22/18</a:t>
+              <a:t>7/2/18</a:t>
             </a:fld>
             <a:endParaRPr lang="en-US"/>
           </a:p>
@@ -4499,7 +4500,7 @@
             <a:fld id="{9D1D110F-3F4E-48D9-B8AA-5D0E825AFDBA}" type="datetime1">
               <a:rPr lang="en-US" smtClean="0"/>
               <a:pPr/>
-              <a:t>6/22/18</a:t>
+              <a:t>7/2/18</a:t>
             </a:fld>
             <a:endParaRPr lang="en-US"/>
           </a:p>
@@ -8443,6 +8444,144 @@
 </p:sld>
 </file>
 
+<file path=ppt/slides/slide5.xml><?xml version="1.0" encoding="utf-8"?>
+<p:sld xmlns:a="http://schemas.openxmlformats.org/drawingml/2006/main" xmlns:r="http://schemas.openxmlformats.org/officeDocument/2006/relationships" xmlns:p="http://schemas.openxmlformats.org/presentationml/2006/main">
+  <p:cSld>
+    <p:spTree>
+      <p:nvGrpSpPr>
+        <p:cNvPr id="1" name=""/>
+        <p:cNvGrpSpPr/>
+        <p:nvPr/>
+      </p:nvGrpSpPr>
+      <p:grpSpPr>
+        <a:xfrm>
+          <a:off x="0" y="0"/>
+          <a:ext cx="0" cy="0"/>
+          <a:chOff x="0" y="0"/>
+          <a:chExt cx="0" cy="0"/>
+        </a:xfrm>
+      </p:grpSpPr>
+      <p:pic>
+        <p:nvPicPr>
+          <p:cNvPr id="2" name="Picture 1"/>
+          <p:cNvPicPr>
+            <a:picLocks noChangeAspect="1"/>
+          </p:cNvPicPr>
+          <p:nvPr/>
+        </p:nvPicPr>
+        <p:blipFill>
+          <a:blip r:embed="rId2"/>
+          <a:stretch>
+            <a:fillRect/>
+          </a:stretch>
+        </p:blipFill>
+        <p:spPr>
+          <a:xfrm>
+            <a:off x="292100" y="749300"/>
+            <a:ext cx="7188200" cy="8547100"/>
+          </a:xfrm>
+          <a:prstGeom prst="rect">
+            <a:avLst/>
+          </a:prstGeom>
+        </p:spPr>
+      </p:pic>
+      <p:sp>
+        <p:nvSpPr>
+          <p:cNvPr id="3" name="Rectangle 2"/>
+          <p:cNvSpPr/>
+          <p:nvPr/>
+        </p:nvSpPr>
+        <p:spPr>
+          <a:xfrm>
+            <a:off x="534731" y="2423207"/>
+            <a:ext cx="6684139" cy="4762857"/>
+          </a:xfrm>
+          <a:prstGeom prst="rect">
+            <a:avLst/>
+          </a:prstGeom>
+          <a:solidFill>
+            <a:schemeClr val="bg1"/>
+          </a:solidFill>
+          <a:ln>
+            <a:noFill/>
+          </a:ln>
+          <a:effectLst/>
+        </p:spPr>
+        <p:style>
+          <a:lnRef idx="1">
+            <a:schemeClr val="accent1"/>
+          </a:lnRef>
+          <a:fillRef idx="3">
+            <a:schemeClr val="accent1"/>
+          </a:fillRef>
+          <a:effectRef idx="2">
+            <a:schemeClr val="accent1"/>
+          </a:effectRef>
+          <a:fontRef idx="minor">
+            <a:schemeClr val="lt1"/>
+          </a:fontRef>
+        </p:style>
+        <p:txBody>
+          <a:bodyPr rtlCol="0" anchor="ctr"/>
+          <a:lstStyle/>
+          <a:p>
+            <a:pPr algn="ctr"/>
+            <a:endParaRPr lang="en-US"/>
+          </a:p>
+        </p:txBody>
+      </p:sp>
+      <p:sp>
+        <p:nvSpPr>
+          <p:cNvPr id="4" name="TextBox 3"/>
+          <p:cNvSpPr txBox="1"/>
+          <p:nvPr/>
+        </p:nvSpPr>
+        <p:spPr>
+          <a:xfrm>
+            <a:off x="785386" y="2423207"/>
+            <a:ext cx="6216249" cy="923330"/>
+          </a:xfrm>
+          <a:prstGeom prst="rect">
+            <a:avLst/>
+          </a:prstGeom>
+          <a:noFill/>
+        </p:spPr>
+        <p:txBody>
+          <a:bodyPr wrap="square" rtlCol="0">
+            <a:spAutoFit/>
+          </a:bodyPr>
+          <a:lstStyle/>
+          <a:p>
+            <a:r>
+              <a:rPr lang="en-US" dirty="0" smtClean="0"/>
+              <a:t>Title: My Days in Seattle</a:t>
+            </a:r>
+          </a:p>
+          <a:p>
+            <a:endParaRPr lang="en-US" dirty="0"/>
+          </a:p>
+          <a:p>
+            <a:r>
+              <a:rPr lang="en-US" dirty="0" smtClean="0"/>
+              <a:t>Notes: </a:t>
+            </a:r>
+            <a:endParaRPr lang="en-US" dirty="0"/>
+          </a:p>
+        </p:txBody>
+      </p:sp>
+    </p:spTree>
+    <p:extLst>
+      <p:ext uri="{BB962C8B-B14F-4D97-AF65-F5344CB8AC3E}">
+        <p14:creationId xmlns:p14="http://schemas.microsoft.com/office/powerpoint/2010/main" val="227226710"/>
+      </p:ext>
+    </p:extLst>
+  </p:cSld>
+  <p:clrMapOvr>
+    <a:masterClrMapping/>
+  </p:clrMapOvr>
+</p:sld>
+</file>
+
 <file path=ppt/theme/theme1.xml><?xml version="1.0" encoding="utf-8"?>
 <a:theme xmlns:a="http://schemas.openxmlformats.org/drawingml/2006/main" name="Angles">
   <a:themeElements>
